--- a/presentations/Introduction to JUnit 5.pptx
+++ b/presentations/Introduction to JUnit 5.pptx
@@ -12,7 +12,14 @@
     <p:sldId id="260" r:id="rId6"/>
     <p:sldId id="265" r:id="rId7"/>
     <p:sldId id="261" r:id="rId8"/>
-    <p:sldId id="264" r:id="rId9"/>
+    <p:sldId id="266" r:id="rId9"/>
+    <p:sldId id="267" r:id="rId10"/>
+    <p:sldId id="268" r:id="rId11"/>
+    <p:sldId id="269" r:id="rId12"/>
+    <p:sldId id="270" r:id="rId13"/>
+    <p:sldId id="271" r:id="rId14"/>
+    <p:sldId id="272" r:id="rId15"/>
+    <p:sldId id="264" r:id="rId16"/>
   </p:sldIdLst>
   <p:sldSz cx="12192000" cy="6858000"/>
   <p:notesSz cx="6858000" cy="9144000"/>
@@ -3402,6 +3409,811 @@
 </p:sld>
 </file>
 
+<file path=ppt/slides/slide10.xml><?xml version="1.0" encoding="utf-8"?>
+<p:sld xmlns:a="http://schemas.openxmlformats.org/drawingml/2006/main" xmlns:r="http://schemas.openxmlformats.org/officeDocument/2006/relationships" xmlns:p="http://schemas.openxmlformats.org/presentationml/2006/main">
+  <p:cSld>
+    <p:spTree>
+      <p:nvGrpSpPr>
+        <p:cNvPr id="1" name=""/>
+        <p:cNvGrpSpPr/>
+        <p:nvPr/>
+      </p:nvGrpSpPr>
+      <p:grpSpPr>
+        <a:xfrm>
+          <a:off x="0" y="0"/>
+          <a:ext cx="0" cy="0"/>
+          <a:chOff x="0" y="0"/>
+          <a:chExt cx="0" cy="0"/>
+        </a:xfrm>
+      </p:grpSpPr>
+      <p:sp>
+        <p:nvSpPr>
+          <p:cNvPr id="2" name="Title 1">
+            <a:extLst>
+              <a:ext uri="{FF2B5EF4-FFF2-40B4-BE49-F238E27FC236}">
+                <a16:creationId xmlns:a16="http://schemas.microsoft.com/office/drawing/2014/main" id="{88BE01EE-A1FB-9B42-9CE2-5B541743970F}"/>
+              </a:ext>
+            </a:extLst>
+          </p:cNvPr>
+          <p:cNvSpPr>
+            <a:spLocks noGrp="1"/>
+          </p:cNvSpPr>
+          <p:nvPr>
+            <p:ph type="title"/>
+          </p:nvPr>
+        </p:nvSpPr>
+        <p:spPr/>
+        <p:txBody>
+          <a:bodyPr/>
+          <a:lstStyle/>
+          <a:p>
+            <a:r>
+              <a:rPr lang="en-US" dirty="0"/>
+              <a:t>Defining a custom composed tag annotation </a:t>
+            </a:r>
+          </a:p>
+        </p:txBody>
+      </p:sp>
+      <p:sp>
+        <p:nvSpPr>
+          <p:cNvPr id="3" name="Content Placeholder 2">
+            <a:extLst>
+              <a:ext uri="{FF2B5EF4-FFF2-40B4-BE49-F238E27FC236}">
+                <a16:creationId xmlns:a16="http://schemas.microsoft.com/office/drawing/2014/main" id="{87EC70AF-47EC-6A45-94DE-16F5822BD566}"/>
+              </a:ext>
+            </a:extLst>
+          </p:cNvPr>
+          <p:cNvSpPr>
+            <a:spLocks noGrp="1"/>
+          </p:cNvSpPr>
+          <p:nvPr>
+            <p:ph idx="1"/>
+          </p:nvPr>
+        </p:nvSpPr>
+        <p:spPr/>
+        <p:txBody>
+          <a:bodyPr>
+            <a:normAutofit fontScale="92500" lnSpcReduction="10000"/>
+          </a:bodyPr>
+          <a:lstStyle/>
+          <a:p>
+            <a:pPr marL="0" indent="0">
+              <a:buNone/>
+            </a:pPr>
+            <a:r>
+              <a:rPr lang="en-US" sz="2400" dirty="0">
+                <a:latin typeface="JetBrains Mono NL" panose="02000009000000000000" pitchFamily="49" charset="0"/>
+                <a:ea typeface="JetBrains Mono NL" panose="02000009000000000000" pitchFamily="49" charset="0"/>
+                <a:cs typeface="JetBrains Mono NL" panose="02000009000000000000" pitchFamily="49" charset="0"/>
+              </a:rPr>
+              <a:t>import </a:t>
+            </a:r>
+            <a:r>
+              <a:rPr lang="en-US" sz="2400" dirty="0" err="1">
+                <a:latin typeface="JetBrains Mono NL" panose="02000009000000000000" pitchFamily="49" charset="0"/>
+                <a:ea typeface="JetBrains Mono NL" panose="02000009000000000000" pitchFamily="49" charset="0"/>
+                <a:cs typeface="JetBrains Mono NL" panose="02000009000000000000" pitchFamily="49" charset="0"/>
+              </a:rPr>
+              <a:t>java.lang.annotation.ElementType</a:t>
+            </a:r>
+            <a:r>
+              <a:rPr lang="en-US" sz="2400" dirty="0">
+                <a:latin typeface="JetBrains Mono NL" panose="02000009000000000000" pitchFamily="49" charset="0"/>
+                <a:ea typeface="JetBrains Mono NL" panose="02000009000000000000" pitchFamily="49" charset="0"/>
+                <a:cs typeface="JetBrains Mono NL" panose="02000009000000000000" pitchFamily="49" charset="0"/>
+              </a:rPr>
+              <a:t>;</a:t>
+            </a:r>
+          </a:p>
+          <a:p>
+            <a:pPr marL="0" indent="0">
+              <a:buNone/>
+            </a:pPr>
+            <a:r>
+              <a:rPr lang="en-US" sz="2400" dirty="0">
+                <a:latin typeface="JetBrains Mono NL" panose="02000009000000000000" pitchFamily="49" charset="0"/>
+                <a:ea typeface="JetBrains Mono NL" panose="02000009000000000000" pitchFamily="49" charset="0"/>
+                <a:cs typeface="JetBrains Mono NL" panose="02000009000000000000" pitchFamily="49" charset="0"/>
+              </a:rPr>
+              <a:t>import </a:t>
+            </a:r>
+            <a:r>
+              <a:rPr lang="en-US" sz="2400" dirty="0" err="1">
+                <a:latin typeface="JetBrains Mono NL" panose="02000009000000000000" pitchFamily="49" charset="0"/>
+                <a:ea typeface="JetBrains Mono NL" panose="02000009000000000000" pitchFamily="49" charset="0"/>
+                <a:cs typeface="JetBrains Mono NL" panose="02000009000000000000" pitchFamily="49" charset="0"/>
+              </a:rPr>
+              <a:t>java.lang.annotation.Retention</a:t>
+            </a:r>
+            <a:r>
+              <a:rPr lang="en-US" sz="2400" dirty="0">
+                <a:latin typeface="JetBrains Mono NL" panose="02000009000000000000" pitchFamily="49" charset="0"/>
+                <a:ea typeface="JetBrains Mono NL" panose="02000009000000000000" pitchFamily="49" charset="0"/>
+                <a:cs typeface="JetBrains Mono NL" panose="02000009000000000000" pitchFamily="49" charset="0"/>
+              </a:rPr>
+              <a:t>;</a:t>
+            </a:r>
+          </a:p>
+          <a:p>
+            <a:pPr marL="0" indent="0">
+              <a:buNone/>
+            </a:pPr>
+            <a:r>
+              <a:rPr lang="en-US" sz="2400" dirty="0">
+                <a:latin typeface="JetBrains Mono NL" panose="02000009000000000000" pitchFamily="49" charset="0"/>
+                <a:ea typeface="JetBrains Mono NL" panose="02000009000000000000" pitchFamily="49" charset="0"/>
+                <a:cs typeface="JetBrains Mono NL" panose="02000009000000000000" pitchFamily="49" charset="0"/>
+              </a:rPr>
+              <a:t>import </a:t>
+            </a:r>
+            <a:r>
+              <a:rPr lang="en-US" sz="2400" dirty="0" err="1">
+                <a:latin typeface="JetBrains Mono NL" panose="02000009000000000000" pitchFamily="49" charset="0"/>
+                <a:ea typeface="JetBrains Mono NL" panose="02000009000000000000" pitchFamily="49" charset="0"/>
+                <a:cs typeface="JetBrains Mono NL" panose="02000009000000000000" pitchFamily="49" charset="0"/>
+              </a:rPr>
+              <a:t>java.lang.annotation.RetentionPolicy</a:t>
+            </a:r>
+            <a:r>
+              <a:rPr lang="en-US" sz="2400" dirty="0">
+                <a:latin typeface="JetBrains Mono NL" panose="02000009000000000000" pitchFamily="49" charset="0"/>
+                <a:ea typeface="JetBrains Mono NL" panose="02000009000000000000" pitchFamily="49" charset="0"/>
+                <a:cs typeface="JetBrains Mono NL" panose="02000009000000000000" pitchFamily="49" charset="0"/>
+              </a:rPr>
+              <a:t>;</a:t>
+            </a:r>
+          </a:p>
+          <a:p>
+            <a:pPr marL="0" indent="0">
+              <a:buNone/>
+            </a:pPr>
+            <a:r>
+              <a:rPr lang="en-US" sz="2400" dirty="0">
+                <a:latin typeface="JetBrains Mono NL" panose="02000009000000000000" pitchFamily="49" charset="0"/>
+                <a:ea typeface="JetBrains Mono NL" panose="02000009000000000000" pitchFamily="49" charset="0"/>
+                <a:cs typeface="JetBrains Mono NL" panose="02000009000000000000" pitchFamily="49" charset="0"/>
+              </a:rPr>
+              <a:t>import </a:t>
+            </a:r>
+            <a:r>
+              <a:rPr lang="en-US" sz="2400" dirty="0" err="1">
+                <a:latin typeface="JetBrains Mono NL" panose="02000009000000000000" pitchFamily="49" charset="0"/>
+                <a:ea typeface="JetBrains Mono NL" panose="02000009000000000000" pitchFamily="49" charset="0"/>
+                <a:cs typeface="JetBrains Mono NL" panose="02000009000000000000" pitchFamily="49" charset="0"/>
+              </a:rPr>
+              <a:t>java.lang.annotation.Target</a:t>
+            </a:r>
+            <a:r>
+              <a:rPr lang="en-US" sz="2400" dirty="0">
+                <a:latin typeface="JetBrains Mono NL" panose="02000009000000000000" pitchFamily="49" charset="0"/>
+                <a:ea typeface="JetBrains Mono NL" panose="02000009000000000000" pitchFamily="49" charset="0"/>
+                <a:cs typeface="JetBrains Mono NL" panose="02000009000000000000" pitchFamily="49" charset="0"/>
+              </a:rPr>
+              <a:t>;</a:t>
+            </a:r>
+          </a:p>
+          <a:p>
+            <a:pPr marL="0" indent="0">
+              <a:buNone/>
+            </a:pPr>
+            <a:endParaRPr lang="en-US" sz="2400" dirty="0">
+              <a:latin typeface="JetBrains Mono NL" panose="02000009000000000000" pitchFamily="49" charset="0"/>
+              <a:ea typeface="JetBrains Mono NL" panose="02000009000000000000" pitchFamily="49" charset="0"/>
+              <a:cs typeface="JetBrains Mono NL" panose="02000009000000000000" pitchFamily="49" charset="0"/>
+            </a:endParaRPr>
+          </a:p>
+          <a:p>
+            <a:pPr marL="0" indent="0">
+              <a:buNone/>
+            </a:pPr>
+            <a:r>
+              <a:rPr lang="en-US" sz="2400" dirty="0">
+                <a:latin typeface="JetBrains Mono NL" panose="02000009000000000000" pitchFamily="49" charset="0"/>
+                <a:ea typeface="JetBrains Mono NL" panose="02000009000000000000" pitchFamily="49" charset="0"/>
+                <a:cs typeface="JetBrains Mono NL" panose="02000009000000000000" pitchFamily="49" charset="0"/>
+              </a:rPr>
+              <a:t>import </a:t>
+            </a:r>
+            <a:r>
+              <a:rPr lang="en-US" sz="2400" dirty="0" err="1">
+                <a:latin typeface="JetBrains Mono NL" panose="02000009000000000000" pitchFamily="49" charset="0"/>
+                <a:ea typeface="JetBrains Mono NL" panose="02000009000000000000" pitchFamily="49" charset="0"/>
+                <a:cs typeface="JetBrains Mono NL" panose="02000009000000000000" pitchFamily="49" charset="0"/>
+              </a:rPr>
+              <a:t>org.junit.jupiter.api.Tag</a:t>
+            </a:r>
+            <a:r>
+              <a:rPr lang="en-US" sz="2400" dirty="0">
+                <a:latin typeface="JetBrains Mono NL" panose="02000009000000000000" pitchFamily="49" charset="0"/>
+                <a:ea typeface="JetBrains Mono NL" panose="02000009000000000000" pitchFamily="49" charset="0"/>
+                <a:cs typeface="JetBrains Mono NL" panose="02000009000000000000" pitchFamily="49" charset="0"/>
+              </a:rPr>
+              <a:t>;</a:t>
+            </a:r>
+          </a:p>
+          <a:p>
+            <a:pPr marL="0" indent="0">
+              <a:buNone/>
+            </a:pPr>
+            <a:endParaRPr lang="en-US" sz="2400" dirty="0">
+              <a:latin typeface="JetBrains Mono NL" panose="02000009000000000000" pitchFamily="49" charset="0"/>
+              <a:ea typeface="JetBrains Mono NL" panose="02000009000000000000" pitchFamily="49" charset="0"/>
+              <a:cs typeface="JetBrains Mono NL" panose="02000009000000000000" pitchFamily="49" charset="0"/>
+            </a:endParaRPr>
+          </a:p>
+          <a:p>
+            <a:pPr marL="0" indent="0">
+              <a:buNone/>
+            </a:pPr>
+            <a:r>
+              <a:rPr lang="en-US" sz="2400" dirty="0">
+                <a:latin typeface="JetBrains Mono NL" panose="02000009000000000000" pitchFamily="49" charset="0"/>
+                <a:ea typeface="JetBrains Mono NL" panose="02000009000000000000" pitchFamily="49" charset="0"/>
+                <a:cs typeface="JetBrains Mono NL" panose="02000009000000000000" pitchFamily="49" charset="0"/>
+              </a:rPr>
+              <a:t>@Target({ </a:t>
+            </a:r>
+            <a:r>
+              <a:rPr lang="en-US" sz="2400" dirty="0" err="1">
+                <a:latin typeface="JetBrains Mono NL" panose="02000009000000000000" pitchFamily="49" charset="0"/>
+                <a:ea typeface="JetBrains Mono NL" panose="02000009000000000000" pitchFamily="49" charset="0"/>
+                <a:cs typeface="JetBrains Mono NL" panose="02000009000000000000" pitchFamily="49" charset="0"/>
+              </a:rPr>
+              <a:t>ElementType.TYPE</a:t>
+            </a:r>
+            <a:r>
+              <a:rPr lang="en-US" sz="2400" dirty="0">
+                <a:latin typeface="JetBrains Mono NL" panose="02000009000000000000" pitchFamily="49" charset="0"/>
+                <a:ea typeface="JetBrains Mono NL" panose="02000009000000000000" pitchFamily="49" charset="0"/>
+                <a:cs typeface="JetBrains Mono NL" panose="02000009000000000000" pitchFamily="49" charset="0"/>
+              </a:rPr>
+              <a:t>, </a:t>
+            </a:r>
+            <a:r>
+              <a:rPr lang="en-US" sz="2400" dirty="0" err="1">
+                <a:latin typeface="JetBrains Mono NL" panose="02000009000000000000" pitchFamily="49" charset="0"/>
+                <a:ea typeface="JetBrains Mono NL" panose="02000009000000000000" pitchFamily="49" charset="0"/>
+                <a:cs typeface="JetBrains Mono NL" panose="02000009000000000000" pitchFamily="49" charset="0"/>
+              </a:rPr>
+              <a:t>ElementType.METHOD</a:t>
+            </a:r>
+            <a:r>
+              <a:rPr lang="en-US" sz="2400" dirty="0">
+                <a:latin typeface="JetBrains Mono NL" panose="02000009000000000000" pitchFamily="49" charset="0"/>
+                <a:ea typeface="JetBrains Mono NL" panose="02000009000000000000" pitchFamily="49" charset="0"/>
+                <a:cs typeface="JetBrains Mono NL" panose="02000009000000000000" pitchFamily="49" charset="0"/>
+              </a:rPr>
+              <a:t> })</a:t>
+            </a:r>
+          </a:p>
+          <a:p>
+            <a:pPr marL="0" indent="0">
+              <a:buNone/>
+            </a:pPr>
+            <a:r>
+              <a:rPr lang="en-US" sz="2400" dirty="0">
+                <a:latin typeface="JetBrains Mono NL" panose="02000009000000000000" pitchFamily="49" charset="0"/>
+                <a:ea typeface="JetBrains Mono NL" panose="02000009000000000000" pitchFamily="49" charset="0"/>
+                <a:cs typeface="JetBrains Mono NL" panose="02000009000000000000" pitchFamily="49" charset="0"/>
+              </a:rPr>
+              <a:t>@Retention(</a:t>
+            </a:r>
+            <a:r>
+              <a:rPr lang="en-US" sz="2400" dirty="0" err="1">
+                <a:latin typeface="JetBrains Mono NL" panose="02000009000000000000" pitchFamily="49" charset="0"/>
+                <a:ea typeface="JetBrains Mono NL" panose="02000009000000000000" pitchFamily="49" charset="0"/>
+                <a:cs typeface="JetBrains Mono NL" panose="02000009000000000000" pitchFamily="49" charset="0"/>
+              </a:rPr>
+              <a:t>RetentionPolicy.RUNTIME</a:t>
+            </a:r>
+            <a:r>
+              <a:rPr lang="en-US" sz="2400" dirty="0">
+                <a:latin typeface="JetBrains Mono NL" panose="02000009000000000000" pitchFamily="49" charset="0"/>
+                <a:ea typeface="JetBrains Mono NL" panose="02000009000000000000" pitchFamily="49" charset="0"/>
+                <a:cs typeface="JetBrains Mono NL" panose="02000009000000000000" pitchFamily="49" charset="0"/>
+              </a:rPr>
+              <a:t>)</a:t>
+            </a:r>
+          </a:p>
+          <a:p>
+            <a:pPr marL="0" indent="0">
+              <a:buNone/>
+            </a:pPr>
+            <a:r>
+              <a:rPr lang="en-US" sz="2400" dirty="0">
+                <a:latin typeface="JetBrains Mono NL" panose="02000009000000000000" pitchFamily="49" charset="0"/>
+                <a:ea typeface="JetBrains Mono NL" panose="02000009000000000000" pitchFamily="49" charset="0"/>
+                <a:cs typeface="JetBrains Mono NL" panose="02000009000000000000" pitchFamily="49" charset="0"/>
+              </a:rPr>
+              <a:t>@Tag(”unit")</a:t>
+            </a:r>
+          </a:p>
+          <a:p>
+            <a:pPr marL="0" indent="0">
+              <a:buNone/>
+            </a:pPr>
+            <a:r>
+              <a:rPr lang="en-US" sz="2400" dirty="0">
+                <a:latin typeface="JetBrains Mono NL" panose="02000009000000000000" pitchFamily="49" charset="0"/>
+                <a:ea typeface="JetBrains Mono NL" panose="02000009000000000000" pitchFamily="49" charset="0"/>
+                <a:cs typeface="JetBrains Mono NL" panose="02000009000000000000" pitchFamily="49" charset="0"/>
+              </a:rPr>
+              <a:t>public @interface </a:t>
+            </a:r>
+            <a:r>
+              <a:rPr lang="en-US" sz="2400" dirty="0" err="1">
+                <a:latin typeface="JetBrains Mono NL" panose="02000009000000000000" pitchFamily="49" charset="0"/>
+                <a:ea typeface="JetBrains Mono NL" panose="02000009000000000000" pitchFamily="49" charset="0"/>
+                <a:cs typeface="JetBrains Mono NL" panose="02000009000000000000" pitchFamily="49" charset="0"/>
+              </a:rPr>
+              <a:t>UnitTest</a:t>
+            </a:r>
+            <a:r>
+              <a:rPr lang="en-US" sz="2400" dirty="0">
+                <a:latin typeface="JetBrains Mono NL" panose="02000009000000000000" pitchFamily="49" charset="0"/>
+                <a:ea typeface="JetBrains Mono NL" panose="02000009000000000000" pitchFamily="49" charset="0"/>
+                <a:cs typeface="JetBrains Mono NL" panose="02000009000000000000" pitchFamily="49" charset="0"/>
+              </a:rPr>
+              <a:t> {}</a:t>
+            </a:r>
+          </a:p>
+          <a:p>
+            <a:pPr marL="0" indent="0">
+              <a:buNone/>
+            </a:pPr>
+            <a:endParaRPr lang="en-US" dirty="0"/>
+          </a:p>
+        </p:txBody>
+      </p:sp>
+    </p:spTree>
+    <p:extLst>
+      <p:ext uri="{BB962C8B-B14F-4D97-AF65-F5344CB8AC3E}">
+        <p14:creationId xmlns:p14="http://schemas.microsoft.com/office/powerpoint/2010/main" val="3276669302"/>
+      </p:ext>
+    </p:extLst>
+  </p:cSld>
+  <p:clrMapOvr>
+    <a:masterClrMapping/>
+  </p:clrMapOvr>
+</p:sld>
+</file>
+
+<file path=ppt/slides/slide11.xml><?xml version="1.0" encoding="utf-8"?>
+<p:sld xmlns:a="http://schemas.openxmlformats.org/drawingml/2006/main" xmlns:r="http://schemas.openxmlformats.org/officeDocument/2006/relationships" xmlns:p="http://schemas.openxmlformats.org/presentationml/2006/main">
+  <p:cSld>
+    <p:spTree>
+      <p:nvGrpSpPr>
+        <p:cNvPr id="1" name=""/>
+        <p:cNvGrpSpPr/>
+        <p:nvPr/>
+      </p:nvGrpSpPr>
+      <p:grpSpPr>
+        <a:xfrm>
+          <a:off x="0" y="0"/>
+          <a:ext cx="0" cy="0"/>
+          <a:chOff x="0" y="0"/>
+          <a:chExt cx="0" cy="0"/>
+        </a:xfrm>
+      </p:grpSpPr>
+      <p:sp>
+        <p:nvSpPr>
+          <p:cNvPr id="2" name="Title 1">
+            <a:extLst>
+              <a:ext uri="{FF2B5EF4-FFF2-40B4-BE49-F238E27FC236}">
+                <a16:creationId xmlns:a16="http://schemas.microsoft.com/office/drawing/2014/main" id="{F16FB4B6-F5FB-B340-96A5-810828854123}"/>
+              </a:ext>
+            </a:extLst>
+          </p:cNvPr>
+          <p:cNvSpPr>
+            <a:spLocks noGrp="1"/>
+          </p:cNvSpPr>
+          <p:nvPr>
+            <p:ph type="title"/>
+          </p:nvPr>
+        </p:nvSpPr>
+        <p:spPr/>
+        <p:txBody>
+          <a:bodyPr/>
+          <a:lstStyle/>
+          <a:p>
+            <a:endParaRPr lang="en-US"/>
+          </a:p>
+        </p:txBody>
+      </p:sp>
+      <p:sp>
+        <p:nvSpPr>
+          <p:cNvPr id="3" name="Content Placeholder 2">
+            <a:extLst>
+              <a:ext uri="{FF2B5EF4-FFF2-40B4-BE49-F238E27FC236}">
+                <a16:creationId xmlns:a16="http://schemas.microsoft.com/office/drawing/2014/main" id="{BD6B5338-6587-8D45-B481-949B6950C26F}"/>
+              </a:ext>
+            </a:extLst>
+          </p:cNvPr>
+          <p:cNvSpPr>
+            <a:spLocks noGrp="1"/>
+          </p:cNvSpPr>
+          <p:nvPr>
+            <p:ph idx="1"/>
+          </p:nvPr>
+        </p:nvSpPr>
+        <p:spPr/>
+        <p:txBody>
+          <a:bodyPr/>
+          <a:lstStyle/>
+          <a:p>
+            <a:endParaRPr lang="en-US"/>
+          </a:p>
+        </p:txBody>
+      </p:sp>
+    </p:spTree>
+    <p:extLst>
+      <p:ext uri="{BB962C8B-B14F-4D97-AF65-F5344CB8AC3E}">
+        <p14:creationId xmlns:p14="http://schemas.microsoft.com/office/powerpoint/2010/main" val="3455420006"/>
+      </p:ext>
+    </p:extLst>
+  </p:cSld>
+  <p:clrMapOvr>
+    <a:masterClrMapping/>
+  </p:clrMapOvr>
+</p:sld>
+</file>
+
+<file path=ppt/slides/slide12.xml><?xml version="1.0" encoding="utf-8"?>
+<p:sld xmlns:a="http://schemas.openxmlformats.org/drawingml/2006/main" xmlns:r="http://schemas.openxmlformats.org/officeDocument/2006/relationships" xmlns:p="http://schemas.openxmlformats.org/presentationml/2006/main">
+  <p:cSld>
+    <p:spTree>
+      <p:nvGrpSpPr>
+        <p:cNvPr id="1" name=""/>
+        <p:cNvGrpSpPr/>
+        <p:nvPr/>
+      </p:nvGrpSpPr>
+      <p:grpSpPr>
+        <a:xfrm>
+          <a:off x="0" y="0"/>
+          <a:ext cx="0" cy="0"/>
+          <a:chOff x="0" y="0"/>
+          <a:chExt cx="0" cy="0"/>
+        </a:xfrm>
+      </p:grpSpPr>
+      <p:sp>
+        <p:nvSpPr>
+          <p:cNvPr id="2" name="Title 1">
+            <a:extLst>
+              <a:ext uri="{FF2B5EF4-FFF2-40B4-BE49-F238E27FC236}">
+                <a16:creationId xmlns:a16="http://schemas.microsoft.com/office/drawing/2014/main" id="{B07AAECE-E6A6-5147-9F5D-6E8D62DC202E}"/>
+              </a:ext>
+            </a:extLst>
+          </p:cNvPr>
+          <p:cNvSpPr>
+            <a:spLocks noGrp="1"/>
+          </p:cNvSpPr>
+          <p:nvPr>
+            <p:ph type="title"/>
+          </p:nvPr>
+        </p:nvSpPr>
+        <p:spPr/>
+        <p:txBody>
+          <a:bodyPr/>
+          <a:lstStyle/>
+          <a:p>
+            <a:endParaRPr lang="en-US"/>
+          </a:p>
+        </p:txBody>
+      </p:sp>
+      <p:sp>
+        <p:nvSpPr>
+          <p:cNvPr id="3" name="Content Placeholder 2">
+            <a:extLst>
+              <a:ext uri="{FF2B5EF4-FFF2-40B4-BE49-F238E27FC236}">
+                <a16:creationId xmlns:a16="http://schemas.microsoft.com/office/drawing/2014/main" id="{3476895F-1B3C-4F42-84DE-64F4ADA10DE4}"/>
+              </a:ext>
+            </a:extLst>
+          </p:cNvPr>
+          <p:cNvSpPr>
+            <a:spLocks noGrp="1"/>
+          </p:cNvSpPr>
+          <p:nvPr>
+            <p:ph idx="1"/>
+          </p:nvPr>
+        </p:nvSpPr>
+        <p:spPr/>
+        <p:txBody>
+          <a:bodyPr/>
+          <a:lstStyle/>
+          <a:p>
+            <a:endParaRPr lang="en-US"/>
+          </a:p>
+        </p:txBody>
+      </p:sp>
+    </p:spTree>
+    <p:extLst>
+      <p:ext uri="{BB962C8B-B14F-4D97-AF65-F5344CB8AC3E}">
+        <p14:creationId xmlns:p14="http://schemas.microsoft.com/office/powerpoint/2010/main" val="3850544628"/>
+      </p:ext>
+    </p:extLst>
+  </p:cSld>
+  <p:clrMapOvr>
+    <a:masterClrMapping/>
+  </p:clrMapOvr>
+</p:sld>
+</file>
+
+<file path=ppt/slides/slide13.xml><?xml version="1.0" encoding="utf-8"?>
+<p:sld xmlns:a="http://schemas.openxmlformats.org/drawingml/2006/main" xmlns:r="http://schemas.openxmlformats.org/officeDocument/2006/relationships" xmlns:p="http://schemas.openxmlformats.org/presentationml/2006/main">
+  <p:cSld>
+    <p:spTree>
+      <p:nvGrpSpPr>
+        <p:cNvPr id="1" name=""/>
+        <p:cNvGrpSpPr/>
+        <p:nvPr/>
+      </p:nvGrpSpPr>
+      <p:grpSpPr>
+        <a:xfrm>
+          <a:off x="0" y="0"/>
+          <a:ext cx="0" cy="0"/>
+          <a:chOff x="0" y="0"/>
+          <a:chExt cx="0" cy="0"/>
+        </a:xfrm>
+      </p:grpSpPr>
+      <p:sp>
+        <p:nvSpPr>
+          <p:cNvPr id="2" name="Title 1">
+            <a:extLst>
+              <a:ext uri="{FF2B5EF4-FFF2-40B4-BE49-F238E27FC236}">
+                <a16:creationId xmlns:a16="http://schemas.microsoft.com/office/drawing/2014/main" id="{922361E1-B77C-8046-BBFD-8D459DCF34B1}"/>
+              </a:ext>
+            </a:extLst>
+          </p:cNvPr>
+          <p:cNvSpPr>
+            <a:spLocks noGrp="1"/>
+          </p:cNvSpPr>
+          <p:nvPr>
+            <p:ph type="title"/>
+          </p:nvPr>
+        </p:nvSpPr>
+        <p:spPr/>
+        <p:txBody>
+          <a:bodyPr/>
+          <a:lstStyle/>
+          <a:p>
+            <a:endParaRPr lang="en-US"/>
+          </a:p>
+        </p:txBody>
+      </p:sp>
+      <p:sp>
+        <p:nvSpPr>
+          <p:cNvPr id="3" name="Content Placeholder 2">
+            <a:extLst>
+              <a:ext uri="{FF2B5EF4-FFF2-40B4-BE49-F238E27FC236}">
+                <a16:creationId xmlns:a16="http://schemas.microsoft.com/office/drawing/2014/main" id="{6725E61B-01E4-4449-BD30-44599B43A81D}"/>
+              </a:ext>
+            </a:extLst>
+          </p:cNvPr>
+          <p:cNvSpPr>
+            <a:spLocks noGrp="1"/>
+          </p:cNvSpPr>
+          <p:nvPr>
+            <p:ph idx="1"/>
+          </p:nvPr>
+        </p:nvSpPr>
+        <p:spPr/>
+        <p:txBody>
+          <a:bodyPr/>
+          <a:lstStyle/>
+          <a:p>
+            <a:endParaRPr lang="en-US"/>
+          </a:p>
+        </p:txBody>
+      </p:sp>
+    </p:spTree>
+    <p:extLst>
+      <p:ext uri="{BB962C8B-B14F-4D97-AF65-F5344CB8AC3E}">
+        <p14:creationId xmlns:p14="http://schemas.microsoft.com/office/powerpoint/2010/main" val="2945897422"/>
+      </p:ext>
+    </p:extLst>
+  </p:cSld>
+  <p:clrMapOvr>
+    <a:masterClrMapping/>
+  </p:clrMapOvr>
+</p:sld>
+</file>
+
+<file path=ppt/slides/slide14.xml><?xml version="1.0" encoding="utf-8"?>
+<p:sld xmlns:a="http://schemas.openxmlformats.org/drawingml/2006/main" xmlns:r="http://schemas.openxmlformats.org/officeDocument/2006/relationships" xmlns:p="http://schemas.openxmlformats.org/presentationml/2006/main">
+  <p:cSld>
+    <p:spTree>
+      <p:nvGrpSpPr>
+        <p:cNvPr id="1" name=""/>
+        <p:cNvGrpSpPr/>
+        <p:nvPr/>
+      </p:nvGrpSpPr>
+      <p:grpSpPr>
+        <a:xfrm>
+          <a:off x="0" y="0"/>
+          <a:ext cx="0" cy="0"/>
+          <a:chOff x="0" y="0"/>
+          <a:chExt cx="0" cy="0"/>
+        </a:xfrm>
+      </p:grpSpPr>
+      <p:sp>
+        <p:nvSpPr>
+          <p:cNvPr id="2" name="Title 1">
+            <a:extLst>
+              <a:ext uri="{FF2B5EF4-FFF2-40B4-BE49-F238E27FC236}">
+                <a16:creationId xmlns:a16="http://schemas.microsoft.com/office/drawing/2014/main" id="{FC4476BD-850C-704F-B250-92DE51E161A2}"/>
+              </a:ext>
+            </a:extLst>
+          </p:cNvPr>
+          <p:cNvSpPr>
+            <a:spLocks noGrp="1"/>
+          </p:cNvSpPr>
+          <p:nvPr>
+            <p:ph type="title"/>
+          </p:nvPr>
+        </p:nvSpPr>
+        <p:spPr/>
+        <p:txBody>
+          <a:bodyPr/>
+          <a:lstStyle/>
+          <a:p>
+            <a:endParaRPr lang="en-US"/>
+          </a:p>
+        </p:txBody>
+      </p:sp>
+      <p:sp>
+        <p:nvSpPr>
+          <p:cNvPr id="3" name="Content Placeholder 2">
+            <a:extLst>
+              <a:ext uri="{FF2B5EF4-FFF2-40B4-BE49-F238E27FC236}">
+                <a16:creationId xmlns:a16="http://schemas.microsoft.com/office/drawing/2014/main" id="{993449F2-D96C-4A49-9C25-0C960A920CE4}"/>
+              </a:ext>
+            </a:extLst>
+          </p:cNvPr>
+          <p:cNvSpPr>
+            <a:spLocks noGrp="1"/>
+          </p:cNvSpPr>
+          <p:nvPr>
+            <p:ph idx="1"/>
+          </p:nvPr>
+        </p:nvSpPr>
+        <p:spPr/>
+        <p:txBody>
+          <a:bodyPr/>
+          <a:lstStyle/>
+          <a:p>
+            <a:endParaRPr lang="en-US"/>
+          </a:p>
+        </p:txBody>
+      </p:sp>
+    </p:spTree>
+    <p:extLst>
+      <p:ext uri="{BB962C8B-B14F-4D97-AF65-F5344CB8AC3E}">
+        <p14:creationId xmlns:p14="http://schemas.microsoft.com/office/powerpoint/2010/main" val="1215044150"/>
+      </p:ext>
+    </p:extLst>
+  </p:cSld>
+  <p:clrMapOvr>
+    <a:masterClrMapping/>
+  </p:clrMapOvr>
+</p:sld>
+</file>
+
+<file path=ppt/slides/slide15.xml><?xml version="1.0" encoding="utf-8"?>
+<p:sld xmlns:a="http://schemas.openxmlformats.org/drawingml/2006/main" xmlns:r="http://schemas.openxmlformats.org/officeDocument/2006/relationships" xmlns:p="http://schemas.openxmlformats.org/presentationml/2006/main">
+  <p:cSld>
+    <p:spTree>
+      <p:nvGrpSpPr>
+        <p:cNvPr id="1" name=""/>
+        <p:cNvGrpSpPr/>
+        <p:nvPr/>
+      </p:nvGrpSpPr>
+      <p:grpSpPr>
+        <a:xfrm>
+          <a:off x="0" y="0"/>
+          <a:ext cx="0" cy="0"/>
+          <a:chOff x="0" y="0"/>
+          <a:chExt cx="0" cy="0"/>
+        </a:xfrm>
+      </p:grpSpPr>
+      <p:sp>
+        <p:nvSpPr>
+          <p:cNvPr id="2" name="Title 1">
+            <a:extLst>
+              <a:ext uri="{FF2B5EF4-FFF2-40B4-BE49-F238E27FC236}">
+                <a16:creationId xmlns:a16="http://schemas.microsoft.com/office/drawing/2014/main" id="{EF948449-51E6-9148-82F6-455F26533FA8}"/>
+              </a:ext>
+            </a:extLst>
+          </p:cNvPr>
+          <p:cNvSpPr>
+            <a:spLocks noGrp="1"/>
+          </p:cNvSpPr>
+          <p:nvPr>
+            <p:ph type="title"/>
+          </p:nvPr>
+        </p:nvSpPr>
+        <p:spPr/>
+        <p:txBody>
+          <a:bodyPr/>
+          <a:lstStyle/>
+          <a:p>
+            <a:r>
+              <a:rPr lang="en-US" dirty="0"/>
+              <a:t>References</a:t>
+            </a:r>
+          </a:p>
+        </p:txBody>
+      </p:sp>
+      <p:sp>
+        <p:nvSpPr>
+          <p:cNvPr id="3" name="Content Placeholder 2">
+            <a:extLst>
+              <a:ext uri="{FF2B5EF4-FFF2-40B4-BE49-F238E27FC236}">
+                <a16:creationId xmlns:a16="http://schemas.microsoft.com/office/drawing/2014/main" id="{813F127E-461D-714F-B0A3-A39A056EAE55}"/>
+              </a:ext>
+            </a:extLst>
+          </p:cNvPr>
+          <p:cNvSpPr>
+            <a:spLocks noGrp="1"/>
+          </p:cNvSpPr>
+          <p:nvPr>
+            <p:ph idx="1"/>
+          </p:nvPr>
+        </p:nvSpPr>
+        <p:spPr/>
+        <p:txBody>
+          <a:bodyPr/>
+          <a:lstStyle/>
+          <a:p>
+            <a:r>
+              <a:rPr lang="en-US" dirty="0">
+                <a:hlinkClick r:id="rId2"/>
+              </a:rPr>
+              <a:t>https://stackoverflow.com/questions/60308578/what-is-the-difference-between-extendwithspringextension-class-and-extendwit</a:t>
+            </a:r>
+            <a:endParaRPr lang="en-US" dirty="0"/>
+          </a:p>
+          <a:p>
+            <a:r>
+              <a:rPr lang="en-US" dirty="0">
+                <a:hlinkClick r:id="rId3"/>
+              </a:rPr>
+              <a:t>https://www.baeldung.com/spring-import-annotation</a:t>
+            </a:r>
+            <a:endParaRPr lang="en-US" dirty="0"/>
+          </a:p>
+          <a:p>
+            <a:r>
+              <a:rPr lang="en-US" dirty="0">
+                <a:hlinkClick r:id="rId4"/>
+              </a:rPr>
+              <a:t>https://www.baeldung.com/junit-5-extensions</a:t>
+            </a:r>
+            <a:endParaRPr lang="en-US" dirty="0"/>
+          </a:p>
+          <a:p>
+            <a:endParaRPr lang="en-US" dirty="0"/>
+          </a:p>
+          <a:p>
+            <a:endParaRPr lang="en-US" dirty="0"/>
+          </a:p>
+          <a:p>
+            <a:endParaRPr lang="en-US" dirty="0"/>
+          </a:p>
+        </p:txBody>
+      </p:sp>
+    </p:spTree>
+    <p:extLst>
+      <p:ext uri="{BB962C8B-B14F-4D97-AF65-F5344CB8AC3E}">
+        <p14:creationId xmlns:p14="http://schemas.microsoft.com/office/powerpoint/2010/main" val="3225130834"/>
+      </p:ext>
+    </p:extLst>
+  </p:cSld>
+  <p:clrMapOvr>
+    <a:masterClrMapping/>
+  </p:clrMapOvr>
+</p:sld>
+</file>
+
 <file path=ppt/slides/slide2.xml><?xml version="1.0" encoding="utf-8"?>
 <p:sld xmlns:a="http://schemas.openxmlformats.org/drawingml/2006/main" xmlns:r="http://schemas.openxmlformats.org/officeDocument/2006/relationships" xmlns:p="http://schemas.openxmlformats.org/presentationml/2006/main">
   <p:cSld>
@@ -3497,7 +4309,7 @@
             <a:pPr lvl="1"/>
             <a:r>
               <a:rPr lang="en-US" dirty="0"/>
-              <a:t>There is no domain-specific language (DSL) like Gherkin.</a:t>
+              <a:t>There is no domain-specific language (DSL) like Gherkin (unless you use a JUnit 5 extension).</a:t>
             </a:r>
           </a:p>
           <a:p>
@@ -3967,7 +4779,9 @@
         </p:nvSpPr>
         <p:spPr/>
         <p:txBody>
-          <a:bodyPr/>
+          <a:bodyPr>
+            <a:normAutofit/>
+          </a:bodyPr>
           <a:lstStyle/>
           <a:p>
             <a:r>
@@ -3976,6 +4790,13 @@
             </a:r>
           </a:p>
           <a:p>
+            <a:pPr lvl="1"/>
+            <a:r>
+              <a:rPr lang="en-US" dirty="0"/>
+              <a:t>Extend the behavior of test classes or methods.</a:t>
+            </a:r>
+          </a:p>
+          <a:p>
             <a:r>
               <a:rPr lang="en-US" dirty="0"/>
               <a:t>Provides an opportunity for third-party tools or APIs through the extension model. </a:t>
@@ -3990,31 +4811,24 @@
           <a:p>
             <a:r>
               <a:rPr lang="en-US" dirty="0"/>
-              <a:t>Overcomes the limitations of competing JUnit 4’s extension points</a:t>
-            </a:r>
-          </a:p>
-          <a:p>
-            <a:pPr lvl="1"/>
-            <a:r>
-              <a:rPr lang="en-US" dirty="0"/>
-              <a:t>Runner</a:t>
-            </a:r>
-          </a:p>
-          <a:p>
-            <a:pPr lvl="1"/>
+              <a:t>Overcomes the limitations of competing JUnit 4’s extension points (Runner, </a:t>
+            </a:r>
             <a:r>
               <a:rPr lang="en-US" dirty="0" err="1"/>
               <a:t>TestRule</a:t>
             </a:r>
-            <a:endParaRPr lang="en-US" dirty="0"/>
-          </a:p>
-          <a:p>
-            <a:pPr lvl="1"/>
-            <a:r>
-              <a:rPr lang="en-US"/>
-              <a:t>MethodRule </a:t>
-            </a:r>
-            <a:endParaRPr lang="en-US" dirty="0"/>
+            <a:r>
+              <a:rPr lang="en-US" dirty="0"/>
+              <a:t>, </a:t>
+            </a:r>
+            <a:r>
+              <a:rPr lang="en-US" dirty="0" err="1"/>
+              <a:t>MethodRule</a:t>
+            </a:r>
+            <a:r>
+              <a:rPr lang="en-US" dirty="0"/>
+              <a:t>) </a:t>
+            </a:r>
           </a:p>
         </p:txBody>
       </p:sp>
@@ -4070,64 +4884,139 @@
           <a:lstStyle/>
           <a:p>
             <a:r>
-              <a:rPr lang="en-US" dirty="0"/>
+              <a:rPr lang="en-US" dirty="0">
+                <a:latin typeface="JetBrains Mono NL" panose="02000009000000000000" pitchFamily="49" charset="0"/>
+                <a:ea typeface="JetBrains Mono NL" panose="02000009000000000000" pitchFamily="49" charset="0"/>
+                <a:cs typeface="JetBrains Mono NL" panose="02000009000000000000" pitchFamily="49" charset="0"/>
+              </a:rPr>
               <a:t>@</a:t>
             </a:r>
             <a:r>
+              <a:rPr lang="en-US" dirty="0" err="1">
+                <a:latin typeface="JetBrains Mono NL" panose="02000009000000000000" pitchFamily="49" charset="0"/>
+                <a:ea typeface="JetBrains Mono NL" panose="02000009000000000000" pitchFamily="49" charset="0"/>
+                <a:cs typeface="JetBrains Mono NL" panose="02000009000000000000" pitchFamily="49" charset="0"/>
+              </a:rPr>
+              <a:t>ExtendWith</a:t>
+            </a:r>
+            <a:r>
+              <a:rPr lang="en-US" dirty="0"/>
+              <a:t> annotation</a:t>
+            </a:r>
+          </a:p>
+        </p:txBody>
+      </p:sp>
+      <p:sp>
+        <p:nvSpPr>
+          <p:cNvPr id="3" name="Content Placeholder 2">
+            <a:extLst>
+              <a:ext uri="{FF2B5EF4-FFF2-40B4-BE49-F238E27FC236}">
+                <a16:creationId xmlns:a16="http://schemas.microsoft.com/office/drawing/2014/main" id="{52E68A71-BC17-5D4F-BC93-8B7E374EBDDC}"/>
+              </a:ext>
+            </a:extLst>
+          </p:cNvPr>
+          <p:cNvSpPr>
+            <a:spLocks noGrp="1"/>
+          </p:cNvSpPr>
+          <p:nvPr>
+            <p:ph idx="1"/>
+          </p:nvPr>
+        </p:nvSpPr>
+        <p:spPr/>
+        <p:txBody>
+          <a:bodyPr/>
+          <a:lstStyle/>
+          <a:p>
+            <a:r>
+              <a:rPr lang="en-US" dirty="0"/>
+              <a:t>Allows registering a JUnit Jupiter extension.</a:t>
+            </a:r>
+          </a:p>
+          <a:p>
+            <a:pPr lvl="1"/>
+            <a:r>
+              <a:rPr lang="en-US" dirty="0"/>
+              <a:t>Multiple extensions can be specified by adding the @</a:t>
+            </a:r>
+            <a:r>
               <a:rPr lang="en-US" dirty="0" err="1"/>
+              <a:t>ExtendWith</a:t>
+            </a:r>
+            <a:r>
+              <a:rPr lang="en-US" dirty="0"/>
+              <a:t> annotation multiple time to a test, or having a single @</a:t>
+            </a:r>
+            <a:r>
+              <a:rPr lang="en-US" dirty="0" err="1"/>
+              <a:t>ExtendWith</a:t>
+            </a:r>
+            <a:r>
+              <a:rPr lang="en-US" dirty="0"/>
+              <a:t> annotation receive a list of extensions as a parameter.</a:t>
+            </a:r>
+          </a:p>
+          <a:p>
+            <a:r>
+              <a:rPr lang="en-US" dirty="0"/>
+              <a:t>Third parties will provide the extensions.</a:t>
+            </a:r>
+          </a:p>
+          <a:p>
+            <a:pPr lvl="1"/>
+            <a:r>
+              <a:rPr lang="en-US" dirty="0"/>
+              <a:t>Mockito, Spring Framework, </a:t>
+            </a:r>
+            <a:r>
+              <a:rPr lang="en-US" dirty="0" err="1"/>
+              <a:t>upREST</a:t>
+            </a:r>
+            <a:r>
+              <a:rPr lang="en-US" dirty="0"/>
+              <a:t>, many others</a:t>
+            </a:r>
+          </a:p>
+          <a:p>
+            <a:pPr lvl="1"/>
+            <a:r>
+              <a:rPr lang="en-US" dirty="0">
+                <a:hlinkClick r:id="rId2"/>
+              </a:rPr>
+              <a:t>https://github.com/junit-team/junit5/wiki/Third-party-Extensions</a:t>
+            </a:r>
+            <a:endParaRPr lang="en-US" dirty="0"/>
+          </a:p>
+          <a:p>
+            <a:r>
+              <a:rPr lang="en-US" dirty="0"/>
+              <a:t>Replaces JUnit 4 </a:t>
+            </a:r>
+            <a:r>
+              <a:rPr lang="en-US" dirty="0">
+                <a:latin typeface="JetBrains Mono NL" panose="02000009000000000000" pitchFamily="49" charset="0"/>
+                <a:ea typeface="JetBrains Mono NL" panose="02000009000000000000" pitchFamily="49" charset="0"/>
+                <a:cs typeface="JetBrains Mono NL" panose="02000009000000000000" pitchFamily="49" charset="0"/>
+              </a:rPr>
+              <a:t>@</a:t>
+            </a:r>
+            <a:r>
+              <a:rPr lang="en-US" dirty="0" err="1">
+                <a:latin typeface="JetBrains Mono NL" panose="02000009000000000000" pitchFamily="49" charset="0"/>
+                <a:ea typeface="JetBrains Mono NL" panose="02000009000000000000" pitchFamily="49" charset="0"/>
+                <a:cs typeface="JetBrains Mono NL" panose="02000009000000000000" pitchFamily="49" charset="0"/>
+              </a:rPr>
               <a:t>RunWith</a:t>
             </a:r>
             <a:r>
               <a:rPr lang="en-US" dirty="0"/>
-              <a:t> annotation</a:t>
-            </a:r>
-          </a:p>
-        </p:txBody>
-      </p:sp>
-      <p:sp>
-        <p:nvSpPr>
-          <p:cNvPr id="3" name="Content Placeholder 2">
-            <a:extLst>
-              <a:ext uri="{FF2B5EF4-FFF2-40B4-BE49-F238E27FC236}">
-                <a16:creationId xmlns:a16="http://schemas.microsoft.com/office/drawing/2014/main" id="{52E68A71-BC17-5D4F-BC93-8B7E374EBDDC}"/>
-              </a:ext>
-            </a:extLst>
-          </p:cNvPr>
-          <p:cNvSpPr>
-            <a:spLocks noGrp="1"/>
-          </p:cNvSpPr>
-          <p:nvPr>
-            <p:ph idx="1"/>
-          </p:nvPr>
-        </p:nvSpPr>
-        <p:spPr/>
-        <p:txBody>
-          <a:bodyPr/>
-          <a:lstStyle/>
-          <a:p>
-            <a:r>
-              <a:rPr lang="en-US" dirty="0"/>
-              <a:t>Allows using JUnit Jupiter extensions.</a:t>
-            </a:r>
-          </a:p>
-          <a:p>
-            <a:r>
-              <a:rPr lang="en-US" dirty="0"/>
-              <a:t>Third parties will provide the extensions.</a:t>
+              <a:t>.</a:t>
             </a:r>
           </a:p>
           <a:p>
             <a:pPr lvl="1"/>
             <a:r>
               <a:rPr lang="en-US" dirty="0"/>
-              <a:t>Mockito</a:t>
-            </a:r>
-          </a:p>
-          <a:p>
-            <a:pPr lvl="1"/>
-            <a:r>
-              <a:rPr lang="en-US" dirty="0"/>
-              <a:t>Spring Framework</a:t>
+              <a:t>Can still be used in JUnit 5, but does not allow using JUnit 5 extensions.</a:t>
             </a:r>
           </a:p>
         </p:txBody>
@@ -4167,7 +5056,7 @@
           <p:cNvPr id="2" name="Title 1">
             <a:extLst>
               <a:ext uri="{FF2B5EF4-FFF2-40B4-BE49-F238E27FC236}">
-                <a16:creationId xmlns:a16="http://schemas.microsoft.com/office/drawing/2014/main" id="{EF948449-51E6-9148-82F6-455F26533FA8}"/>
+                <a16:creationId xmlns:a16="http://schemas.microsoft.com/office/drawing/2014/main" id="{FF723C7F-CEB2-5544-B1BA-E9E901C06A1E}"/>
               </a:ext>
             </a:extLst>
           </p:cNvPr>
@@ -4185,8 +5074,13 @@
           <a:p>
             <a:r>
               <a:rPr lang="en-US" dirty="0"/>
-              <a:t>References</a:t>
-            </a:r>
+              <a:t>Using @</a:t>
+            </a:r>
+            <a:r>
+              <a:rPr lang="en-US" dirty="0" err="1"/>
+              <a:t>ExtendWith</a:t>
+            </a:r>
+            <a:endParaRPr lang="en-US" dirty="0"/>
           </a:p>
         </p:txBody>
       </p:sp>
@@ -4195,7 +5089,7 @@
           <p:cNvPr id="3" name="Content Placeholder 2">
             <a:extLst>
               <a:ext uri="{FF2B5EF4-FFF2-40B4-BE49-F238E27FC236}">
-                <a16:creationId xmlns:a16="http://schemas.microsoft.com/office/drawing/2014/main" id="{813F127E-461D-714F-B0A3-A39A056EAE55}"/>
+                <a16:creationId xmlns:a16="http://schemas.microsoft.com/office/drawing/2014/main" id="{A4BB7724-3709-F445-9DA5-9A0FA288577A}"/>
               </a:ext>
             </a:extLst>
           </p:cNvPr>
@@ -4208,38 +5102,402 @@
         </p:nvSpPr>
         <p:spPr/>
         <p:txBody>
-          <a:bodyPr/>
-          <a:lstStyle/>
-          <a:p>
-            <a:r>
-              <a:rPr lang="en-US" dirty="0">
-                <a:hlinkClick r:id="rId2"/>
-              </a:rPr>
-              <a:t>https://stackoverflow.com/questions/60308578/what-is-the-difference-between-extendwithspringextension-class-and-extendwit</a:t>
-            </a:r>
-            <a:endParaRPr lang="en-US" dirty="0"/>
-          </a:p>
-          <a:p>
-            <a:r>
-              <a:rPr lang="en-US" dirty="0">
-                <a:hlinkClick r:id="rId3"/>
-              </a:rPr>
-              <a:t>https://www.baeldung.com/spring-import-annotation</a:t>
-            </a:r>
-            <a:endParaRPr lang="en-US" dirty="0"/>
-          </a:p>
-          <a:p>
-            <a:endParaRPr lang="en-US" dirty="0"/>
-          </a:p>
-          <a:p>
-            <a:endParaRPr lang="en-US" dirty="0"/>
+          <a:bodyPr>
+            <a:normAutofit/>
+          </a:bodyPr>
+          <a:lstStyle/>
+          <a:p>
+            <a:pPr marL="0" indent="0">
+              <a:buNone/>
+            </a:pPr>
+            <a:r>
+              <a:rPr lang="en-US" sz="2000" dirty="0">
+                <a:latin typeface="JetBrains Mono NL" panose="02000009000000000000" pitchFamily="49" charset="0"/>
+                <a:ea typeface="JetBrains Mono NL" panose="02000009000000000000" pitchFamily="49" charset="0"/>
+                <a:cs typeface="JetBrains Mono NL" panose="02000009000000000000" pitchFamily="49" charset="0"/>
+              </a:rPr>
+              <a:t>@</a:t>
+            </a:r>
+            <a:r>
+              <a:rPr lang="en-US" sz="2000" dirty="0" err="1">
+                <a:latin typeface="JetBrains Mono NL" panose="02000009000000000000" pitchFamily="49" charset="0"/>
+                <a:ea typeface="JetBrains Mono NL" panose="02000009000000000000" pitchFamily="49" charset="0"/>
+                <a:cs typeface="JetBrains Mono NL" panose="02000009000000000000" pitchFamily="49" charset="0"/>
+              </a:rPr>
+              <a:t>ExtendWith</a:t>
+            </a:r>
+            <a:r>
+              <a:rPr lang="en-US" sz="2000" dirty="0">
+                <a:latin typeface="JetBrains Mono NL" panose="02000009000000000000" pitchFamily="49" charset="0"/>
+                <a:ea typeface="JetBrains Mono NL" panose="02000009000000000000" pitchFamily="49" charset="0"/>
+                <a:cs typeface="JetBrains Mono NL" panose="02000009000000000000" pitchFamily="49" charset="0"/>
+              </a:rPr>
+              <a:t>({ </a:t>
+            </a:r>
+            <a:r>
+              <a:rPr lang="en-US" sz="2000" dirty="0" err="1">
+                <a:latin typeface="JetBrains Mono NL" panose="02000009000000000000" pitchFamily="49" charset="0"/>
+                <a:ea typeface="JetBrains Mono NL" panose="02000009000000000000" pitchFamily="49" charset="0"/>
+                <a:cs typeface="JetBrains Mono NL" panose="02000009000000000000" pitchFamily="49" charset="0"/>
+              </a:rPr>
+              <a:t>EnvironmentExtension.class</a:t>
+            </a:r>
+            <a:r>
+              <a:rPr lang="en-US" sz="2000" dirty="0">
+                <a:latin typeface="JetBrains Mono NL" panose="02000009000000000000" pitchFamily="49" charset="0"/>
+                <a:ea typeface="JetBrains Mono NL" panose="02000009000000000000" pitchFamily="49" charset="0"/>
+                <a:cs typeface="JetBrains Mono NL" panose="02000009000000000000" pitchFamily="49" charset="0"/>
+              </a:rPr>
+              <a:t>, 	</a:t>
+            </a:r>
+            <a:r>
+              <a:rPr lang="en-US" sz="2000" dirty="0" err="1">
+                <a:latin typeface="JetBrains Mono NL" panose="02000009000000000000" pitchFamily="49" charset="0"/>
+                <a:ea typeface="JetBrains Mono NL" panose="02000009000000000000" pitchFamily="49" charset="0"/>
+                <a:cs typeface="JetBrains Mono NL" panose="02000009000000000000" pitchFamily="49" charset="0"/>
+              </a:rPr>
+              <a:t>EmployeeDatabaseSetupExtension.class</a:t>
+            </a:r>
+            <a:r>
+              <a:rPr lang="en-US" sz="2000" dirty="0">
+                <a:latin typeface="JetBrains Mono NL" panose="02000009000000000000" pitchFamily="49" charset="0"/>
+                <a:ea typeface="JetBrains Mono NL" panose="02000009000000000000" pitchFamily="49" charset="0"/>
+                <a:cs typeface="JetBrains Mono NL" panose="02000009000000000000" pitchFamily="49" charset="0"/>
+              </a:rPr>
+              <a:t>, 	</a:t>
+            </a:r>
+            <a:r>
+              <a:rPr lang="en-US" sz="2000" dirty="0" err="1">
+                <a:latin typeface="JetBrains Mono NL" panose="02000009000000000000" pitchFamily="49" charset="0"/>
+                <a:ea typeface="JetBrains Mono NL" panose="02000009000000000000" pitchFamily="49" charset="0"/>
+                <a:cs typeface="JetBrains Mono NL" panose="02000009000000000000" pitchFamily="49" charset="0"/>
+              </a:rPr>
+              <a:t>EmployeeDaoParameterResolver.class</a:t>
+            </a:r>
+            <a:r>
+              <a:rPr lang="en-US" sz="2000" dirty="0">
+                <a:latin typeface="JetBrains Mono NL" panose="02000009000000000000" pitchFamily="49" charset="0"/>
+                <a:ea typeface="JetBrains Mono NL" panose="02000009000000000000" pitchFamily="49" charset="0"/>
+                <a:cs typeface="JetBrains Mono NL" panose="02000009000000000000" pitchFamily="49" charset="0"/>
+              </a:rPr>
+              <a:t> }) @</a:t>
+            </a:r>
+            <a:r>
+              <a:rPr lang="en-US" sz="2000" dirty="0" err="1">
+                <a:latin typeface="JetBrains Mono NL" panose="02000009000000000000" pitchFamily="49" charset="0"/>
+                <a:ea typeface="JetBrains Mono NL" panose="02000009000000000000" pitchFamily="49" charset="0"/>
+                <a:cs typeface="JetBrains Mono NL" panose="02000009000000000000" pitchFamily="49" charset="0"/>
+              </a:rPr>
+              <a:t>ExtendWith</a:t>
+            </a:r>
+            <a:r>
+              <a:rPr lang="en-US" sz="2000" dirty="0">
+                <a:latin typeface="JetBrains Mono NL" panose="02000009000000000000" pitchFamily="49" charset="0"/>
+                <a:ea typeface="JetBrains Mono NL" panose="02000009000000000000" pitchFamily="49" charset="0"/>
+                <a:cs typeface="JetBrains Mono NL" panose="02000009000000000000" pitchFamily="49" charset="0"/>
+              </a:rPr>
+              <a:t>(</a:t>
+            </a:r>
+            <a:r>
+              <a:rPr lang="en-US" sz="2000" dirty="0" err="1">
+                <a:latin typeface="JetBrains Mono NL" panose="02000009000000000000" pitchFamily="49" charset="0"/>
+                <a:ea typeface="JetBrains Mono NL" panose="02000009000000000000" pitchFamily="49" charset="0"/>
+                <a:cs typeface="JetBrains Mono NL" panose="02000009000000000000" pitchFamily="49" charset="0"/>
+              </a:rPr>
+              <a:t>LoggingExtension.class</a:t>
+            </a:r>
+            <a:r>
+              <a:rPr lang="en-US" sz="2000" dirty="0">
+                <a:latin typeface="JetBrains Mono NL" panose="02000009000000000000" pitchFamily="49" charset="0"/>
+                <a:ea typeface="JetBrains Mono NL" panose="02000009000000000000" pitchFamily="49" charset="0"/>
+                <a:cs typeface="JetBrains Mono NL" panose="02000009000000000000" pitchFamily="49" charset="0"/>
+              </a:rPr>
+              <a:t>) @</a:t>
+            </a:r>
+            <a:r>
+              <a:rPr lang="en-US" sz="2000" dirty="0" err="1">
+                <a:latin typeface="JetBrains Mono NL" panose="02000009000000000000" pitchFamily="49" charset="0"/>
+                <a:ea typeface="JetBrains Mono NL" panose="02000009000000000000" pitchFamily="49" charset="0"/>
+                <a:cs typeface="JetBrains Mono NL" panose="02000009000000000000" pitchFamily="49" charset="0"/>
+              </a:rPr>
+              <a:t>ExtendWith</a:t>
+            </a:r>
+            <a:r>
+              <a:rPr lang="en-US" sz="2000" dirty="0">
+                <a:latin typeface="JetBrains Mono NL" panose="02000009000000000000" pitchFamily="49" charset="0"/>
+                <a:ea typeface="JetBrains Mono NL" panose="02000009000000000000" pitchFamily="49" charset="0"/>
+                <a:cs typeface="JetBrains Mono NL" panose="02000009000000000000" pitchFamily="49" charset="0"/>
+              </a:rPr>
+              <a:t>(</a:t>
+            </a:r>
+            <a:r>
+              <a:rPr lang="en-US" sz="2000" dirty="0" err="1">
+                <a:latin typeface="JetBrains Mono NL" panose="02000009000000000000" pitchFamily="49" charset="0"/>
+                <a:ea typeface="JetBrains Mono NL" panose="02000009000000000000" pitchFamily="49" charset="0"/>
+                <a:cs typeface="JetBrains Mono NL" panose="02000009000000000000" pitchFamily="49" charset="0"/>
+              </a:rPr>
+              <a:t>IgnoreFileNotFoundExceptionExtension.class</a:t>
+            </a:r>
+            <a:r>
+              <a:rPr lang="en-US" sz="2000" dirty="0">
+                <a:latin typeface="JetBrains Mono NL" panose="02000009000000000000" pitchFamily="49" charset="0"/>
+                <a:ea typeface="JetBrains Mono NL" panose="02000009000000000000" pitchFamily="49" charset="0"/>
+                <a:cs typeface="JetBrains Mono NL" panose="02000009000000000000" pitchFamily="49" charset="0"/>
+              </a:rPr>
+              <a:t>) </a:t>
+            </a:r>
+            <a:br>
+              <a:rPr lang="en-US" sz="2000" dirty="0">
+                <a:latin typeface="JetBrains Mono NL" panose="02000009000000000000" pitchFamily="49" charset="0"/>
+                <a:ea typeface="JetBrains Mono NL" panose="02000009000000000000" pitchFamily="49" charset="0"/>
+                <a:cs typeface="JetBrains Mono NL" panose="02000009000000000000" pitchFamily="49" charset="0"/>
+              </a:rPr>
+            </a:br>
+            <a:r>
+              <a:rPr lang="en-US" sz="2000" b="1" dirty="0">
+                <a:latin typeface="JetBrains Mono NL" panose="02000009000000000000" pitchFamily="49" charset="0"/>
+                <a:ea typeface="JetBrains Mono NL" panose="02000009000000000000" pitchFamily="49" charset="0"/>
+                <a:cs typeface="JetBrains Mono NL" panose="02000009000000000000" pitchFamily="49" charset="0"/>
+              </a:rPr>
+              <a:t>public</a:t>
+            </a:r>
+            <a:r>
+              <a:rPr lang="en-US" sz="2000" dirty="0">
+                <a:latin typeface="JetBrains Mono NL" panose="02000009000000000000" pitchFamily="49" charset="0"/>
+                <a:ea typeface="JetBrains Mono NL" panose="02000009000000000000" pitchFamily="49" charset="0"/>
+                <a:cs typeface="JetBrains Mono NL" panose="02000009000000000000" pitchFamily="49" charset="0"/>
+              </a:rPr>
+              <a:t> </a:t>
+            </a:r>
+            <a:r>
+              <a:rPr lang="en-US" sz="2000" b="1" dirty="0">
+                <a:latin typeface="JetBrains Mono NL" panose="02000009000000000000" pitchFamily="49" charset="0"/>
+                <a:ea typeface="JetBrains Mono NL" panose="02000009000000000000" pitchFamily="49" charset="0"/>
+                <a:cs typeface="JetBrains Mono NL" panose="02000009000000000000" pitchFamily="49" charset="0"/>
+              </a:rPr>
+              <a:t>class</a:t>
+            </a:r>
+            <a:r>
+              <a:rPr lang="en-US" sz="2000" dirty="0">
+                <a:latin typeface="JetBrains Mono NL" panose="02000009000000000000" pitchFamily="49" charset="0"/>
+                <a:ea typeface="JetBrains Mono NL" panose="02000009000000000000" pitchFamily="49" charset="0"/>
+                <a:cs typeface="JetBrains Mono NL" panose="02000009000000000000" pitchFamily="49" charset="0"/>
+              </a:rPr>
+              <a:t> </a:t>
+            </a:r>
+            <a:r>
+              <a:rPr lang="en-US" sz="2000" b="1" dirty="0" err="1">
+                <a:latin typeface="JetBrains Mono NL" panose="02000009000000000000" pitchFamily="49" charset="0"/>
+                <a:ea typeface="JetBrains Mono NL" panose="02000009000000000000" pitchFamily="49" charset="0"/>
+                <a:cs typeface="JetBrains Mono NL" panose="02000009000000000000" pitchFamily="49" charset="0"/>
+              </a:rPr>
+              <a:t>EmployeesTest</a:t>
+            </a:r>
+            <a:r>
+              <a:rPr lang="en-US" sz="2000" dirty="0">
+                <a:latin typeface="JetBrains Mono NL" panose="02000009000000000000" pitchFamily="49" charset="0"/>
+                <a:ea typeface="JetBrains Mono NL" panose="02000009000000000000" pitchFamily="49" charset="0"/>
+                <a:cs typeface="JetBrains Mono NL" panose="02000009000000000000" pitchFamily="49" charset="0"/>
+              </a:rPr>
+              <a:t> {</a:t>
+            </a:r>
+          </a:p>
+          <a:p>
+            <a:pPr marL="0" indent="0">
+              <a:buNone/>
+            </a:pPr>
+            <a:r>
+              <a:rPr lang="en-US" sz="2000" dirty="0">
+                <a:latin typeface="JetBrains Mono NL" panose="02000009000000000000" pitchFamily="49" charset="0"/>
+                <a:ea typeface="JetBrains Mono NL" panose="02000009000000000000" pitchFamily="49" charset="0"/>
+                <a:cs typeface="JetBrains Mono NL" panose="02000009000000000000" pitchFamily="49" charset="0"/>
+              </a:rPr>
+              <a:t>	…</a:t>
+            </a:r>
+          </a:p>
+          <a:p>
+            <a:pPr marL="0" indent="0">
+              <a:buNone/>
+            </a:pPr>
+            <a:r>
+              <a:rPr lang="en-US" sz="2000" dirty="0">
+                <a:latin typeface="JetBrains Mono NL" panose="02000009000000000000" pitchFamily="49" charset="0"/>
+                <a:ea typeface="JetBrains Mono NL" panose="02000009000000000000" pitchFamily="49" charset="0"/>
+                <a:cs typeface="JetBrains Mono NL" panose="02000009000000000000" pitchFamily="49" charset="0"/>
+              </a:rPr>
+              <a:t>}</a:t>
+            </a:r>
           </a:p>
         </p:txBody>
       </p:sp>
     </p:spTree>
     <p:extLst>
       <p:ext uri="{BB962C8B-B14F-4D97-AF65-F5344CB8AC3E}">
-        <p14:creationId xmlns:p14="http://schemas.microsoft.com/office/powerpoint/2010/main" val="3225130834"/>
+        <p14:creationId xmlns:p14="http://schemas.microsoft.com/office/powerpoint/2010/main" val="1816896383"/>
+      </p:ext>
+    </p:extLst>
+  </p:cSld>
+  <p:clrMapOvr>
+    <a:masterClrMapping/>
+  </p:clrMapOvr>
+</p:sld>
+</file>
+
+<file path=ppt/slides/slide9.xml><?xml version="1.0" encoding="utf-8"?>
+<p:sld xmlns:a="http://schemas.openxmlformats.org/drawingml/2006/main" xmlns:r="http://schemas.openxmlformats.org/officeDocument/2006/relationships" xmlns:p="http://schemas.openxmlformats.org/presentationml/2006/main">
+  <p:cSld>
+    <p:spTree>
+      <p:nvGrpSpPr>
+        <p:cNvPr id="1" name=""/>
+        <p:cNvGrpSpPr/>
+        <p:nvPr/>
+      </p:nvGrpSpPr>
+      <p:grpSpPr>
+        <a:xfrm>
+          <a:off x="0" y="0"/>
+          <a:ext cx="0" cy="0"/>
+          <a:chOff x="0" y="0"/>
+          <a:chExt cx="0" cy="0"/>
+        </a:xfrm>
+      </p:grpSpPr>
+      <p:sp>
+        <p:nvSpPr>
+          <p:cNvPr id="2" name="Title 1">
+            <a:extLst>
+              <a:ext uri="{FF2B5EF4-FFF2-40B4-BE49-F238E27FC236}">
+                <a16:creationId xmlns:a16="http://schemas.microsoft.com/office/drawing/2014/main" id="{7DD002F8-70E9-474B-B6A8-93119BB9E68D}"/>
+              </a:ext>
+            </a:extLst>
+          </p:cNvPr>
+          <p:cNvSpPr>
+            <a:spLocks noGrp="1"/>
+          </p:cNvSpPr>
+          <p:nvPr>
+            <p:ph type="title"/>
+          </p:nvPr>
+        </p:nvSpPr>
+        <p:spPr/>
+        <p:txBody>
+          <a:bodyPr/>
+          <a:lstStyle/>
+          <a:p>
+            <a:r>
+              <a:rPr lang="en-US" dirty="0">
+                <a:latin typeface="JetBrains Mono NL" panose="02000009000000000000" pitchFamily="49" charset="0"/>
+                <a:ea typeface="JetBrains Mono NL" panose="02000009000000000000" pitchFamily="49" charset="0"/>
+                <a:cs typeface="JetBrains Mono NL" panose="02000009000000000000" pitchFamily="49" charset="0"/>
+              </a:rPr>
+              <a:t>@Tag</a:t>
+            </a:r>
+            <a:r>
+              <a:rPr lang="en-US" dirty="0"/>
+              <a:t> annotation</a:t>
+            </a:r>
+          </a:p>
+        </p:txBody>
+      </p:sp>
+      <p:sp>
+        <p:nvSpPr>
+          <p:cNvPr id="3" name="Content Placeholder 2">
+            <a:extLst>
+              <a:ext uri="{FF2B5EF4-FFF2-40B4-BE49-F238E27FC236}">
+                <a16:creationId xmlns:a16="http://schemas.microsoft.com/office/drawing/2014/main" id="{D22E0175-1943-CB4F-ABE3-691448EA68A0}"/>
+              </a:ext>
+            </a:extLst>
+          </p:cNvPr>
+          <p:cNvSpPr>
+            <a:spLocks noGrp="1"/>
+          </p:cNvSpPr>
+          <p:nvPr>
+            <p:ph idx="1"/>
+          </p:nvPr>
+        </p:nvSpPr>
+        <p:spPr/>
+        <p:txBody>
+          <a:bodyPr/>
+          <a:lstStyle/>
+          <a:p>
+            <a:r>
+              <a:rPr lang="en-US" dirty="0"/>
+              <a:t>Test classes and methods can be tagged via the </a:t>
+            </a:r>
+            <a:r>
+              <a:rPr lang="en-US" dirty="0">
+                <a:latin typeface="JetBrains Mono NL" panose="02000009000000000000" pitchFamily="49" charset="0"/>
+                <a:ea typeface="JetBrains Mono NL" panose="02000009000000000000" pitchFamily="49" charset="0"/>
+                <a:cs typeface="JetBrains Mono NL" panose="02000009000000000000" pitchFamily="49" charset="0"/>
+              </a:rPr>
+              <a:t>@Tag</a:t>
+            </a:r>
+            <a:r>
+              <a:rPr lang="en-US" dirty="0"/>
+              <a:t> annotation.</a:t>
+            </a:r>
+          </a:p>
+          <a:p>
+            <a:r>
+              <a:rPr lang="en-US" dirty="0"/>
+              <a:t>Those tags can later be used to filter test discovery and execution. </a:t>
+            </a:r>
+          </a:p>
+          <a:p>
+            <a:pPr lvl="1"/>
+            <a:r>
+              <a:rPr lang="en-US" dirty="0"/>
+              <a:t>Great way to segregate unit tests from integration tests.</a:t>
+            </a:r>
+          </a:p>
+          <a:p>
+            <a:r>
+              <a:rPr lang="en-US" dirty="0"/>
+              <a:t>Create custom composed annotations for commonly used tags in your system. </a:t>
+            </a:r>
+          </a:p>
+          <a:p>
+            <a:pPr lvl="1"/>
+            <a:r>
+              <a:rPr lang="en-US" dirty="0"/>
+              <a:t>For example, create a custom composed annotation </a:t>
+            </a:r>
+            <a:r>
+              <a:rPr lang="en-US" dirty="0">
+                <a:latin typeface="JetBrains Mono NL" panose="02000009000000000000" pitchFamily="49" charset="0"/>
+                <a:ea typeface="JetBrains Mono NL" panose="02000009000000000000" pitchFamily="49" charset="0"/>
+                <a:cs typeface="JetBrains Mono NL" panose="02000009000000000000" pitchFamily="49" charset="0"/>
+              </a:rPr>
+              <a:t>@</a:t>
+            </a:r>
+            <a:r>
+              <a:rPr lang="en-US" dirty="0" err="1">
+                <a:latin typeface="JetBrains Mono NL" panose="02000009000000000000" pitchFamily="49" charset="0"/>
+                <a:ea typeface="JetBrains Mono NL" panose="02000009000000000000" pitchFamily="49" charset="0"/>
+                <a:cs typeface="JetBrains Mono NL" panose="02000009000000000000" pitchFamily="49" charset="0"/>
+              </a:rPr>
+              <a:t>UnitTest</a:t>
+            </a:r>
+            <a:r>
+              <a:rPr lang="en-US" dirty="0"/>
+              <a:t>. It can then be used as a drop-in replacement for </a:t>
+            </a:r>
+            <a:r>
+              <a:rPr lang="en-US" dirty="0">
+                <a:latin typeface="JetBrains Mono NL" panose="02000009000000000000" pitchFamily="49" charset="0"/>
+                <a:ea typeface="JetBrains Mono NL" panose="02000009000000000000" pitchFamily="49" charset="0"/>
+                <a:cs typeface="JetBrains Mono NL" panose="02000009000000000000" pitchFamily="49" charset="0"/>
+              </a:rPr>
+              <a:t>@Tag(”unit")</a:t>
+            </a:r>
+            <a:r>
+              <a:rPr lang="en-US" dirty="0"/>
+              <a:t>.</a:t>
+            </a:r>
+          </a:p>
+        </p:txBody>
+      </p:sp>
+    </p:spTree>
+    <p:extLst>
+      <p:ext uri="{BB962C8B-B14F-4D97-AF65-F5344CB8AC3E}">
+        <p14:creationId xmlns:p14="http://schemas.microsoft.com/office/powerpoint/2010/main" val="319786894"/>
       </p:ext>
     </p:extLst>
   </p:cSld>

--- a/presentations/Introduction to JUnit 5.pptx
+++ b/presentations/Introduction to JUnit 5.pptx
@@ -16,10 +16,18 @@
     <p:sldId id="267" r:id="rId10"/>
     <p:sldId id="268" r:id="rId11"/>
     <p:sldId id="269" r:id="rId12"/>
-    <p:sldId id="270" r:id="rId13"/>
-    <p:sldId id="271" r:id="rId14"/>
-    <p:sldId id="272" r:id="rId15"/>
-    <p:sldId id="264" r:id="rId16"/>
+    <p:sldId id="273" r:id="rId13"/>
+    <p:sldId id="270" r:id="rId14"/>
+    <p:sldId id="271" r:id="rId15"/>
+    <p:sldId id="272" r:id="rId16"/>
+    <p:sldId id="274" r:id="rId17"/>
+    <p:sldId id="275" r:id="rId18"/>
+    <p:sldId id="276" r:id="rId19"/>
+    <p:sldId id="277" r:id="rId20"/>
+    <p:sldId id="278" r:id="rId21"/>
+    <p:sldId id="279" r:id="rId22"/>
+    <p:sldId id="280" r:id="rId23"/>
+    <p:sldId id="264" r:id="rId24"/>
   </p:sldIdLst>
   <p:sldSz cx="12192000" cy="6858000"/>
   <p:notesSz cx="6858000" cy="9144000"/>
@@ -3816,7 +3824,18 @@
           <a:bodyPr/>
           <a:lstStyle/>
           <a:p>
-            <a:endParaRPr lang="en-US"/>
+            <a:r>
+              <a:rPr lang="en-US" dirty="0">
+                <a:latin typeface="JetBrains Mono NL" panose="02000009000000000000" pitchFamily="49" charset="0"/>
+                <a:ea typeface="JetBrains Mono NL" panose="02000009000000000000" pitchFamily="49" charset="0"/>
+                <a:cs typeface="JetBrains Mono NL" panose="02000009000000000000" pitchFamily="49" charset="0"/>
+              </a:rPr>
+              <a:t>@DisplayName</a:t>
+            </a:r>
+            <a:r>
+              <a:rPr lang="en-US" dirty="0"/>
+              <a:t> annotation</a:t>
+            </a:r>
           </a:p>
         </p:txBody>
       </p:sp>
@@ -3841,7 +3860,36 @@
           <a:bodyPr/>
           <a:lstStyle/>
           <a:p>
-            <a:endParaRPr lang="en-US"/>
+            <a:r>
+              <a:rPr lang="en-US" dirty="0"/>
+              <a:t>Use this annotation on test classes and test methods can declare custom display names.</a:t>
+            </a:r>
+          </a:p>
+          <a:p>
+            <a:pPr lvl="1"/>
+            <a:r>
+              <a:rPr lang="en-US" dirty="0"/>
+              <a:t>Makes your test suites much more communicative.</a:t>
+            </a:r>
+          </a:p>
+          <a:p>
+            <a:pPr lvl="1"/>
+            <a:r>
+              <a:rPr lang="en-US" dirty="0"/>
+              <a:t>When combined with nested inner classes, you can communicate different testing contexts. </a:t>
+            </a:r>
+          </a:p>
+          <a:p>
+            <a:r>
+              <a:rPr lang="en-US" dirty="0"/>
+              <a:t>Supports spaces, special characters, and even emojis.</a:t>
+            </a:r>
+          </a:p>
+          <a:p>
+            <a:r>
+              <a:rPr lang="en-US" dirty="0"/>
+              <a:t>Display names will be used in test reports and by test runners and IDEs.</a:t>
+            </a:r>
           </a:p>
         </p:txBody>
       </p:sp>
@@ -3880,7 +3928,7 @@
           <p:cNvPr id="2" name="Title 1">
             <a:extLst>
               <a:ext uri="{FF2B5EF4-FFF2-40B4-BE49-F238E27FC236}">
-                <a16:creationId xmlns:a16="http://schemas.microsoft.com/office/drawing/2014/main" id="{B07AAECE-E6A6-5147-9F5D-6E8D62DC202E}"/>
+                <a16:creationId xmlns:a16="http://schemas.microsoft.com/office/drawing/2014/main" id="{9B24407A-EC52-8C4E-BE2C-B8FAAB782665}"/>
               </a:ext>
             </a:extLst>
           </p:cNvPr>
@@ -3896,7 +3944,27 @@
           <a:bodyPr/>
           <a:lstStyle/>
           <a:p>
-            <a:endParaRPr lang="en-US"/>
+            <a:r>
+              <a:rPr lang="en-US" b="1" dirty="0">
+                <a:latin typeface="JetBrains Mono NL" panose="02000009000000000000" pitchFamily="49" charset="0"/>
+                <a:ea typeface="JetBrains Mono NL" panose="02000009000000000000" pitchFamily="49" charset="0"/>
+                <a:cs typeface="JetBrains Mono NL" panose="02000009000000000000" pitchFamily="49" charset="0"/>
+              </a:rPr>
+              <a:t>@</a:t>
+            </a:r>
+            <a:r>
+              <a:rPr lang="en-US" b="1" dirty="0" err="1">
+                <a:latin typeface="JetBrains Mono NL" panose="02000009000000000000" pitchFamily="49" charset="0"/>
+                <a:ea typeface="JetBrains Mono NL" panose="02000009000000000000" pitchFamily="49" charset="0"/>
+                <a:cs typeface="JetBrains Mono NL" panose="02000009000000000000" pitchFamily="49" charset="0"/>
+              </a:rPr>
+              <a:t>DisplayNameGeneration</a:t>
+            </a:r>
+            <a:r>
+              <a:rPr lang="en-US" b="1" dirty="0"/>
+              <a:t> annotation</a:t>
+            </a:r>
+            <a:endParaRPr lang="en-US" dirty="0"/>
           </a:p>
         </p:txBody>
       </p:sp>
@@ -3905,7 +3973,7 @@
           <p:cNvPr id="3" name="Content Placeholder 2">
             <a:extLst>
               <a:ext uri="{FF2B5EF4-FFF2-40B4-BE49-F238E27FC236}">
-                <a16:creationId xmlns:a16="http://schemas.microsoft.com/office/drawing/2014/main" id="{3476895F-1B3C-4F42-84DE-64F4ADA10DE4}"/>
+                <a16:creationId xmlns:a16="http://schemas.microsoft.com/office/drawing/2014/main" id="{C8073560-2280-A147-B465-77EE27CAED2E}"/>
               </a:ext>
             </a:extLst>
           </p:cNvPr>
@@ -3921,14 +3989,89 @@
           <a:bodyPr/>
           <a:lstStyle/>
           <a:p>
-            <a:endParaRPr lang="en-US"/>
+            <a:r>
+              <a:rPr lang="en-US" dirty="0"/>
+              <a:t>Generates a display name from the test class or method name.</a:t>
+            </a:r>
+          </a:p>
+          <a:p>
+            <a:r>
+              <a:rPr lang="en-US" sz="2000" dirty="0" err="1">
+                <a:latin typeface="JetBrains Mono NL" panose="02000009000000000000" pitchFamily="49" charset="0"/>
+                <a:ea typeface="JetBrains Mono NL" panose="02000009000000000000" pitchFamily="49" charset="0"/>
+                <a:cs typeface="JetBrains Mono NL" panose="02000009000000000000" pitchFamily="49" charset="0"/>
+              </a:rPr>
+              <a:t>DisplayNameGenerator.ReplaceUnderscores.class</a:t>
+            </a:r>
+            <a:endParaRPr lang="en-US" sz="2000" dirty="0">
+              <a:latin typeface="JetBrains Mono NL" panose="02000009000000000000" pitchFamily="49" charset="0"/>
+              <a:ea typeface="JetBrains Mono NL" panose="02000009000000000000" pitchFamily="49" charset="0"/>
+              <a:cs typeface="JetBrains Mono NL" panose="02000009000000000000" pitchFamily="49" charset="0"/>
+            </a:endParaRPr>
+          </a:p>
+          <a:p>
+            <a:r>
+              <a:rPr lang="en-US" sz="2000" dirty="0">
+                <a:latin typeface="JetBrains Mono NL" panose="02000009000000000000" pitchFamily="49" charset="0"/>
+                <a:ea typeface="JetBrains Mono NL" panose="02000009000000000000" pitchFamily="49" charset="0"/>
+                <a:cs typeface="JetBrains Mono NL" panose="02000009000000000000" pitchFamily="49" charset="0"/>
+              </a:rPr>
+              <a:t>@</a:t>
+            </a:r>
+            <a:r>
+              <a:rPr lang="en-US" sz="2000" dirty="0" err="1">
+                <a:latin typeface="JetBrains Mono NL" panose="02000009000000000000" pitchFamily="49" charset="0"/>
+                <a:ea typeface="JetBrains Mono NL" panose="02000009000000000000" pitchFamily="49" charset="0"/>
+                <a:cs typeface="JetBrains Mono NL" panose="02000009000000000000" pitchFamily="49" charset="0"/>
+              </a:rPr>
+              <a:t>IndicativeSentencesGeneration</a:t>
+            </a:r>
+            <a:r>
+              <a:rPr lang="en-US" sz="2000" dirty="0">
+                <a:latin typeface="JetBrains Mono NL" panose="02000009000000000000" pitchFamily="49" charset="0"/>
+                <a:ea typeface="JetBrains Mono NL" panose="02000009000000000000" pitchFamily="49" charset="0"/>
+                <a:cs typeface="JetBrains Mono NL" panose="02000009000000000000" pitchFamily="49" charset="0"/>
+              </a:rPr>
+              <a:t>(separator = " -&gt; ", </a:t>
+            </a:r>
+            <a:br>
+              <a:rPr lang="en-US" sz="2000" dirty="0">
+                <a:latin typeface="JetBrains Mono NL" panose="02000009000000000000" pitchFamily="49" charset="0"/>
+                <a:ea typeface="JetBrains Mono NL" panose="02000009000000000000" pitchFamily="49" charset="0"/>
+                <a:cs typeface="JetBrains Mono NL" panose="02000009000000000000" pitchFamily="49" charset="0"/>
+              </a:rPr>
+            </a:br>
+            <a:r>
+              <a:rPr lang="en-US" sz="2000" dirty="0">
+                <a:latin typeface="JetBrains Mono NL" panose="02000009000000000000" pitchFamily="49" charset="0"/>
+                <a:ea typeface="JetBrains Mono NL" panose="02000009000000000000" pitchFamily="49" charset="0"/>
+                <a:cs typeface="JetBrains Mono NL" panose="02000009000000000000" pitchFamily="49" charset="0"/>
+              </a:rPr>
+              <a:t>	generator = </a:t>
+            </a:r>
+            <a:r>
+              <a:rPr lang="en-US" sz="2000" dirty="0" err="1">
+                <a:latin typeface="JetBrains Mono NL" panose="02000009000000000000" pitchFamily="49" charset="0"/>
+                <a:ea typeface="JetBrains Mono NL" panose="02000009000000000000" pitchFamily="49" charset="0"/>
+                <a:cs typeface="JetBrains Mono NL" panose="02000009000000000000" pitchFamily="49" charset="0"/>
+              </a:rPr>
+              <a:t>DisplayNameGenerator.ReplaceUnderscores.class</a:t>
+            </a:r>
+            <a:r>
+              <a:rPr lang="en-US" sz="2000" dirty="0">
+                <a:latin typeface="JetBrains Mono NL" panose="02000009000000000000" pitchFamily="49" charset="0"/>
+                <a:ea typeface="JetBrains Mono NL" panose="02000009000000000000" pitchFamily="49" charset="0"/>
+                <a:cs typeface="JetBrains Mono NL" panose="02000009000000000000" pitchFamily="49" charset="0"/>
+              </a:rPr>
+              <a:t>)</a:t>
+            </a:r>
           </a:p>
         </p:txBody>
       </p:sp>
     </p:spTree>
     <p:extLst>
       <p:ext uri="{BB962C8B-B14F-4D97-AF65-F5344CB8AC3E}">
-        <p14:creationId xmlns:p14="http://schemas.microsoft.com/office/powerpoint/2010/main" val="3850544628"/>
+        <p14:creationId xmlns:p14="http://schemas.microsoft.com/office/powerpoint/2010/main" val="183382517"/>
       </p:ext>
     </p:extLst>
   </p:cSld>
@@ -3960,7 +4103,7 @@
           <p:cNvPr id="2" name="Title 1">
             <a:extLst>
               <a:ext uri="{FF2B5EF4-FFF2-40B4-BE49-F238E27FC236}">
-                <a16:creationId xmlns:a16="http://schemas.microsoft.com/office/drawing/2014/main" id="{922361E1-B77C-8046-BBFD-8D459DCF34B1}"/>
+                <a16:creationId xmlns:a16="http://schemas.microsoft.com/office/drawing/2014/main" id="{B07AAECE-E6A6-5147-9F5D-6E8D62DC202E}"/>
               </a:ext>
             </a:extLst>
           </p:cNvPr>
@@ -3976,7 +4119,10 @@
           <a:bodyPr/>
           <a:lstStyle/>
           <a:p>
-            <a:endParaRPr lang="en-US"/>
+            <a:r>
+              <a:rPr lang="en-US" dirty="0"/>
+              <a:t>@Nested annotation</a:t>
+            </a:r>
           </a:p>
         </p:txBody>
       </p:sp>
@@ -3985,7 +4131,7 @@
           <p:cNvPr id="3" name="Content Placeholder 2">
             <a:extLst>
               <a:ext uri="{FF2B5EF4-FFF2-40B4-BE49-F238E27FC236}">
-                <a16:creationId xmlns:a16="http://schemas.microsoft.com/office/drawing/2014/main" id="{6725E61B-01E4-4449-BD30-44599B43A81D}"/>
+                <a16:creationId xmlns:a16="http://schemas.microsoft.com/office/drawing/2014/main" id="{3476895F-1B3C-4F42-84DE-64F4ADA10DE4}"/>
               </a:ext>
             </a:extLst>
           </p:cNvPr>
@@ -4008,7 +4154,7 @@
     </p:spTree>
     <p:extLst>
       <p:ext uri="{BB962C8B-B14F-4D97-AF65-F5344CB8AC3E}">
-        <p14:creationId xmlns:p14="http://schemas.microsoft.com/office/powerpoint/2010/main" val="2945897422"/>
+        <p14:creationId xmlns:p14="http://schemas.microsoft.com/office/powerpoint/2010/main" val="3850544628"/>
       </p:ext>
     </p:extLst>
   </p:cSld>
@@ -4040,7 +4186,7 @@
           <p:cNvPr id="2" name="Title 1">
             <a:extLst>
               <a:ext uri="{FF2B5EF4-FFF2-40B4-BE49-F238E27FC236}">
-                <a16:creationId xmlns:a16="http://schemas.microsoft.com/office/drawing/2014/main" id="{FC4476BD-850C-704F-B250-92DE51E161A2}"/>
+                <a16:creationId xmlns:a16="http://schemas.microsoft.com/office/drawing/2014/main" id="{922361E1-B77C-8046-BBFD-8D459DCF34B1}"/>
               </a:ext>
             </a:extLst>
           </p:cNvPr>
@@ -4056,7 +4202,10 @@
           <a:bodyPr/>
           <a:lstStyle/>
           <a:p>
-            <a:endParaRPr lang="en-US"/>
+            <a:r>
+              <a:rPr lang="en-US" dirty="0"/>
+              <a:t>@Test annotation</a:t>
+            </a:r>
           </a:p>
         </p:txBody>
       </p:sp>
@@ -4065,7 +4214,7 @@
           <p:cNvPr id="3" name="Content Placeholder 2">
             <a:extLst>
               <a:ext uri="{FF2B5EF4-FFF2-40B4-BE49-F238E27FC236}">
-                <a16:creationId xmlns:a16="http://schemas.microsoft.com/office/drawing/2014/main" id="{993449F2-D96C-4A49-9C25-0C960A920CE4}"/>
+                <a16:creationId xmlns:a16="http://schemas.microsoft.com/office/drawing/2014/main" id="{6725E61B-01E4-4449-BD30-44599B43A81D}"/>
               </a:ext>
             </a:extLst>
           </p:cNvPr>
@@ -4088,7 +4237,7 @@
     </p:spTree>
     <p:extLst>
       <p:ext uri="{BB962C8B-B14F-4D97-AF65-F5344CB8AC3E}">
-        <p14:creationId xmlns:p14="http://schemas.microsoft.com/office/powerpoint/2010/main" val="1215044150"/>
+        <p14:creationId xmlns:p14="http://schemas.microsoft.com/office/powerpoint/2010/main" val="2945897422"/>
       </p:ext>
     </p:extLst>
   </p:cSld>
@@ -4120,7 +4269,7 @@
           <p:cNvPr id="2" name="Title 1">
             <a:extLst>
               <a:ext uri="{FF2B5EF4-FFF2-40B4-BE49-F238E27FC236}">
-                <a16:creationId xmlns:a16="http://schemas.microsoft.com/office/drawing/2014/main" id="{EF948449-51E6-9148-82F6-455F26533FA8}"/>
+                <a16:creationId xmlns:a16="http://schemas.microsoft.com/office/drawing/2014/main" id="{FC4476BD-850C-704F-B250-92DE51E161A2}"/>
               </a:ext>
             </a:extLst>
           </p:cNvPr>
@@ -4138,7 +4287,7 @@
           <a:p>
             <a:r>
               <a:rPr lang="en-US" dirty="0"/>
-              <a:t>References</a:t>
+              <a:t>@Before annotation</a:t>
             </a:r>
           </a:p>
         </p:txBody>
@@ -4148,7 +4297,7 @@
           <p:cNvPr id="3" name="Content Placeholder 2">
             <a:extLst>
               <a:ext uri="{FF2B5EF4-FFF2-40B4-BE49-F238E27FC236}">
-                <a16:creationId xmlns:a16="http://schemas.microsoft.com/office/drawing/2014/main" id="{813F127E-461D-714F-B0A3-A39A056EAE55}"/>
+                <a16:creationId xmlns:a16="http://schemas.microsoft.com/office/drawing/2014/main" id="{993449F2-D96C-4A49-9C25-0C960A920CE4}"/>
               </a:ext>
             </a:extLst>
           </p:cNvPr>
@@ -4164,47 +4313,362 @@
           <a:bodyPr/>
           <a:lstStyle/>
           <a:p>
-            <a:r>
-              <a:rPr lang="en-US" dirty="0">
-                <a:hlinkClick r:id="rId2"/>
-              </a:rPr>
-              <a:t>https://stackoverflow.com/questions/60308578/what-is-the-difference-between-extendwithspringextension-class-and-extendwit</a:t>
-            </a:r>
-            <a:endParaRPr lang="en-US" dirty="0"/>
-          </a:p>
-          <a:p>
-            <a:r>
-              <a:rPr lang="en-US" dirty="0">
-                <a:hlinkClick r:id="rId3"/>
-              </a:rPr>
-              <a:t>https://www.baeldung.com/spring-import-annotation</a:t>
-            </a:r>
-            <a:endParaRPr lang="en-US" dirty="0"/>
-          </a:p>
-          <a:p>
-            <a:r>
-              <a:rPr lang="en-US" dirty="0">
-                <a:hlinkClick r:id="rId4"/>
-              </a:rPr>
-              <a:t>https://www.baeldung.com/junit-5-extensions</a:t>
-            </a:r>
-            <a:endParaRPr lang="en-US" dirty="0"/>
-          </a:p>
-          <a:p>
-            <a:endParaRPr lang="en-US" dirty="0"/>
-          </a:p>
-          <a:p>
-            <a:endParaRPr lang="en-US" dirty="0"/>
-          </a:p>
-          <a:p>
-            <a:endParaRPr lang="en-US" dirty="0"/>
+            <a:endParaRPr lang="en-US"/>
           </a:p>
         </p:txBody>
       </p:sp>
     </p:spTree>
     <p:extLst>
       <p:ext uri="{BB962C8B-B14F-4D97-AF65-F5344CB8AC3E}">
-        <p14:creationId xmlns:p14="http://schemas.microsoft.com/office/powerpoint/2010/main" val="3225130834"/>
+        <p14:creationId xmlns:p14="http://schemas.microsoft.com/office/powerpoint/2010/main" val="1215044150"/>
+      </p:ext>
+    </p:extLst>
+  </p:cSld>
+  <p:clrMapOvr>
+    <a:masterClrMapping/>
+  </p:clrMapOvr>
+</p:sld>
+</file>
+
+<file path=ppt/slides/slide16.xml><?xml version="1.0" encoding="utf-8"?>
+<p:sld xmlns:a="http://schemas.openxmlformats.org/drawingml/2006/main" xmlns:r="http://schemas.openxmlformats.org/officeDocument/2006/relationships" xmlns:p="http://schemas.openxmlformats.org/presentationml/2006/main">
+  <p:cSld>
+    <p:spTree>
+      <p:nvGrpSpPr>
+        <p:cNvPr id="1" name=""/>
+        <p:cNvGrpSpPr/>
+        <p:nvPr/>
+      </p:nvGrpSpPr>
+      <p:grpSpPr>
+        <a:xfrm>
+          <a:off x="0" y="0"/>
+          <a:ext cx="0" cy="0"/>
+          <a:chOff x="0" y="0"/>
+          <a:chExt cx="0" cy="0"/>
+        </a:xfrm>
+      </p:grpSpPr>
+      <p:sp>
+        <p:nvSpPr>
+          <p:cNvPr id="2" name="Title 1">
+            <a:extLst>
+              <a:ext uri="{FF2B5EF4-FFF2-40B4-BE49-F238E27FC236}">
+                <a16:creationId xmlns:a16="http://schemas.microsoft.com/office/drawing/2014/main" id="{14A666EF-2BA6-C64C-BDDD-D4AF2F981ACB}"/>
+              </a:ext>
+            </a:extLst>
+          </p:cNvPr>
+          <p:cNvSpPr>
+            <a:spLocks noGrp="1"/>
+          </p:cNvSpPr>
+          <p:nvPr>
+            <p:ph type="title"/>
+          </p:nvPr>
+        </p:nvSpPr>
+        <p:spPr/>
+        <p:txBody>
+          <a:bodyPr/>
+          <a:lstStyle/>
+          <a:p>
+            <a:r>
+              <a:rPr lang="en-US" dirty="0"/>
+              <a:t>@</a:t>
+            </a:r>
+            <a:r>
+              <a:rPr lang="en-US" dirty="0" err="1"/>
+              <a:t>BeforeAll</a:t>
+            </a:r>
+            <a:r>
+              <a:rPr lang="en-US" dirty="0"/>
+              <a:t> annotation</a:t>
+            </a:r>
+          </a:p>
+        </p:txBody>
+      </p:sp>
+      <p:sp>
+        <p:nvSpPr>
+          <p:cNvPr id="3" name="Content Placeholder 2">
+            <a:extLst>
+              <a:ext uri="{FF2B5EF4-FFF2-40B4-BE49-F238E27FC236}">
+                <a16:creationId xmlns:a16="http://schemas.microsoft.com/office/drawing/2014/main" id="{2AA619E8-EA02-884A-84FF-866C6ACBA691}"/>
+              </a:ext>
+            </a:extLst>
+          </p:cNvPr>
+          <p:cNvSpPr>
+            <a:spLocks noGrp="1"/>
+          </p:cNvSpPr>
+          <p:nvPr>
+            <p:ph idx="1"/>
+          </p:nvPr>
+        </p:nvSpPr>
+        <p:spPr/>
+        <p:txBody>
+          <a:bodyPr/>
+          <a:lstStyle/>
+          <a:p>
+            <a:endParaRPr lang="en-US"/>
+          </a:p>
+        </p:txBody>
+      </p:sp>
+    </p:spTree>
+    <p:extLst>
+      <p:ext uri="{BB962C8B-B14F-4D97-AF65-F5344CB8AC3E}">
+        <p14:creationId xmlns:p14="http://schemas.microsoft.com/office/powerpoint/2010/main" val="289744539"/>
+      </p:ext>
+    </p:extLst>
+  </p:cSld>
+  <p:clrMapOvr>
+    <a:masterClrMapping/>
+  </p:clrMapOvr>
+</p:sld>
+</file>
+
+<file path=ppt/slides/slide17.xml><?xml version="1.0" encoding="utf-8"?>
+<p:sld xmlns:a="http://schemas.openxmlformats.org/drawingml/2006/main" xmlns:r="http://schemas.openxmlformats.org/officeDocument/2006/relationships" xmlns:p="http://schemas.openxmlformats.org/presentationml/2006/main">
+  <p:cSld>
+    <p:spTree>
+      <p:nvGrpSpPr>
+        <p:cNvPr id="1" name=""/>
+        <p:cNvGrpSpPr/>
+        <p:nvPr/>
+      </p:nvGrpSpPr>
+      <p:grpSpPr>
+        <a:xfrm>
+          <a:off x="0" y="0"/>
+          <a:ext cx="0" cy="0"/>
+          <a:chOff x="0" y="0"/>
+          <a:chExt cx="0" cy="0"/>
+        </a:xfrm>
+      </p:grpSpPr>
+      <p:sp>
+        <p:nvSpPr>
+          <p:cNvPr id="2" name="Title 1">
+            <a:extLst>
+              <a:ext uri="{FF2B5EF4-FFF2-40B4-BE49-F238E27FC236}">
+                <a16:creationId xmlns:a16="http://schemas.microsoft.com/office/drawing/2014/main" id="{A84FF61F-3E90-634F-9DF6-C40C15E11E17}"/>
+              </a:ext>
+            </a:extLst>
+          </p:cNvPr>
+          <p:cNvSpPr>
+            <a:spLocks noGrp="1"/>
+          </p:cNvSpPr>
+          <p:nvPr>
+            <p:ph type="title"/>
+          </p:nvPr>
+        </p:nvSpPr>
+        <p:spPr/>
+        <p:txBody>
+          <a:bodyPr/>
+          <a:lstStyle/>
+          <a:p>
+            <a:r>
+              <a:rPr lang="en-US" dirty="0"/>
+              <a:t>@After annotation</a:t>
+            </a:r>
+          </a:p>
+        </p:txBody>
+      </p:sp>
+      <p:sp>
+        <p:nvSpPr>
+          <p:cNvPr id="3" name="Content Placeholder 2">
+            <a:extLst>
+              <a:ext uri="{FF2B5EF4-FFF2-40B4-BE49-F238E27FC236}">
+                <a16:creationId xmlns:a16="http://schemas.microsoft.com/office/drawing/2014/main" id="{427452C8-DC85-4E4F-B8B1-68C717C8756F}"/>
+              </a:ext>
+            </a:extLst>
+          </p:cNvPr>
+          <p:cNvSpPr>
+            <a:spLocks noGrp="1"/>
+          </p:cNvSpPr>
+          <p:nvPr>
+            <p:ph idx="1"/>
+          </p:nvPr>
+        </p:nvSpPr>
+        <p:spPr/>
+        <p:txBody>
+          <a:bodyPr/>
+          <a:lstStyle/>
+          <a:p>
+            <a:endParaRPr lang="en-US"/>
+          </a:p>
+        </p:txBody>
+      </p:sp>
+    </p:spTree>
+    <p:extLst>
+      <p:ext uri="{BB962C8B-B14F-4D97-AF65-F5344CB8AC3E}">
+        <p14:creationId xmlns:p14="http://schemas.microsoft.com/office/powerpoint/2010/main" val="3237171637"/>
+      </p:ext>
+    </p:extLst>
+  </p:cSld>
+  <p:clrMapOvr>
+    <a:masterClrMapping/>
+  </p:clrMapOvr>
+</p:sld>
+</file>
+
+<file path=ppt/slides/slide18.xml><?xml version="1.0" encoding="utf-8"?>
+<p:sld xmlns:a="http://schemas.openxmlformats.org/drawingml/2006/main" xmlns:r="http://schemas.openxmlformats.org/officeDocument/2006/relationships" xmlns:p="http://schemas.openxmlformats.org/presentationml/2006/main">
+  <p:cSld>
+    <p:spTree>
+      <p:nvGrpSpPr>
+        <p:cNvPr id="1" name=""/>
+        <p:cNvGrpSpPr/>
+        <p:nvPr/>
+      </p:nvGrpSpPr>
+      <p:grpSpPr>
+        <a:xfrm>
+          <a:off x="0" y="0"/>
+          <a:ext cx="0" cy="0"/>
+          <a:chOff x="0" y="0"/>
+          <a:chExt cx="0" cy="0"/>
+        </a:xfrm>
+      </p:grpSpPr>
+      <p:sp>
+        <p:nvSpPr>
+          <p:cNvPr id="2" name="Title 1">
+            <a:extLst>
+              <a:ext uri="{FF2B5EF4-FFF2-40B4-BE49-F238E27FC236}">
+                <a16:creationId xmlns:a16="http://schemas.microsoft.com/office/drawing/2014/main" id="{77D22183-2F1A-7042-9E30-9DF7C69C88F1}"/>
+              </a:ext>
+            </a:extLst>
+          </p:cNvPr>
+          <p:cNvSpPr>
+            <a:spLocks noGrp="1"/>
+          </p:cNvSpPr>
+          <p:nvPr>
+            <p:ph type="title"/>
+          </p:nvPr>
+        </p:nvSpPr>
+        <p:spPr/>
+        <p:txBody>
+          <a:bodyPr/>
+          <a:lstStyle/>
+          <a:p>
+            <a:r>
+              <a:rPr lang="en-US" dirty="0"/>
+              <a:t>@</a:t>
+            </a:r>
+            <a:r>
+              <a:rPr lang="en-US" dirty="0" err="1"/>
+              <a:t>AfterAll</a:t>
+            </a:r>
+            <a:r>
+              <a:rPr lang="en-US" dirty="0"/>
+              <a:t> annotation</a:t>
+            </a:r>
+          </a:p>
+        </p:txBody>
+      </p:sp>
+      <p:sp>
+        <p:nvSpPr>
+          <p:cNvPr id="3" name="Content Placeholder 2">
+            <a:extLst>
+              <a:ext uri="{FF2B5EF4-FFF2-40B4-BE49-F238E27FC236}">
+                <a16:creationId xmlns:a16="http://schemas.microsoft.com/office/drawing/2014/main" id="{AED50E23-D532-5D4B-BB78-5E4C902731CA}"/>
+              </a:ext>
+            </a:extLst>
+          </p:cNvPr>
+          <p:cNvSpPr>
+            <a:spLocks noGrp="1"/>
+          </p:cNvSpPr>
+          <p:nvPr>
+            <p:ph idx="1"/>
+          </p:nvPr>
+        </p:nvSpPr>
+        <p:spPr/>
+        <p:txBody>
+          <a:bodyPr/>
+          <a:lstStyle/>
+          <a:p>
+            <a:endParaRPr lang="en-US"/>
+          </a:p>
+        </p:txBody>
+      </p:sp>
+    </p:spTree>
+    <p:extLst>
+      <p:ext uri="{BB962C8B-B14F-4D97-AF65-F5344CB8AC3E}">
+        <p14:creationId xmlns:p14="http://schemas.microsoft.com/office/powerpoint/2010/main" val="737643812"/>
+      </p:ext>
+    </p:extLst>
+  </p:cSld>
+  <p:clrMapOvr>
+    <a:masterClrMapping/>
+  </p:clrMapOvr>
+</p:sld>
+</file>
+
+<file path=ppt/slides/slide19.xml><?xml version="1.0" encoding="utf-8"?>
+<p:sld xmlns:a="http://schemas.openxmlformats.org/drawingml/2006/main" xmlns:r="http://schemas.openxmlformats.org/officeDocument/2006/relationships" xmlns:p="http://schemas.openxmlformats.org/presentationml/2006/main">
+  <p:cSld>
+    <p:spTree>
+      <p:nvGrpSpPr>
+        <p:cNvPr id="1" name=""/>
+        <p:cNvGrpSpPr/>
+        <p:nvPr/>
+      </p:nvGrpSpPr>
+      <p:grpSpPr>
+        <a:xfrm>
+          <a:off x="0" y="0"/>
+          <a:ext cx="0" cy="0"/>
+          <a:chOff x="0" y="0"/>
+          <a:chExt cx="0" cy="0"/>
+        </a:xfrm>
+      </p:grpSpPr>
+      <p:sp>
+        <p:nvSpPr>
+          <p:cNvPr id="2" name="Title 1">
+            <a:extLst>
+              <a:ext uri="{FF2B5EF4-FFF2-40B4-BE49-F238E27FC236}">
+                <a16:creationId xmlns:a16="http://schemas.microsoft.com/office/drawing/2014/main" id="{15CE305E-CD0A-A944-9BC4-0474BBF29103}"/>
+              </a:ext>
+            </a:extLst>
+          </p:cNvPr>
+          <p:cNvSpPr>
+            <a:spLocks noGrp="1"/>
+          </p:cNvSpPr>
+          <p:nvPr>
+            <p:ph type="title"/>
+          </p:nvPr>
+        </p:nvSpPr>
+        <p:spPr/>
+        <p:txBody>
+          <a:bodyPr/>
+          <a:lstStyle/>
+          <a:p>
+            <a:r>
+              <a:rPr lang="en-US" dirty="0"/>
+              <a:t>Assertions</a:t>
+            </a:r>
+          </a:p>
+        </p:txBody>
+      </p:sp>
+      <p:sp>
+        <p:nvSpPr>
+          <p:cNvPr id="3" name="Content Placeholder 2">
+            <a:extLst>
+              <a:ext uri="{FF2B5EF4-FFF2-40B4-BE49-F238E27FC236}">
+                <a16:creationId xmlns:a16="http://schemas.microsoft.com/office/drawing/2014/main" id="{52E932E1-5DF3-1241-A8CC-7FFC2D974863}"/>
+              </a:ext>
+            </a:extLst>
+          </p:cNvPr>
+          <p:cNvSpPr>
+            <a:spLocks noGrp="1"/>
+          </p:cNvSpPr>
+          <p:nvPr>
+            <p:ph idx="1"/>
+          </p:nvPr>
+        </p:nvSpPr>
+        <p:spPr/>
+        <p:txBody>
+          <a:bodyPr/>
+          <a:lstStyle/>
+          <a:p>
+            <a:endParaRPr lang="en-US"/>
+          </a:p>
+        </p:txBody>
+      </p:sp>
+    </p:spTree>
+    <p:extLst>
+      <p:ext uri="{BB962C8B-B14F-4D97-AF65-F5344CB8AC3E}">
+        <p14:creationId xmlns:p14="http://schemas.microsoft.com/office/powerpoint/2010/main" val="705756846"/>
       </p:ext>
     </p:extLst>
   </p:cSld>
@@ -4345,6 +4809,455 @@
     <p:extLst>
       <p:ext uri="{BB962C8B-B14F-4D97-AF65-F5344CB8AC3E}">
         <p14:creationId xmlns:p14="http://schemas.microsoft.com/office/powerpoint/2010/main" val="325043793"/>
+      </p:ext>
+    </p:extLst>
+  </p:cSld>
+  <p:clrMapOvr>
+    <a:masterClrMapping/>
+  </p:clrMapOvr>
+</p:sld>
+</file>
+
+<file path=ppt/slides/slide20.xml><?xml version="1.0" encoding="utf-8"?>
+<p:sld xmlns:a="http://schemas.openxmlformats.org/drawingml/2006/main" xmlns:r="http://schemas.openxmlformats.org/officeDocument/2006/relationships" xmlns:p="http://schemas.openxmlformats.org/presentationml/2006/main">
+  <p:cSld>
+    <p:spTree>
+      <p:nvGrpSpPr>
+        <p:cNvPr id="1" name=""/>
+        <p:cNvGrpSpPr/>
+        <p:nvPr/>
+      </p:nvGrpSpPr>
+      <p:grpSpPr>
+        <a:xfrm>
+          <a:off x="0" y="0"/>
+          <a:ext cx="0" cy="0"/>
+          <a:chOff x="0" y="0"/>
+          <a:chExt cx="0" cy="0"/>
+        </a:xfrm>
+      </p:grpSpPr>
+      <p:sp>
+        <p:nvSpPr>
+          <p:cNvPr id="2" name="Title 1">
+            <a:extLst>
+              <a:ext uri="{FF2B5EF4-FFF2-40B4-BE49-F238E27FC236}">
+                <a16:creationId xmlns:a16="http://schemas.microsoft.com/office/drawing/2014/main" id="{7FB260A2-FE34-5449-8180-C06A89476EDB}"/>
+              </a:ext>
+            </a:extLst>
+          </p:cNvPr>
+          <p:cNvSpPr>
+            <a:spLocks noGrp="1"/>
+          </p:cNvSpPr>
+          <p:nvPr>
+            <p:ph type="title"/>
+          </p:nvPr>
+        </p:nvSpPr>
+        <p:spPr/>
+        <p:txBody>
+          <a:bodyPr/>
+          <a:lstStyle/>
+          <a:p>
+            <a:r>
+              <a:rPr lang="en-US" dirty="0"/>
+              <a:t>Parameterized tests</a:t>
+            </a:r>
+          </a:p>
+        </p:txBody>
+      </p:sp>
+      <p:sp>
+        <p:nvSpPr>
+          <p:cNvPr id="3" name="Content Placeholder 2">
+            <a:extLst>
+              <a:ext uri="{FF2B5EF4-FFF2-40B4-BE49-F238E27FC236}">
+                <a16:creationId xmlns:a16="http://schemas.microsoft.com/office/drawing/2014/main" id="{059A02A8-51F2-4E49-91B6-DCC4FB4E25BD}"/>
+              </a:ext>
+            </a:extLst>
+          </p:cNvPr>
+          <p:cNvSpPr>
+            <a:spLocks noGrp="1"/>
+          </p:cNvSpPr>
+          <p:nvPr>
+            <p:ph idx="1"/>
+          </p:nvPr>
+        </p:nvSpPr>
+        <p:spPr/>
+        <p:txBody>
+          <a:bodyPr>
+            <a:normAutofit/>
+          </a:bodyPr>
+          <a:lstStyle/>
+          <a:p>
+            <a:r>
+              <a:rPr lang="en-US" dirty="0"/>
+              <a:t>Useful when you want to run the same test over a collection of different </a:t>
+            </a:r>
+            <a:r>
+              <a:rPr lang="en-US"/>
+              <a:t>data items.</a:t>
+            </a:r>
+          </a:p>
+          <a:p>
+            <a:r>
+              <a:rPr lang="en-US" dirty="0"/>
+              <a:t>Use the </a:t>
+            </a:r>
+            <a:r>
+              <a:rPr lang="en-US" dirty="0">
+                <a:latin typeface="JetBrains Mono NL" panose="02000009000000000000" pitchFamily="49" charset="0"/>
+                <a:ea typeface="JetBrains Mono NL" panose="02000009000000000000" pitchFamily="49" charset="0"/>
+                <a:cs typeface="JetBrains Mono NL" panose="02000009000000000000" pitchFamily="49" charset="0"/>
+              </a:rPr>
+              <a:t>@</a:t>
+            </a:r>
+            <a:r>
+              <a:rPr lang="en-US" dirty="0" err="1">
+                <a:latin typeface="JetBrains Mono NL" panose="02000009000000000000" pitchFamily="49" charset="0"/>
+                <a:ea typeface="JetBrains Mono NL" panose="02000009000000000000" pitchFamily="49" charset="0"/>
+                <a:cs typeface="JetBrains Mono NL" panose="02000009000000000000" pitchFamily="49" charset="0"/>
+              </a:rPr>
+              <a:t>ParameterizedTest</a:t>
+            </a:r>
+            <a:r>
+              <a:rPr lang="en-US" dirty="0"/>
+              <a:t> annotation instead of </a:t>
+            </a:r>
+            <a:r>
+              <a:rPr lang="en-US" dirty="0">
+                <a:latin typeface="JetBrains Mono NL" panose="02000009000000000000" pitchFamily="49" charset="0"/>
+                <a:ea typeface="JetBrains Mono NL" panose="02000009000000000000" pitchFamily="49" charset="0"/>
+                <a:cs typeface="JetBrains Mono NL" panose="02000009000000000000" pitchFamily="49" charset="0"/>
+              </a:rPr>
+              <a:t>@Test</a:t>
+            </a:r>
+            <a:r>
+              <a:rPr lang="en-US" dirty="0"/>
+              <a:t>.</a:t>
+            </a:r>
+          </a:p>
+          <a:p>
+            <a:r>
+              <a:rPr lang="en-US" dirty="0"/>
+              <a:t>In addition, you must declare at least one source that will provide the arguments for each invocation of the parameterized test method.</a:t>
+            </a:r>
+          </a:p>
+          <a:p>
+            <a:pPr lvl="1"/>
+            <a:r>
+              <a:rPr lang="en-US" dirty="0"/>
+              <a:t>There are several sources that JUnit 5 Jupiter provides. See </a:t>
+            </a:r>
+            <a:r>
+              <a:rPr lang="en-US" dirty="0">
+                <a:hlinkClick r:id="rId2"/>
+              </a:rPr>
+              <a:t>https://junit.org/junit5/docs/current/user-guide/#writing-tests-parameterized-tests-sources</a:t>
+            </a:r>
+            <a:r>
+              <a:rPr lang="en-US" dirty="0"/>
+              <a:t> for more information.</a:t>
+            </a:r>
+          </a:p>
+        </p:txBody>
+      </p:sp>
+    </p:spTree>
+    <p:extLst>
+      <p:ext uri="{BB962C8B-B14F-4D97-AF65-F5344CB8AC3E}">
+        <p14:creationId xmlns:p14="http://schemas.microsoft.com/office/powerpoint/2010/main" val="3589455103"/>
+      </p:ext>
+    </p:extLst>
+  </p:cSld>
+  <p:clrMapOvr>
+    <a:masterClrMapping/>
+  </p:clrMapOvr>
+</p:sld>
+</file>
+
+<file path=ppt/slides/slide21.xml><?xml version="1.0" encoding="utf-8"?>
+<p:sld xmlns:a="http://schemas.openxmlformats.org/drawingml/2006/main" xmlns:r="http://schemas.openxmlformats.org/officeDocument/2006/relationships" xmlns:p="http://schemas.openxmlformats.org/presentationml/2006/main">
+  <p:cSld>
+    <p:spTree>
+      <p:nvGrpSpPr>
+        <p:cNvPr id="1" name=""/>
+        <p:cNvGrpSpPr/>
+        <p:nvPr/>
+      </p:nvGrpSpPr>
+      <p:grpSpPr>
+        <a:xfrm>
+          <a:off x="0" y="0"/>
+          <a:ext cx="0" cy="0"/>
+          <a:chOff x="0" y="0"/>
+          <a:chExt cx="0" cy="0"/>
+        </a:xfrm>
+      </p:grpSpPr>
+      <p:sp>
+        <p:nvSpPr>
+          <p:cNvPr id="2" name="Title 1">
+            <a:extLst>
+              <a:ext uri="{FF2B5EF4-FFF2-40B4-BE49-F238E27FC236}">
+                <a16:creationId xmlns:a16="http://schemas.microsoft.com/office/drawing/2014/main" id="{932B44B2-0D48-2E49-A389-6EB2DB463D69}"/>
+              </a:ext>
+            </a:extLst>
+          </p:cNvPr>
+          <p:cNvSpPr>
+            <a:spLocks noGrp="1"/>
+          </p:cNvSpPr>
+          <p:nvPr>
+            <p:ph type="title"/>
+          </p:nvPr>
+        </p:nvSpPr>
+        <p:spPr/>
+        <p:txBody>
+          <a:bodyPr/>
+          <a:lstStyle/>
+          <a:p>
+            <a:endParaRPr lang="en-US"/>
+          </a:p>
+        </p:txBody>
+      </p:sp>
+      <p:sp>
+        <p:nvSpPr>
+          <p:cNvPr id="3" name="Content Placeholder 2">
+            <a:extLst>
+              <a:ext uri="{FF2B5EF4-FFF2-40B4-BE49-F238E27FC236}">
+                <a16:creationId xmlns:a16="http://schemas.microsoft.com/office/drawing/2014/main" id="{A5729666-EAFA-464D-87EB-A39EF7D69B2F}"/>
+              </a:ext>
+            </a:extLst>
+          </p:cNvPr>
+          <p:cNvSpPr>
+            <a:spLocks noGrp="1"/>
+          </p:cNvSpPr>
+          <p:nvPr>
+            <p:ph idx="1"/>
+          </p:nvPr>
+        </p:nvSpPr>
+        <p:spPr/>
+        <p:txBody>
+          <a:bodyPr/>
+          <a:lstStyle/>
+          <a:p>
+            <a:endParaRPr lang="en-US"/>
+          </a:p>
+        </p:txBody>
+      </p:sp>
+    </p:spTree>
+    <p:extLst>
+      <p:ext uri="{BB962C8B-B14F-4D97-AF65-F5344CB8AC3E}">
+        <p14:creationId xmlns:p14="http://schemas.microsoft.com/office/powerpoint/2010/main" val="3345259123"/>
+      </p:ext>
+    </p:extLst>
+  </p:cSld>
+  <p:clrMapOvr>
+    <a:masterClrMapping/>
+  </p:clrMapOvr>
+</p:sld>
+</file>
+
+<file path=ppt/slides/slide22.xml><?xml version="1.0" encoding="utf-8"?>
+<p:sld xmlns:a="http://schemas.openxmlformats.org/drawingml/2006/main" xmlns:r="http://schemas.openxmlformats.org/officeDocument/2006/relationships" xmlns:p="http://schemas.openxmlformats.org/presentationml/2006/main">
+  <p:cSld>
+    <p:spTree>
+      <p:nvGrpSpPr>
+        <p:cNvPr id="1" name=""/>
+        <p:cNvGrpSpPr/>
+        <p:nvPr/>
+      </p:nvGrpSpPr>
+      <p:grpSpPr>
+        <a:xfrm>
+          <a:off x="0" y="0"/>
+          <a:ext cx="0" cy="0"/>
+          <a:chOff x="0" y="0"/>
+          <a:chExt cx="0" cy="0"/>
+        </a:xfrm>
+      </p:grpSpPr>
+      <p:sp>
+        <p:nvSpPr>
+          <p:cNvPr id="2" name="Title 1">
+            <a:extLst>
+              <a:ext uri="{FF2B5EF4-FFF2-40B4-BE49-F238E27FC236}">
+                <a16:creationId xmlns:a16="http://schemas.microsoft.com/office/drawing/2014/main" id="{BB738B06-D55C-8040-A8A3-FF34FC9D09A0}"/>
+              </a:ext>
+            </a:extLst>
+          </p:cNvPr>
+          <p:cNvSpPr>
+            <a:spLocks noGrp="1"/>
+          </p:cNvSpPr>
+          <p:nvPr>
+            <p:ph type="title"/>
+          </p:nvPr>
+        </p:nvSpPr>
+        <p:spPr/>
+        <p:txBody>
+          <a:bodyPr/>
+          <a:lstStyle/>
+          <a:p>
+            <a:endParaRPr lang="en-US"/>
+          </a:p>
+        </p:txBody>
+      </p:sp>
+      <p:sp>
+        <p:nvSpPr>
+          <p:cNvPr id="3" name="Content Placeholder 2">
+            <a:extLst>
+              <a:ext uri="{FF2B5EF4-FFF2-40B4-BE49-F238E27FC236}">
+                <a16:creationId xmlns:a16="http://schemas.microsoft.com/office/drawing/2014/main" id="{58FE2181-742A-6840-A441-36C8269E98DD}"/>
+              </a:ext>
+            </a:extLst>
+          </p:cNvPr>
+          <p:cNvSpPr>
+            <a:spLocks noGrp="1"/>
+          </p:cNvSpPr>
+          <p:nvPr>
+            <p:ph idx="1"/>
+          </p:nvPr>
+        </p:nvSpPr>
+        <p:spPr/>
+        <p:txBody>
+          <a:bodyPr/>
+          <a:lstStyle/>
+          <a:p>
+            <a:endParaRPr lang="en-US"/>
+          </a:p>
+        </p:txBody>
+      </p:sp>
+    </p:spTree>
+    <p:extLst>
+      <p:ext uri="{BB962C8B-B14F-4D97-AF65-F5344CB8AC3E}">
+        <p14:creationId xmlns:p14="http://schemas.microsoft.com/office/powerpoint/2010/main" val="607961200"/>
+      </p:ext>
+    </p:extLst>
+  </p:cSld>
+  <p:clrMapOvr>
+    <a:masterClrMapping/>
+  </p:clrMapOvr>
+</p:sld>
+</file>
+
+<file path=ppt/slides/slide23.xml><?xml version="1.0" encoding="utf-8"?>
+<p:sld xmlns:a="http://schemas.openxmlformats.org/drawingml/2006/main" xmlns:r="http://schemas.openxmlformats.org/officeDocument/2006/relationships" xmlns:p="http://schemas.openxmlformats.org/presentationml/2006/main">
+  <p:cSld>
+    <p:spTree>
+      <p:nvGrpSpPr>
+        <p:cNvPr id="1" name=""/>
+        <p:cNvGrpSpPr/>
+        <p:nvPr/>
+      </p:nvGrpSpPr>
+      <p:grpSpPr>
+        <a:xfrm>
+          <a:off x="0" y="0"/>
+          <a:ext cx="0" cy="0"/>
+          <a:chOff x="0" y="0"/>
+          <a:chExt cx="0" cy="0"/>
+        </a:xfrm>
+      </p:grpSpPr>
+      <p:sp>
+        <p:nvSpPr>
+          <p:cNvPr id="2" name="Title 1">
+            <a:extLst>
+              <a:ext uri="{FF2B5EF4-FFF2-40B4-BE49-F238E27FC236}">
+                <a16:creationId xmlns:a16="http://schemas.microsoft.com/office/drawing/2014/main" id="{EF948449-51E6-9148-82F6-455F26533FA8}"/>
+              </a:ext>
+            </a:extLst>
+          </p:cNvPr>
+          <p:cNvSpPr>
+            <a:spLocks noGrp="1"/>
+          </p:cNvSpPr>
+          <p:nvPr>
+            <p:ph type="title"/>
+          </p:nvPr>
+        </p:nvSpPr>
+        <p:spPr/>
+        <p:txBody>
+          <a:bodyPr/>
+          <a:lstStyle/>
+          <a:p>
+            <a:r>
+              <a:rPr lang="en-US" dirty="0"/>
+              <a:t>References</a:t>
+            </a:r>
+          </a:p>
+        </p:txBody>
+      </p:sp>
+      <p:sp>
+        <p:nvSpPr>
+          <p:cNvPr id="3" name="Content Placeholder 2">
+            <a:extLst>
+              <a:ext uri="{FF2B5EF4-FFF2-40B4-BE49-F238E27FC236}">
+                <a16:creationId xmlns:a16="http://schemas.microsoft.com/office/drawing/2014/main" id="{813F127E-461D-714F-B0A3-A39A056EAE55}"/>
+              </a:ext>
+            </a:extLst>
+          </p:cNvPr>
+          <p:cNvSpPr>
+            <a:spLocks noGrp="1"/>
+          </p:cNvSpPr>
+          <p:nvPr>
+            <p:ph idx="1"/>
+          </p:nvPr>
+        </p:nvSpPr>
+        <p:spPr/>
+        <p:txBody>
+          <a:bodyPr/>
+          <a:lstStyle/>
+          <a:p>
+            <a:r>
+              <a:rPr lang="en-US" dirty="0">
+                <a:hlinkClick r:id="rId2"/>
+              </a:rPr>
+              <a:t>https://junit.org/junit5/docs/current/user-guide/</a:t>
+            </a:r>
+          </a:p>
+          <a:p>
+            <a:r>
+              <a:rPr lang="en-US" dirty="0">
+                <a:hlinkClick r:id="rId2"/>
+              </a:rPr>
+              <a:t>https://stackoverflow.com/questions/60308578/what-is-the-difference-between-extendwithspringextension-class-and-extendwit</a:t>
+            </a:r>
+            <a:endParaRPr lang="en-US" dirty="0"/>
+          </a:p>
+          <a:p>
+            <a:r>
+              <a:rPr lang="en-US" dirty="0">
+                <a:hlinkClick r:id="rId3"/>
+              </a:rPr>
+              <a:t>https://www.baeldung.com/spring-import-annotation</a:t>
+            </a:r>
+            <a:endParaRPr lang="en-US" dirty="0"/>
+          </a:p>
+          <a:p>
+            <a:r>
+              <a:rPr lang="en-US" dirty="0">
+                <a:hlinkClick r:id="rId4"/>
+              </a:rPr>
+              <a:t>https://www.baeldung.com/junit-5-extensions</a:t>
+            </a:r>
+            <a:endParaRPr lang="en-US" dirty="0"/>
+          </a:p>
+          <a:p>
+            <a:r>
+              <a:rPr lang="en-US" dirty="0">
+                <a:hlinkClick r:id="rId5"/>
+              </a:rPr>
+              <a:t>https://www.baeldung.com/junit-filtering-tests</a:t>
+            </a:r>
+            <a:endParaRPr lang="en-US" dirty="0"/>
+          </a:p>
+          <a:p>
+            <a:endParaRPr lang="en-US" dirty="0"/>
+          </a:p>
+          <a:p>
+            <a:endParaRPr lang="en-US" dirty="0"/>
+          </a:p>
+          <a:p>
+            <a:endParaRPr lang="en-US" dirty="0"/>
+          </a:p>
+          <a:p>
+            <a:endParaRPr lang="en-US" dirty="0"/>
+          </a:p>
+        </p:txBody>
+      </p:sp>
+    </p:spTree>
+    <p:extLst>
+      <p:ext uri="{BB962C8B-B14F-4D97-AF65-F5344CB8AC3E}">
+        <p14:creationId xmlns:p14="http://schemas.microsoft.com/office/powerpoint/2010/main" val="3225130834"/>
       </p:ext>
     </p:extLst>
   </p:cSld>
@@ -5489,7 +6402,13 @@
             </a:r>
             <a:r>
               <a:rPr lang="en-US" dirty="0"/>
-              <a:t>.</a:t>
+              <a:t>.’</a:t>
+            </a:r>
+          </a:p>
+          <a:p>
+            <a:r>
+              <a:rPr lang="en-US" dirty="0"/>
+              <a:t>Filtering test execution with tags is supported in IDEs and build tools (Maven, Gradle).</a:t>
             </a:r>
           </a:p>
         </p:txBody>

--- a/presentations/Introduction to JUnit 5.pptx
+++ b/presentations/Introduction to JUnit 5.pptx
@@ -5114,6 +5114,13 @@
           </a:p>
           <a:p>
             <a:r>
+              <a:rPr lang="en-US"/>
+              <a:t>assertArrayEquals</a:t>
+            </a:r>
+            <a:endParaRPr lang="en-US" dirty="0"/>
+          </a:p>
+          <a:p>
+            <a:r>
               <a:rPr lang="en-US" dirty="0" err="1"/>
               <a:t>assertEquals</a:t>
             </a:r>
@@ -5129,13 +5136,6 @@
           <a:p>
             <a:r>
               <a:rPr lang="en-US" dirty="0" err="1"/>
-              <a:t>assertThrows</a:t>
-            </a:r>
-            <a:endParaRPr lang="en-US" dirty="0"/>
-          </a:p>
-          <a:p>
-            <a:r>
-              <a:rPr lang="en-US" dirty="0" err="1"/>
               <a:t>assertTimeout</a:t>
             </a:r>
             <a:endParaRPr lang="en-US" dirty="0"/>
@@ -5151,6 +5151,13 @@
             <a:r>
               <a:rPr lang="en-US" dirty="0" err="1"/>
               <a:t>assertTrue</a:t>
+            </a:r>
+            <a:endParaRPr lang="en-US" dirty="0"/>
+          </a:p>
+          <a:p>
+            <a:r>
+              <a:rPr lang="en-US" dirty="0" err="1"/>
+              <a:t>assertFalse</a:t>
             </a:r>
             <a:endParaRPr lang="en-US" dirty="0"/>
           </a:p>
@@ -5182,7 +5189,18 @@
           </a:bodyPr>
           <a:lstStyle/>
           <a:p>
-            <a:endParaRPr lang="en-US"/>
+            <a:r>
+              <a:rPr lang="en-US" dirty="0" err="1"/>
+              <a:t>assertThrows</a:t>
+            </a:r>
+            <a:endParaRPr lang="en-US" dirty="0"/>
+          </a:p>
+          <a:p>
+            <a:r>
+              <a:rPr lang="en-US" dirty="0" err="1"/>
+              <a:t>assertDoesNotThrow</a:t>
+            </a:r>
+            <a:endParaRPr lang="en-US" dirty="0"/>
           </a:p>
         </p:txBody>
       </p:sp>
@@ -5401,29 +5419,13 @@
           <a:p>
             <a:r>
               <a:rPr lang="en-US" dirty="0"/>
-              <a:t>Adds </a:t>
-            </a:r>
-            <a:r>
-              <a:rPr lang="en-US"/>
-              <a:t>new assumption method that work well with </a:t>
-            </a:r>
-            <a:r>
-              <a:rPr lang="en-US" dirty="0"/>
-              <a:t>Java 8 lambda expressions and method references</a:t>
-            </a:r>
-            <a:r>
-              <a:rPr lang="en-US"/>
-              <a:t>. </a:t>
-            </a:r>
-          </a:p>
-          <a:p>
-            <a:r>
-              <a:rPr lang="en-US"/>
-              <a:t>All </a:t>
-            </a:r>
-            <a:r>
-              <a:rPr lang="en-US" dirty="0"/>
-              <a:t>JUnit Jupiter assumptions are static methods in the </a:t>
+              <a:t>New assumption method added integrates with Java 8 lambda expressions and method references. </a:t>
+            </a:r>
+          </a:p>
+          <a:p>
+            <a:r>
+              <a:rPr lang="en-US" dirty="0"/>
+              <a:t>All JUnit Jupiter assumptions are static methods in the </a:t>
             </a:r>
             <a:r>
               <a:rPr lang="en-US" dirty="0" err="1"/>

--- a/presentations/Introduction to JUnit 5.pptx
+++ b/presentations/Introduction to JUnit 5.pptx
@@ -28,9 +28,7 @@
     <p:sldId id="282" r:id="rId22"/>
     <p:sldId id="283" r:id="rId23"/>
     <p:sldId id="278" r:id="rId24"/>
-    <p:sldId id="279" r:id="rId25"/>
-    <p:sldId id="280" r:id="rId26"/>
-    <p:sldId id="264" r:id="rId27"/>
+    <p:sldId id="264" r:id="rId25"/>
   </p:sldIdLst>
   <p:sldSz cx="12192000" cy="6858000"/>
   <p:notesSz cx="6858000" cy="9144000"/>
@@ -284,7 +282,7 @@
           <a:p>
             <a:fld id="{B38EF465-D677-F140-82CD-891C0463380E}" type="datetimeFigureOut">
               <a:rPr lang="en-US" smtClean="0"/>
-              <a:t>10/14/21</a:t>
+              <a:t>10/20/21</a:t>
             </a:fld>
             <a:endParaRPr lang="en-US"/>
           </a:p>
@@ -482,7 +480,7 @@
           <a:p>
             <a:fld id="{B38EF465-D677-F140-82CD-891C0463380E}" type="datetimeFigureOut">
               <a:rPr lang="en-US" smtClean="0"/>
-              <a:t>10/14/21</a:t>
+              <a:t>10/20/21</a:t>
             </a:fld>
             <a:endParaRPr lang="en-US"/>
           </a:p>
@@ -690,7 +688,7 @@
           <a:p>
             <a:fld id="{B38EF465-D677-F140-82CD-891C0463380E}" type="datetimeFigureOut">
               <a:rPr lang="en-US" smtClean="0"/>
-              <a:t>10/14/21</a:t>
+              <a:t>10/20/21</a:t>
             </a:fld>
             <a:endParaRPr lang="en-US"/>
           </a:p>
@@ -888,7 +886,7 @@
           <a:p>
             <a:fld id="{B38EF465-D677-F140-82CD-891C0463380E}" type="datetimeFigureOut">
               <a:rPr lang="en-US" smtClean="0"/>
-              <a:t>10/14/21</a:t>
+              <a:t>10/20/21</a:t>
             </a:fld>
             <a:endParaRPr lang="en-US"/>
           </a:p>
@@ -1163,7 +1161,7 @@
           <a:p>
             <a:fld id="{B38EF465-D677-F140-82CD-891C0463380E}" type="datetimeFigureOut">
               <a:rPr lang="en-US" smtClean="0"/>
-              <a:t>10/14/21</a:t>
+              <a:t>10/20/21</a:t>
             </a:fld>
             <a:endParaRPr lang="en-US"/>
           </a:p>
@@ -1428,7 +1426,7 @@
           <a:p>
             <a:fld id="{B38EF465-D677-F140-82CD-891C0463380E}" type="datetimeFigureOut">
               <a:rPr lang="en-US" smtClean="0"/>
-              <a:t>10/14/21</a:t>
+              <a:t>10/20/21</a:t>
             </a:fld>
             <a:endParaRPr lang="en-US"/>
           </a:p>
@@ -1840,7 +1838,7 @@
           <a:p>
             <a:fld id="{B38EF465-D677-F140-82CD-891C0463380E}" type="datetimeFigureOut">
               <a:rPr lang="en-US" smtClean="0"/>
-              <a:t>10/14/21</a:t>
+              <a:t>10/20/21</a:t>
             </a:fld>
             <a:endParaRPr lang="en-US"/>
           </a:p>
@@ -1981,7 +1979,7 @@
           <a:p>
             <a:fld id="{B38EF465-D677-F140-82CD-891C0463380E}" type="datetimeFigureOut">
               <a:rPr lang="en-US" smtClean="0"/>
-              <a:t>10/14/21</a:t>
+              <a:t>10/20/21</a:t>
             </a:fld>
             <a:endParaRPr lang="en-US"/>
           </a:p>
@@ -2094,7 +2092,7 @@
           <a:p>
             <a:fld id="{B38EF465-D677-F140-82CD-891C0463380E}" type="datetimeFigureOut">
               <a:rPr lang="en-US" smtClean="0"/>
-              <a:t>10/14/21</a:t>
+              <a:t>10/20/21</a:t>
             </a:fld>
             <a:endParaRPr lang="en-US"/>
           </a:p>
@@ -2405,7 +2403,7 @@
           <a:p>
             <a:fld id="{B38EF465-D677-F140-82CD-891C0463380E}" type="datetimeFigureOut">
               <a:rPr lang="en-US" smtClean="0"/>
-              <a:t>10/14/21</a:t>
+              <a:t>10/20/21</a:t>
             </a:fld>
             <a:endParaRPr lang="en-US"/>
           </a:p>
@@ -2693,7 +2691,7 @@
           <a:p>
             <a:fld id="{B38EF465-D677-F140-82CD-891C0463380E}" type="datetimeFigureOut">
               <a:rPr lang="en-US" smtClean="0"/>
-              <a:t>10/14/21</a:t>
+              <a:t>10/20/21</a:t>
             </a:fld>
             <a:endParaRPr lang="en-US"/>
           </a:p>
@@ -2934,7 +2932,7 @@
           <a:p>
             <a:fld id="{B38EF465-D677-F140-82CD-891C0463380E}" type="datetimeFigureOut">
               <a:rPr lang="en-US" smtClean="0"/>
-              <a:t>10/14/21</a:t>
+              <a:t>10/20/21</a:t>
             </a:fld>
             <a:endParaRPr lang="en-US"/>
           </a:p>
@@ -3493,7 +3491,7 @@
             </a:pPr>
             <a:r>
               <a:rPr lang="en-US" sz="2400" dirty="0">
-                <a:latin typeface="JetBrains Mono NL" panose="02000009000000000000" pitchFamily="49" charset="0"/>
+                <a:latin typeface="Courier" pitchFamily="2" charset="0"/>
                 <a:ea typeface="JetBrains Mono NL" panose="02000009000000000000" pitchFamily="49" charset="0"/>
                 <a:cs typeface="JetBrains Mono NL" panose="02000009000000000000" pitchFamily="49" charset="0"/>
               </a:rPr>
@@ -3501,7 +3499,7 @@
             </a:r>
             <a:r>
               <a:rPr lang="en-US" sz="2400" dirty="0" err="1">
-                <a:latin typeface="JetBrains Mono NL" panose="02000009000000000000" pitchFamily="49" charset="0"/>
+                <a:latin typeface="Courier" pitchFamily="2" charset="0"/>
                 <a:ea typeface="JetBrains Mono NL" panose="02000009000000000000" pitchFamily="49" charset="0"/>
                 <a:cs typeface="JetBrains Mono NL" panose="02000009000000000000" pitchFamily="49" charset="0"/>
               </a:rPr>
@@ -3509,7 +3507,7 @@
             </a:r>
             <a:r>
               <a:rPr lang="en-US" sz="2400" dirty="0">
-                <a:latin typeface="JetBrains Mono NL" panose="02000009000000000000" pitchFamily="49" charset="0"/>
+                <a:latin typeface="Courier" pitchFamily="2" charset="0"/>
                 <a:ea typeface="JetBrains Mono NL" panose="02000009000000000000" pitchFamily="49" charset="0"/>
                 <a:cs typeface="JetBrains Mono NL" panose="02000009000000000000" pitchFamily="49" charset="0"/>
               </a:rPr>
@@ -3522,7 +3520,7 @@
             </a:pPr>
             <a:r>
               <a:rPr lang="en-US" sz="2400" dirty="0">
-                <a:latin typeface="JetBrains Mono NL" panose="02000009000000000000" pitchFamily="49" charset="0"/>
+                <a:latin typeface="Courier" pitchFamily="2" charset="0"/>
                 <a:ea typeface="JetBrains Mono NL" panose="02000009000000000000" pitchFamily="49" charset="0"/>
                 <a:cs typeface="JetBrains Mono NL" panose="02000009000000000000" pitchFamily="49" charset="0"/>
               </a:rPr>
@@ -3530,7 +3528,7 @@
             </a:r>
             <a:r>
               <a:rPr lang="en-US" sz="2400" dirty="0" err="1">
-                <a:latin typeface="JetBrains Mono NL" panose="02000009000000000000" pitchFamily="49" charset="0"/>
+                <a:latin typeface="Courier" pitchFamily="2" charset="0"/>
                 <a:ea typeface="JetBrains Mono NL" panose="02000009000000000000" pitchFamily="49" charset="0"/>
                 <a:cs typeface="JetBrains Mono NL" panose="02000009000000000000" pitchFamily="49" charset="0"/>
               </a:rPr>
@@ -3538,7 +3536,7 @@
             </a:r>
             <a:r>
               <a:rPr lang="en-US" sz="2400" dirty="0">
-                <a:latin typeface="JetBrains Mono NL" panose="02000009000000000000" pitchFamily="49" charset="0"/>
+                <a:latin typeface="Courier" pitchFamily="2" charset="0"/>
                 <a:ea typeface="JetBrains Mono NL" panose="02000009000000000000" pitchFamily="49" charset="0"/>
                 <a:cs typeface="JetBrains Mono NL" panose="02000009000000000000" pitchFamily="49" charset="0"/>
               </a:rPr>
@@ -3551,7 +3549,7 @@
             </a:pPr>
             <a:r>
               <a:rPr lang="en-US" sz="2400" dirty="0">
-                <a:latin typeface="JetBrains Mono NL" panose="02000009000000000000" pitchFamily="49" charset="0"/>
+                <a:latin typeface="Courier" pitchFamily="2" charset="0"/>
                 <a:ea typeface="JetBrains Mono NL" panose="02000009000000000000" pitchFamily="49" charset="0"/>
                 <a:cs typeface="JetBrains Mono NL" panose="02000009000000000000" pitchFamily="49" charset="0"/>
               </a:rPr>
@@ -3559,7 +3557,7 @@
             </a:r>
             <a:r>
               <a:rPr lang="en-US" sz="2400" dirty="0" err="1">
-                <a:latin typeface="JetBrains Mono NL" panose="02000009000000000000" pitchFamily="49" charset="0"/>
+                <a:latin typeface="Courier" pitchFamily="2" charset="0"/>
                 <a:ea typeface="JetBrains Mono NL" panose="02000009000000000000" pitchFamily="49" charset="0"/>
                 <a:cs typeface="JetBrains Mono NL" panose="02000009000000000000" pitchFamily="49" charset="0"/>
               </a:rPr>
@@ -3567,7 +3565,7 @@
             </a:r>
             <a:r>
               <a:rPr lang="en-US" sz="2400" dirty="0">
-                <a:latin typeface="JetBrains Mono NL" panose="02000009000000000000" pitchFamily="49" charset="0"/>
+                <a:latin typeface="Courier" pitchFamily="2" charset="0"/>
                 <a:ea typeface="JetBrains Mono NL" panose="02000009000000000000" pitchFamily="49" charset="0"/>
                 <a:cs typeface="JetBrains Mono NL" panose="02000009000000000000" pitchFamily="49" charset="0"/>
               </a:rPr>
@@ -3580,7 +3578,7 @@
             </a:pPr>
             <a:r>
               <a:rPr lang="en-US" sz="2400" dirty="0">
-                <a:latin typeface="JetBrains Mono NL" panose="02000009000000000000" pitchFamily="49" charset="0"/>
+                <a:latin typeface="Courier" pitchFamily="2" charset="0"/>
                 <a:ea typeface="JetBrains Mono NL" panose="02000009000000000000" pitchFamily="49" charset="0"/>
                 <a:cs typeface="JetBrains Mono NL" panose="02000009000000000000" pitchFamily="49" charset="0"/>
               </a:rPr>
@@ -3588,7 +3586,7 @@
             </a:r>
             <a:r>
               <a:rPr lang="en-US" sz="2400" dirty="0" err="1">
-                <a:latin typeface="JetBrains Mono NL" panose="02000009000000000000" pitchFamily="49" charset="0"/>
+                <a:latin typeface="Courier" pitchFamily="2" charset="0"/>
                 <a:ea typeface="JetBrains Mono NL" panose="02000009000000000000" pitchFamily="49" charset="0"/>
                 <a:cs typeface="JetBrains Mono NL" panose="02000009000000000000" pitchFamily="49" charset="0"/>
               </a:rPr>
@@ -3596,7 +3594,7 @@
             </a:r>
             <a:r>
               <a:rPr lang="en-US" sz="2400" dirty="0">
-                <a:latin typeface="JetBrains Mono NL" panose="02000009000000000000" pitchFamily="49" charset="0"/>
+                <a:latin typeface="Courier" pitchFamily="2" charset="0"/>
                 <a:ea typeface="JetBrains Mono NL" panose="02000009000000000000" pitchFamily="49" charset="0"/>
                 <a:cs typeface="JetBrains Mono NL" panose="02000009000000000000" pitchFamily="49" charset="0"/>
               </a:rPr>
@@ -3608,7 +3606,7 @@
               <a:buNone/>
             </a:pPr>
             <a:endParaRPr lang="en-US" sz="2400" dirty="0">
-              <a:latin typeface="JetBrains Mono NL" panose="02000009000000000000" pitchFamily="49" charset="0"/>
+              <a:latin typeface="Courier" pitchFamily="2" charset="0"/>
               <a:ea typeface="JetBrains Mono NL" panose="02000009000000000000" pitchFamily="49" charset="0"/>
               <a:cs typeface="JetBrains Mono NL" panose="02000009000000000000" pitchFamily="49" charset="0"/>
             </a:endParaRPr>
@@ -3619,7 +3617,7 @@
             </a:pPr>
             <a:r>
               <a:rPr lang="en-US" sz="2400" dirty="0">
-                <a:latin typeface="JetBrains Mono NL" panose="02000009000000000000" pitchFamily="49" charset="0"/>
+                <a:latin typeface="Courier" pitchFamily="2" charset="0"/>
                 <a:ea typeface="JetBrains Mono NL" panose="02000009000000000000" pitchFamily="49" charset="0"/>
                 <a:cs typeface="JetBrains Mono NL" panose="02000009000000000000" pitchFamily="49" charset="0"/>
               </a:rPr>
@@ -3627,7 +3625,7 @@
             </a:r>
             <a:r>
               <a:rPr lang="en-US" sz="2400" dirty="0" err="1">
-                <a:latin typeface="JetBrains Mono NL" panose="02000009000000000000" pitchFamily="49" charset="0"/>
+                <a:latin typeface="Courier" pitchFamily="2" charset="0"/>
                 <a:ea typeface="JetBrains Mono NL" panose="02000009000000000000" pitchFamily="49" charset="0"/>
                 <a:cs typeface="JetBrains Mono NL" panose="02000009000000000000" pitchFamily="49" charset="0"/>
               </a:rPr>
@@ -3635,7 +3633,7 @@
             </a:r>
             <a:r>
               <a:rPr lang="en-US" sz="2400" dirty="0">
-                <a:latin typeface="JetBrains Mono NL" panose="02000009000000000000" pitchFamily="49" charset="0"/>
+                <a:latin typeface="Courier" pitchFamily="2" charset="0"/>
                 <a:ea typeface="JetBrains Mono NL" panose="02000009000000000000" pitchFamily="49" charset="0"/>
                 <a:cs typeface="JetBrains Mono NL" panose="02000009000000000000" pitchFamily="49" charset="0"/>
               </a:rPr>
@@ -3647,7 +3645,7 @@
               <a:buNone/>
             </a:pPr>
             <a:endParaRPr lang="en-US" sz="2400" dirty="0">
-              <a:latin typeface="JetBrains Mono NL" panose="02000009000000000000" pitchFamily="49" charset="0"/>
+              <a:latin typeface="Courier" pitchFamily="2" charset="0"/>
               <a:ea typeface="JetBrains Mono NL" panose="02000009000000000000" pitchFamily="49" charset="0"/>
               <a:cs typeface="JetBrains Mono NL" panose="02000009000000000000" pitchFamily="49" charset="0"/>
             </a:endParaRPr>
@@ -3658,7 +3656,7 @@
             </a:pPr>
             <a:r>
               <a:rPr lang="en-US" sz="2400" dirty="0">
-                <a:latin typeface="JetBrains Mono NL" panose="02000009000000000000" pitchFamily="49" charset="0"/>
+                <a:latin typeface="Courier" pitchFamily="2" charset="0"/>
                 <a:ea typeface="JetBrains Mono NL" panose="02000009000000000000" pitchFamily="49" charset="0"/>
                 <a:cs typeface="JetBrains Mono NL" panose="02000009000000000000" pitchFamily="49" charset="0"/>
               </a:rPr>
@@ -3666,7 +3664,7 @@
             </a:r>
             <a:r>
               <a:rPr lang="en-US" sz="2400" dirty="0" err="1">
-                <a:latin typeface="JetBrains Mono NL" panose="02000009000000000000" pitchFamily="49" charset="0"/>
+                <a:latin typeface="Courier" pitchFamily="2" charset="0"/>
                 <a:ea typeface="JetBrains Mono NL" panose="02000009000000000000" pitchFamily="49" charset="0"/>
                 <a:cs typeface="JetBrains Mono NL" panose="02000009000000000000" pitchFamily="49" charset="0"/>
               </a:rPr>
@@ -3674,7 +3672,7 @@
             </a:r>
             <a:r>
               <a:rPr lang="en-US" sz="2400" dirty="0">
-                <a:latin typeface="JetBrains Mono NL" panose="02000009000000000000" pitchFamily="49" charset="0"/>
+                <a:latin typeface="Courier" pitchFamily="2" charset="0"/>
                 <a:ea typeface="JetBrains Mono NL" panose="02000009000000000000" pitchFamily="49" charset="0"/>
                 <a:cs typeface="JetBrains Mono NL" panose="02000009000000000000" pitchFamily="49" charset="0"/>
               </a:rPr>
@@ -3682,7 +3680,7 @@
             </a:r>
             <a:r>
               <a:rPr lang="en-US" sz="2400" dirty="0" err="1">
-                <a:latin typeface="JetBrains Mono NL" panose="02000009000000000000" pitchFamily="49" charset="0"/>
+                <a:latin typeface="Courier" pitchFamily="2" charset="0"/>
                 <a:ea typeface="JetBrains Mono NL" panose="02000009000000000000" pitchFamily="49" charset="0"/>
                 <a:cs typeface="JetBrains Mono NL" panose="02000009000000000000" pitchFamily="49" charset="0"/>
               </a:rPr>
@@ -3690,7 +3688,7 @@
             </a:r>
             <a:r>
               <a:rPr lang="en-US" sz="2400" dirty="0">
-                <a:latin typeface="JetBrains Mono NL" panose="02000009000000000000" pitchFamily="49" charset="0"/>
+                <a:latin typeface="Courier" pitchFamily="2" charset="0"/>
                 <a:ea typeface="JetBrains Mono NL" panose="02000009000000000000" pitchFamily="49" charset="0"/>
                 <a:cs typeface="JetBrains Mono NL" panose="02000009000000000000" pitchFamily="49" charset="0"/>
               </a:rPr>
@@ -3703,7 +3701,7 @@
             </a:pPr>
             <a:r>
               <a:rPr lang="en-US" sz="2400" dirty="0">
-                <a:latin typeface="JetBrains Mono NL" panose="02000009000000000000" pitchFamily="49" charset="0"/>
+                <a:latin typeface="Courier" pitchFamily="2" charset="0"/>
                 <a:ea typeface="JetBrains Mono NL" panose="02000009000000000000" pitchFamily="49" charset="0"/>
                 <a:cs typeface="JetBrains Mono NL" panose="02000009000000000000" pitchFamily="49" charset="0"/>
               </a:rPr>
@@ -3711,7 +3709,7 @@
             </a:r>
             <a:r>
               <a:rPr lang="en-US" sz="2400" dirty="0" err="1">
-                <a:latin typeface="JetBrains Mono NL" panose="02000009000000000000" pitchFamily="49" charset="0"/>
+                <a:latin typeface="Courier" pitchFamily="2" charset="0"/>
                 <a:ea typeface="JetBrains Mono NL" panose="02000009000000000000" pitchFamily="49" charset="0"/>
                 <a:cs typeface="JetBrains Mono NL" panose="02000009000000000000" pitchFamily="49" charset="0"/>
               </a:rPr>
@@ -3719,7 +3717,7 @@
             </a:r>
             <a:r>
               <a:rPr lang="en-US" sz="2400" dirty="0">
-                <a:latin typeface="JetBrains Mono NL" panose="02000009000000000000" pitchFamily="49" charset="0"/>
+                <a:latin typeface="Courier" pitchFamily="2" charset="0"/>
                 <a:ea typeface="JetBrains Mono NL" panose="02000009000000000000" pitchFamily="49" charset="0"/>
                 <a:cs typeface="JetBrains Mono NL" panose="02000009000000000000" pitchFamily="49" charset="0"/>
               </a:rPr>
@@ -3732,7 +3730,7 @@
             </a:pPr>
             <a:r>
               <a:rPr lang="en-US" sz="2400" dirty="0">
-                <a:latin typeface="JetBrains Mono NL" panose="02000009000000000000" pitchFamily="49" charset="0"/>
+                <a:latin typeface="Courier" pitchFamily="2" charset="0"/>
                 <a:ea typeface="JetBrains Mono NL" panose="02000009000000000000" pitchFamily="49" charset="0"/>
                 <a:cs typeface="JetBrains Mono NL" panose="02000009000000000000" pitchFamily="49" charset="0"/>
               </a:rPr>
@@ -3745,7 +3743,7 @@
             </a:pPr>
             <a:r>
               <a:rPr lang="en-US" sz="2400" dirty="0">
-                <a:latin typeface="JetBrains Mono NL" panose="02000009000000000000" pitchFamily="49" charset="0"/>
+                <a:latin typeface="Courier" pitchFamily="2" charset="0"/>
                 <a:ea typeface="JetBrains Mono NL" panose="02000009000000000000" pitchFamily="49" charset="0"/>
                 <a:cs typeface="JetBrains Mono NL" panose="02000009000000000000" pitchFamily="49" charset="0"/>
               </a:rPr>
@@ -3753,7 +3751,7 @@
             </a:r>
             <a:r>
               <a:rPr lang="en-US" sz="2400" dirty="0" err="1">
-                <a:latin typeface="JetBrains Mono NL" panose="02000009000000000000" pitchFamily="49" charset="0"/>
+                <a:latin typeface="Courier" pitchFamily="2" charset="0"/>
                 <a:ea typeface="JetBrains Mono NL" panose="02000009000000000000" pitchFamily="49" charset="0"/>
                 <a:cs typeface="JetBrains Mono NL" panose="02000009000000000000" pitchFamily="49" charset="0"/>
               </a:rPr>
@@ -3761,7 +3759,7 @@
             </a:r>
             <a:r>
               <a:rPr lang="en-US" sz="2400" dirty="0">
-                <a:latin typeface="JetBrains Mono NL" panose="02000009000000000000" pitchFamily="49" charset="0"/>
+                <a:latin typeface="Courier" pitchFamily="2" charset="0"/>
                 <a:ea typeface="JetBrains Mono NL" panose="02000009000000000000" pitchFamily="49" charset="0"/>
                 <a:cs typeface="JetBrains Mono NL" panose="02000009000000000000" pitchFamily="49" charset="0"/>
               </a:rPr>
@@ -3829,7 +3827,7 @@
           <a:p>
             <a:r>
               <a:rPr lang="en-US" dirty="0">
-                <a:latin typeface="JetBrains Mono NL" panose="02000009000000000000" pitchFamily="49" charset="0"/>
+                <a:latin typeface="Courier" pitchFamily="2" charset="0"/>
                 <a:ea typeface="JetBrains Mono NL" panose="02000009000000000000" pitchFamily="49" charset="0"/>
                 <a:cs typeface="JetBrains Mono NL" panose="02000009000000000000" pitchFamily="49" charset="0"/>
               </a:rPr>
@@ -3948,16 +3946,16 @@
           <a:lstStyle/>
           <a:p>
             <a:r>
-              <a:rPr lang="en-US" b="1" dirty="0">
-                <a:latin typeface="JetBrains Mono NL" panose="02000009000000000000" pitchFamily="49" charset="0"/>
+              <a:rPr lang="en-US" dirty="0">
+                <a:latin typeface="Courier" pitchFamily="2" charset="0"/>
                 <a:ea typeface="JetBrains Mono NL" panose="02000009000000000000" pitchFamily="49" charset="0"/>
                 <a:cs typeface="JetBrains Mono NL" panose="02000009000000000000" pitchFamily="49" charset="0"/>
               </a:rPr>
               <a:t>@</a:t>
             </a:r>
             <a:r>
-              <a:rPr lang="en-US" b="1" dirty="0" err="1">
-                <a:latin typeface="JetBrains Mono NL" panose="02000009000000000000" pitchFamily="49" charset="0"/>
+              <a:rPr lang="en-US" dirty="0" err="1">
+                <a:latin typeface="Courier" pitchFamily="2" charset="0"/>
                 <a:ea typeface="JetBrains Mono NL" panose="02000009000000000000" pitchFamily="49" charset="0"/>
                 <a:cs typeface="JetBrains Mono NL" panose="02000009000000000000" pitchFamily="49" charset="0"/>
               </a:rPr>
@@ -4000,14 +3998,14 @@
           <a:p>
             <a:r>
               <a:rPr lang="en-US" sz="2000" dirty="0" err="1">
-                <a:latin typeface="JetBrains Mono NL" panose="02000009000000000000" pitchFamily="49" charset="0"/>
+                <a:latin typeface="Courier" pitchFamily="2" charset="0"/>
                 <a:ea typeface="JetBrains Mono NL" panose="02000009000000000000" pitchFamily="49" charset="0"/>
                 <a:cs typeface="JetBrains Mono NL" panose="02000009000000000000" pitchFamily="49" charset="0"/>
               </a:rPr>
               <a:t>DisplayNameGenerator.ReplaceUnderscores.class</a:t>
             </a:r>
             <a:endParaRPr lang="en-US" sz="2000" dirty="0">
-              <a:latin typeface="JetBrains Mono NL" panose="02000009000000000000" pitchFamily="49" charset="0"/>
+              <a:latin typeface="Courier" pitchFamily="2" charset="0"/>
               <a:ea typeface="JetBrains Mono NL" panose="02000009000000000000" pitchFamily="49" charset="0"/>
               <a:cs typeface="JetBrains Mono NL" panose="02000009000000000000" pitchFamily="49" charset="0"/>
             </a:endParaRPr>
@@ -4015,7 +4013,7 @@
           <a:p>
             <a:r>
               <a:rPr lang="en-US" sz="2000" dirty="0">
-                <a:latin typeface="JetBrains Mono NL" panose="02000009000000000000" pitchFamily="49" charset="0"/>
+                <a:latin typeface="Courier" pitchFamily="2" charset="0"/>
                 <a:ea typeface="JetBrains Mono NL" panose="02000009000000000000" pitchFamily="49" charset="0"/>
                 <a:cs typeface="JetBrains Mono NL" panose="02000009000000000000" pitchFamily="49" charset="0"/>
               </a:rPr>
@@ -4023,7 +4021,7 @@
             </a:r>
             <a:r>
               <a:rPr lang="en-US" sz="2000" dirty="0" err="1">
-                <a:latin typeface="JetBrains Mono NL" panose="02000009000000000000" pitchFamily="49" charset="0"/>
+                <a:latin typeface="Courier" pitchFamily="2" charset="0"/>
                 <a:ea typeface="JetBrains Mono NL" panose="02000009000000000000" pitchFamily="49" charset="0"/>
                 <a:cs typeface="JetBrains Mono NL" panose="02000009000000000000" pitchFamily="49" charset="0"/>
               </a:rPr>
@@ -4031,7 +4029,7 @@
             </a:r>
             <a:r>
               <a:rPr lang="en-US" sz="2000" dirty="0">
-                <a:latin typeface="JetBrains Mono NL" panose="02000009000000000000" pitchFamily="49" charset="0"/>
+                <a:latin typeface="Courier" pitchFamily="2" charset="0"/>
                 <a:ea typeface="JetBrains Mono NL" panose="02000009000000000000" pitchFamily="49" charset="0"/>
                 <a:cs typeface="JetBrains Mono NL" panose="02000009000000000000" pitchFamily="49" charset="0"/>
               </a:rPr>
@@ -4039,14 +4037,14 @@
             </a:r>
             <a:br>
               <a:rPr lang="en-US" sz="2000" dirty="0">
-                <a:latin typeface="JetBrains Mono NL" panose="02000009000000000000" pitchFamily="49" charset="0"/>
+                <a:latin typeface="Courier" pitchFamily="2" charset="0"/>
                 <a:ea typeface="JetBrains Mono NL" panose="02000009000000000000" pitchFamily="49" charset="0"/>
                 <a:cs typeface="JetBrains Mono NL" panose="02000009000000000000" pitchFamily="49" charset="0"/>
               </a:rPr>
             </a:br>
             <a:r>
               <a:rPr lang="en-US" sz="2000" dirty="0">
-                <a:latin typeface="JetBrains Mono NL" panose="02000009000000000000" pitchFamily="49" charset="0"/>
+                <a:latin typeface="Courier" pitchFamily="2" charset="0"/>
                 <a:ea typeface="JetBrains Mono NL" panose="02000009000000000000" pitchFamily="49" charset="0"/>
                 <a:cs typeface="JetBrains Mono NL" panose="02000009000000000000" pitchFamily="49" charset="0"/>
               </a:rPr>
@@ -4054,7 +4052,7 @@
             </a:r>
             <a:r>
               <a:rPr lang="en-US" sz="2000" dirty="0" err="1">
-                <a:latin typeface="JetBrains Mono NL" panose="02000009000000000000" pitchFamily="49" charset="0"/>
+                <a:latin typeface="Courier" pitchFamily="2" charset="0"/>
                 <a:ea typeface="JetBrains Mono NL" panose="02000009000000000000" pitchFamily="49" charset="0"/>
                 <a:cs typeface="JetBrains Mono NL" panose="02000009000000000000" pitchFamily="49" charset="0"/>
               </a:rPr>
@@ -4062,7 +4060,7 @@
             </a:r>
             <a:r>
               <a:rPr lang="en-US" sz="2000" dirty="0">
-                <a:latin typeface="JetBrains Mono NL" panose="02000009000000000000" pitchFamily="49" charset="0"/>
+                <a:latin typeface="Courier" pitchFamily="2" charset="0"/>
                 <a:ea typeface="JetBrains Mono NL" panose="02000009000000000000" pitchFamily="49" charset="0"/>
                 <a:cs typeface="JetBrains Mono NL" panose="02000009000000000000" pitchFamily="49" charset="0"/>
               </a:rPr>
@@ -4123,8 +4121,14 @@
           <a:lstStyle/>
           <a:p>
             <a:r>
-              <a:rPr lang="en-US" dirty="0"/>
-              <a:t>@Nested annotation</a:t>
+              <a:rPr lang="en-US" dirty="0">
+                <a:latin typeface="Courier" pitchFamily="2" charset="0"/>
+              </a:rPr>
+              <a:t>@Nested</a:t>
+            </a:r>
+            <a:r>
+              <a:rPr lang="en-US" dirty="0"/>
+              <a:t> annotation</a:t>
             </a:r>
           </a:p>
         </p:txBody>
@@ -4152,7 +4156,7 @@
           <a:p>
             <a:r>
               <a:rPr lang="en-US" dirty="0"/>
-              <a:t>Using non-static inner classes can facilitate hierarchical thinking about the test structure.</a:t>
+              <a:t>Using non-static inner classes can facilitate hierarchical test structure.</a:t>
             </a:r>
           </a:p>
           <a:p>
@@ -4198,7 +4202,7 @@
             <a:pPr lvl="1"/>
             <a:r>
               <a:rPr lang="en-US" dirty="0"/>
-              <a:t>It will make them infinitely easier to comprehend.</a:t>
+              <a:t>It will make your test suites infinitely easier to comprehend.</a:t>
             </a:r>
           </a:p>
         </p:txBody>
@@ -4255,8 +4259,14 @@
           <a:lstStyle/>
           <a:p>
             <a:r>
-              <a:rPr lang="en-US" dirty="0"/>
-              <a:t>@Test annotation</a:t>
+              <a:rPr lang="en-US" dirty="0">
+                <a:latin typeface="Courier" pitchFamily="2" charset="0"/>
+              </a:rPr>
+              <a:t>@Test</a:t>
+            </a:r>
+            <a:r>
+              <a:rPr lang="en-US" dirty="0"/>
+              <a:t> annotation</a:t>
             </a:r>
           </a:p>
         </p:txBody>
@@ -4284,7 +4294,7 @@
           <a:p>
             <a:r>
               <a:rPr lang="en-US" dirty="0"/>
-              <a:t>Denotes that a method is a test method. </a:t>
+              <a:t>Denotes that a method is an executable test method. </a:t>
             </a:r>
           </a:p>
         </p:txBody>
@@ -4341,11 +4351,15 @@
           <a:lstStyle/>
           <a:p>
             <a:r>
-              <a:rPr lang="en-US" dirty="0"/>
+              <a:rPr lang="en-US" dirty="0">
+                <a:latin typeface="Courier" pitchFamily="2" charset="0"/>
+              </a:rPr>
               <a:t>@</a:t>
             </a:r>
             <a:r>
-              <a:rPr lang="en-US" dirty="0" err="1"/>
+              <a:rPr lang="en-US" dirty="0" err="1">
+                <a:latin typeface="Courier" pitchFamily="2" charset="0"/>
+              </a:rPr>
               <a:t>BeforeEach</a:t>
             </a:r>
             <a:r>
@@ -4378,26 +4392,60 @@
           <a:p>
             <a:r>
               <a:rPr lang="en-US" dirty="0"/>
-              <a:t>Denotes that the annotated method should be executed before each @Test, @</a:t>
-            </a:r>
-            <a:r>
-              <a:rPr lang="en-US" dirty="0" err="1"/>
+              <a:t>Denotes that the annotated method should be executed before each </a:t>
+            </a:r>
+            <a:r>
+              <a:rPr lang="en-US" dirty="0">
+                <a:latin typeface="Courier" pitchFamily="2" charset="0"/>
+              </a:rPr>
+              <a:t>@Test</a:t>
+            </a:r>
+            <a:r>
+              <a:rPr lang="en-US" dirty="0"/>
+              <a:t>, </a:t>
+            </a:r>
+            <a:r>
+              <a:rPr lang="en-US" dirty="0">
+                <a:latin typeface="Courier" pitchFamily="2" charset="0"/>
+              </a:rPr>
+              <a:t>@</a:t>
+            </a:r>
+            <a:r>
+              <a:rPr lang="en-US" dirty="0" err="1">
+                <a:latin typeface="Courier" pitchFamily="2" charset="0"/>
+              </a:rPr>
               <a:t>RepeatedTest</a:t>
             </a:r>
             <a:r>
               <a:rPr lang="en-US" dirty="0"/>
-              <a:t>, @</a:t>
-            </a:r>
-            <a:r>
-              <a:rPr lang="en-US" dirty="0" err="1"/>
+              <a:t>, </a:t>
+            </a:r>
+            <a:r>
+              <a:rPr lang="en-US" dirty="0">
+                <a:latin typeface="Courier" pitchFamily="2" charset="0"/>
+              </a:rPr>
+              <a:t>@</a:t>
+            </a:r>
+            <a:r>
+              <a:rPr lang="en-US" dirty="0" err="1">
+                <a:latin typeface="Courier" pitchFamily="2" charset="0"/>
+              </a:rPr>
               <a:t>ParameterizedTest</a:t>
             </a:r>
             <a:r>
               <a:rPr lang="en-US" dirty="0"/>
-              <a:t>, or @</a:t>
-            </a:r>
-            <a:r>
-              <a:rPr lang="en-US" dirty="0" err="1"/>
+              <a:t>, or </a:t>
+            </a:r>
+            <a:r>
+              <a:rPr lang="en-US" dirty="0">
+                <a:latin typeface="Courier" pitchFamily="2" charset="0"/>
+              </a:rPr>
+              <a:t>@</a:t>
+            </a:r>
+            <a:r>
+              <a:rPr lang="en-US" dirty="0" err="1">
+                <a:latin typeface="Courier" pitchFamily="2" charset="0"/>
+              </a:rPr>
               <a:t>TestFactory</a:t>
             </a:r>
             <a:r>
@@ -4459,11 +4507,15 @@
           <a:lstStyle/>
           <a:p>
             <a:r>
-              <a:rPr lang="en-US" dirty="0"/>
+              <a:rPr lang="en-US" dirty="0">
+                <a:latin typeface="Courier" pitchFamily="2" charset="0"/>
+              </a:rPr>
               <a:t>@</a:t>
             </a:r>
             <a:r>
-              <a:rPr lang="en-US" dirty="0" err="1"/>
+              <a:rPr lang="en-US" dirty="0" err="1">
+                <a:latin typeface="Courier" pitchFamily="2" charset="0"/>
+              </a:rPr>
               <a:t>BeforeAll</a:t>
             </a:r>
             <a:r>
@@ -4496,26 +4548,60 @@
           <a:p>
             <a:r>
               <a:rPr lang="en-US" dirty="0"/>
-              <a:t>Denotes that the annotated method should be executed before all @Test, @</a:t>
-            </a:r>
-            <a:r>
-              <a:rPr lang="en-US" dirty="0" err="1"/>
+              <a:t>Denotes that the annotated method should be executed before all </a:t>
+            </a:r>
+            <a:r>
+              <a:rPr lang="en-US" dirty="0">
+                <a:latin typeface="Courier" pitchFamily="2" charset="0"/>
+              </a:rPr>
+              <a:t>@Test</a:t>
+            </a:r>
+            <a:r>
+              <a:rPr lang="en-US" dirty="0"/>
+              <a:t>, </a:t>
+            </a:r>
+            <a:r>
+              <a:rPr lang="en-US" dirty="0">
+                <a:latin typeface="Courier" pitchFamily="2" charset="0"/>
+              </a:rPr>
+              <a:t>@</a:t>
+            </a:r>
+            <a:r>
+              <a:rPr lang="en-US" dirty="0" err="1">
+                <a:latin typeface="Courier" pitchFamily="2" charset="0"/>
+              </a:rPr>
               <a:t>RepeatedTest</a:t>
             </a:r>
             <a:r>
               <a:rPr lang="en-US" dirty="0"/>
-              <a:t>, @</a:t>
-            </a:r>
-            <a:r>
-              <a:rPr lang="en-US" dirty="0" err="1"/>
+              <a:t>, </a:t>
+            </a:r>
+            <a:r>
+              <a:rPr lang="en-US" dirty="0">
+                <a:latin typeface="Courier" pitchFamily="2" charset="0"/>
+              </a:rPr>
+              <a:t>@</a:t>
+            </a:r>
+            <a:r>
+              <a:rPr lang="en-US" dirty="0" err="1">
+                <a:latin typeface="Courier" pitchFamily="2" charset="0"/>
+              </a:rPr>
               <a:t>ParameterizedTest</a:t>
             </a:r>
             <a:r>
               <a:rPr lang="en-US" dirty="0"/>
-              <a:t>, and @</a:t>
-            </a:r>
-            <a:r>
-              <a:rPr lang="en-US" dirty="0" err="1"/>
+              <a:t>, or </a:t>
+            </a:r>
+            <a:r>
+              <a:rPr lang="en-US" dirty="0">
+                <a:latin typeface="Courier" pitchFamily="2" charset="0"/>
+              </a:rPr>
+              <a:t>@</a:t>
+            </a:r>
+            <a:r>
+              <a:rPr lang="en-US" dirty="0" err="1">
+                <a:latin typeface="Courier" pitchFamily="2" charset="0"/>
+              </a:rPr>
               <a:t>TestFactory</a:t>
             </a:r>
             <a:r>
@@ -4526,7 +4612,24 @@
           <a:p>
             <a:r>
               <a:rPr lang="en-US" dirty="0"/>
-              <a:t>Must be static (unless the "per-class" test instance lifecycle is used).</a:t>
+              <a:t>Must be </a:t>
+            </a:r>
+            <a:r>
+              <a:rPr lang="en-US" b="1" dirty="0">
+                <a:latin typeface="Courier" pitchFamily="2" charset="0"/>
+              </a:rPr>
+              <a:t>static</a:t>
+            </a:r>
+            <a:r>
+              <a:rPr lang="en-US" dirty="0"/>
+              <a:t>.</a:t>
+            </a:r>
+          </a:p>
+          <a:p>
+            <a:pPr lvl="1"/>
+            <a:r>
+              <a:rPr lang="en-US" dirty="0"/>
+              <a:t>Unless the "per-class" test instance lifecycle is used.</a:t>
             </a:r>
           </a:p>
         </p:txBody>
@@ -4583,11 +4686,15 @@
           <a:lstStyle/>
           <a:p>
             <a:r>
-              <a:rPr lang="en-US" dirty="0"/>
+              <a:rPr lang="en-US" dirty="0">
+                <a:latin typeface="Courier" pitchFamily="2" charset="0"/>
+              </a:rPr>
               <a:t>@</a:t>
             </a:r>
             <a:r>
-              <a:rPr lang="en-US" dirty="0" err="1"/>
+              <a:rPr lang="en-US" dirty="0" err="1">
+                <a:latin typeface="Courier" pitchFamily="2" charset="0"/>
+              </a:rPr>
               <a:t>AfterEach</a:t>
             </a:r>
             <a:r>
@@ -4620,26 +4727,60 @@
           <a:p>
             <a:r>
               <a:rPr lang="en-US" dirty="0"/>
-              <a:t>Denotes that the annotated method should be executed after each @Test, @</a:t>
-            </a:r>
-            <a:r>
-              <a:rPr lang="en-US" dirty="0" err="1"/>
+              <a:t>Denotes that the annotated method should be executed after each </a:t>
+            </a:r>
+            <a:r>
+              <a:rPr lang="en-US" dirty="0">
+                <a:latin typeface="Courier" pitchFamily="2" charset="0"/>
+              </a:rPr>
+              <a:t>@Test</a:t>
+            </a:r>
+            <a:r>
+              <a:rPr lang="en-US" dirty="0"/>
+              <a:t>, </a:t>
+            </a:r>
+            <a:r>
+              <a:rPr lang="en-US" dirty="0">
+                <a:latin typeface="Courier" pitchFamily="2" charset="0"/>
+              </a:rPr>
+              <a:t>@</a:t>
+            </a:r>
+            <a:r>
+              <a:rPr lang="en-US" dirty="0" err="1">
+                <a:latin typeface="Courier" pitchFamily="2" charset="0"/>
+              </a:rPr>
               <a:t>RepeatedTest</a:t>
             </a:r>
             <a:r>
               <a:rPr lang="en-US" dirty="0"/>
-              <a:t>, @</a:t>
-            </a:r>
-            <a:r>
-              <a:rPr lang="en-US" dirty="0" err="1"/>
+              <a:t>, </a:t>
+            </a:r>
+            <a:r>
+              <a:rPr lang="en-US" dirty="0">
+                <a:latin typeface="Courier" pitchFamily="2" charset="0"/>
+              </a:rPr>
+              <a:t>@</a:t>
+            </a:r>
+            <a:r>
+              <a:rPr lang="en-US" dirty="0" err="1">
+                <a:latin typeface="Courier" pitchFamily="2" charset="0"/>
+              </a:rPr>
               <a:t>ParameterizedTest</a:t>
             </a:r>
             <a:r>
               <a:rPr lang="en-US" dirty="0"/>
-              <a:t>, or @</a:t>
-            </a:r>
-            <a:r>
-              <a:rPr lang="en-US" dirty="0" err="1"/>
+              <a:t>, or </a:t>
+            </a:r>
+            <a:r>
+              <a:rPr lang="en-US" dirty="0">
+                <a:latin typeface="Courier" pitchFamily="2" charset="0"/>
+              </a:rPr>
+              <a:t>@</a:t>
+            </a:r>
+            <a:r>
+              <a:rPr lang="en-US" dirty="0" err="1">
+                <a:latin typeface="Courier" pitchFamily="2" charset="0"/>
+              </a:rPr>
               <a:t>TestFactory</a:t>
             </a:r>
             <a:r>
@@ -4701,11 +4842,15 @@
           <a:lstStyle/>
           <a:p>
             <a:r>
-              <a:rPr lang="en-US" dirty="0"/>
+              <a:rPr lang="en-US" dirty="0">
+                <a:latin typeface="Courier" pitchFamily="2" charset="0"/>
+              </a:rPr>
               <a:t>@</a:t>
             </a:r>
             <a:r>
-              <a:rPr lang="en-US" dirty="0" err="1"/>
+              <a:rPr lang="en-US" dirty="0" err="1">
+                <a:latin typeface="Courier" pitchFamily="2" charset="0"/>
+              </a:rPr>
               <a:t>AfterAll</a:t>
             </a:r>
             <a:r>
@@ -4738,32 +4883,95 @@
           <a:p>
             <a:r>
               <a:rPr lang="en-US" dirty="0"/>
-              <a:t>Denotes that the annotated method should be executed after all @Test, @</a:t>
-            </a:r>
-            <a:r>
-              <a:rPr lang="en-US" dirty="0" err="1"/>
+              <a:t>Denotes that the annotated method should be executed after all </a:t>
+            </a:r>
+            <a:r>
+              <a:rPr lang="en-US" dirty="0">
+                <a:latin typeface="Courier" pitchFamily="2" charset="0"/>
+              </a:rPr>
+              <a:t>@Test</a:t>
+            </a:r>
+            <a:r>
+              <a:rPr lang="en-US" dirty="0"/>
+              <a:t>, </a:t>
+            </a:r>
+            <a:r>
+              <a:rPr lang="en-US" dirty="0">
+                <a:latin typeface="Courier" pitchFamily="2" charset="0"/>
+              </a:rPr>
+              <a:t>@</a:t>
+            </a:r>
+            <a:r>
+              <a:rPr lang="en-US" dirty="0" err="1">
+                <a:latin typeface="Courier" pitchFamily="2" charset="0"/>
+              </a:rPr>
               <a:t>RepeatedTest</a:t>
             </a:r>
             <a:r>
               <a:rPr lang="en-US" dirty="0"/>
-              <a:t>, @</a:t>
-            </a:r>
-            <a:r>
-              <a:rPr lang="en-US" dirty="0" err="1"/>
+              <a:t>, </a:t>
+            </a:r>
+            <a:r>
+              <a:rPr lang="en-US" dirty="0">
+                <a:latin typeface="Courier" pitchFamily="2" charset="0"/>
+              </a:rPr>
+              <a:t>@</a:t>
+            </a:r>
+            <a:r>
+              <a:rPr lang="en-US" dirty="0" err="1">
+                <a:latin typeface="Courier" pitchFamily="2" charset="0"/>
+              </a:rPr>
               <a:t>ParameterizedTest</a:t>
             </a:r>
             <a:r>
               <a:rPr lang="en-US" dirty="0"/>
-              <a:t>, and @</a:t>
-            </a:r>
-            <a:r>
-              <a:rPr lang="en-US" dirty="0" err="1"/>
+              <a:t>, or </a:t>
+            </a:r>
+            <a:r>
+              <a:rPr lang="en-US" dirty="0">
+                <a:latin typeface="Courier" pitchFamily="2" charset="0"/>
+              </a:rPr>
+              <a:t>@</a:t>
+            </a:r>
+            <a:r>
+              <a:rPr lang="en-US" dirty="0" err="1">
+                <a:latin typeface="Courier" pitchFamily="2" charset="0"/>
+              </a:rPr>
               <a:t>TestFactory</a:t>
             </a:r>
             <a:r>
               <a:rPr lang="en-US" dirty="0"/>
               <a:t> methods in the current class. </a:t>
             </a:r>
+          </a:p>
+          <a:p>
+            <a:r>
+              <a:rPr lang="en-US" dirty="0"/>
+              <a:t>Must be </a:t>
+            </a:r>
+            <a:r>
+              <a:rPr lang="en-US" b="1" dirty="0">
+                <a:latin typeface="Courier" pitchFamily="2" charset="0"/>
+              </a:rPr>
+              <a:t>static</a:t>
+            </a:r>
+            <a:r>
+              <a:rPr lang="en-US" dirty="0"/>
+              <a:t>.</a:t>
+            </a:r>
+          </a:p>
+          <a:p>
+            <a:pPr lvl="1"/>
+            <a:r>
+              <a:rPr lang="en-US" dirty="0"/>
+              <a:t>Unless the "per-class" test instance lifecycle is used.</a:t>
+            </a:r>
+          </a:p>
+          <a:p>
+            <a:pPr marL="0" indent="0">
+              <a:buNone/>
+            </a:pPr>
+            <a:endParaRPr lang="en-US" dirty="0"/>
           </a:p>
         </p:txBody>
       </p:sp>
@@ -4864,7 +5072,7 @@
             </a:r>
             <a:r>
               <a:rPr lang="en-US" dirty="0" err="1">
-                <a:latin typeface="JetBrains Mono NL" panose="02000009000000000000" pitchFamily="49" charset="0"/>
+                <a:latin typeface="Courier" pitchFamily="2" charset="0"/>
                 <a:ea typeface="JetBrains Mono NL" panose="02000009000000000000" pitchFamily="49" charset="0"/>
                 <a:cs typeface="JetBrains Mono NL" panose="02000009000000000000" pitchFamily="49" charset="0"/>
               </a:rPr>
@@ -5107,59 +5315,91 @@
           <a:lstStyle/>
           <a:p>
             <a:r>
-              <a:rPr lang="en-US" dirty="0" err="1"/>
+              <a:rPr lang="en-US" sz="2400" dirty="0" err="1">
+                <a:latin typeface="Courier" pitchFamily="2" charset="0"/>
+              </a:rPr>
               <a:t>assertAll</a:t>
             </a:r>
-            <a:endParaRPr lang="en-US" dirty="0"/>
-          </a:p>
-          <a:p>
-            <a:r>
-              <a:rPr lang="en-US"/>
+            <a:endParaRPr lang="en-US" sz="2400" dirty="0">
+              <a:latin typeface="Courier" pitchFamily="2" charset="0"/>
+            </a:endParaRPr>
+          </a:p>
+          <a:p>
+            <a:r>
+              <a:rPr lang="en-US" sz="2400" dirty="0" err="1">
+                <a:latin typeface="Courier" pitchFamily="2" charset="0"/>
+              </a:rPr>
               <a:t>assertArrayEquals</a:t>
             </a:r>
-            <a:endParaRPr lang="en-US" dirty="0"/>
-          </a:p>
-          <a:p>
-            <a:r>
-              <a:rPr lang="en-US" dirty="0" err="1"/>
+            <a:endParaRPr lang="en-US" sz="2400" dirty="0">
+              <a:latin typeface="Courier" pitchFamily="2" charset="0"/>
+            </a:endParaRPr>
+          </a:p>
+          <a:p>
+            <a:r>
+              <a:rPr lang="en-US" sz="2400" dirty="0" err="1">
+                <a:latin typeface="Courier" pitchFamily="2" charset="0"/>
+              </a:rPr>
               <a:t>assertEquals</a:t>
             </a:r>
-            <a:endParaRPr lang="en-US" dirty="0"/>
-          </a:p>
-          <a:p>
-            <a:r>
-              <a:rPr lang="en-US" dirty="0" err="1"/>
+            <a:endParaRPr lang="en-US" sz="2400" dirty="0">
+              <a:latin typeface="Courier" pitchFamily="2" charset="0"/>
+            </a:endParaRPr>
+          </a:p>
+          <a:p>
+            <a:r>
+              <a:rPr lang="en-US" sz="2400" dirty="0" err="1">
+                <a:latin typeface="Courier" pitchFamily="2" charset="0"/>
+              </a:rPr>
               <a:t>assertNotNull</a:t>
             </a:r>
-            <a:endParaRPr lang="en-US" dirty="0"/>
-          </a:p>
-          <a:p>
-            <a:r>
-              <a:rPr lang="en-US" dirty="0" err="1"/>
+            <a:endParaRPr lang="en-US" sz="2400" dirty="0">
+              <a:latin typeface="Courier" pitchFamily="2" charset="0"/>
+            </a:endParaRPr>
+          </a:p>
+          <a:p>
+            <a:r>
+              <a:rPr lang="en-US" sz="2400" dirty="0" err="1">
+                <a:latin typeface="Courier" pitchFamily="2" charset="0"/>
+              </a:rPr>
               <a:t>assertTimeout</a:t>
             </a:r>
-            <a:endParaRPr lang="en-US" dirty="0"/>
-          </a:p>
-          <a:p>
-            <a:r>
-              <a:rPr lang="en-US" dirty="0" err="1"/>
+            <a:endParaRPr lang="en-US" sz="2400" dirty="0">
+              <a:latin typeface="Courier" pitchFamily="2" charset="0"/>
+            </a:endParaRPr>
+          </a:p>
+          <a:p>
+            <a:r>
+              <a:rPr lang="en-US" sz="2400" dirty="0" err="1">
+                <a:latin typeface="Courier" pitchFamily="2" charset="0"/>
+              </a:rPr>
               <a:t>assertTimeoutPreemptively</a:t>
             </a:r>
-            <a:endParaRPr lang="en-US" dirty="0"/>
-          </a:p>
-          <a:p>
-            <a:r>
-              <a:rPr lang="en-US" dirty="0" err="1"/>
+            <a:endParaRPr lang="en-US" sz="2400" dirty="0">
+              <a:latin typeface="Courier" pitchFamily="2" charset="0"/>
+            </a:endParaRPr>
+          </a:p>
+          <a:p>
+            <a:r>
+              <a:rPr lang="en-US" sz="2400" dirty="0" err="1">
+                <a:latin typeface="Courier" pitchFamily="2" charset="0"/>
+              </a:rPr>
               <a:t>assertTrue</a:t>
             </a:r>
-            <a:endParaRPr lang="en-US" dirty="0"/>
-          </a:p>
-          <a:p>
-            <a:r>
-              <a:rPr lang="en-US" dirty="0" err="1"/>
+            <a:endParaRPr lang="en-US" sz="2400" dirty="0">
+              <a:latin typeface="Courier" pitchFamily="2" charset="0"/>
+            </a:endParaRPr>
+          </a:p>
+          <a:p>
+            <a:r>
+              <a:rPr lang="en-US" sz="2400" dirty="0" err="1">
+                <a:latin typeface="Courier" pitchFamily="2" charset="0"/>
+              </a:rPr>
               <a:t>assertFalse</a:t>
             </a:r>
-            <a:endParaRPr lang="en-US" dirty="0"/>
+            <a:endParaRPr lang="en-US" sz="2400" dirty="0">
+              <a:latin typeface="Courier" pitchFamily="2" charset="0"/>
+            </a:endParaRPr>
           </a:p>
           <a:p>
             <a:endParaRPr lang="en-US" dirty="0"/>
@@ -5190,17 +5430,25 @@
           <a:lstStyle/>
           <a:p>
             <a:r>
-              <a:rPr lang="en-US" dirty="0" err="1"/>
+              <a:rPr lang="en-US" sz="2400" dirty="0" err="1">
+                <a:latin typeface="Courier" pitchFamily="2" charset="0"/>
+              </a:rPr>
               <a:t>assertThrows</a:t>
             </a:r>
-            <a:endParaRPr lang="en-US" dirty="0"/>
-          </a:p>
-          <a:p>
-            <a:r>
-              <a:rPr lang="en-US" dirty="0" err="1"/>
+            <a:endParaRPr lang="en-US" sz="2400" dirty="0">
+              <a:latin typeface="Courier" pitchFamily="2" charset="0"/>
+            </a:endParaRPr>
+          </a:p>
+          <a:p>
+            <a:r>
+              <a:rPr lang="en-US" sz="2400" dirty="0" err="1">
+                <a:latin typeface="Courier" pitchFamily="2" charset="0"/>
+              </a:rPr>
               <a:t>assertDoesNotThrow</a:t>
             </a:r>
-            <a:endParaRPr lang="en-US" dirty="0"/>
+            <a:endParaRPr lang="en-US" sz="2400" dirty="0">
+              <a:latin typeface="Courier" pitchFamily="2" charset="0"/>
+            </a:endParaRPr>
           </a:p>
         </p:txBody>
       </p:sp>
@@ -5408,7 +5656,9 @@
         </p:nvSpPr>
         <p:spPr/>
         <p:txBody>
-          <a:bodyPr/>
+          <a:bodyPr>
+            <a:normAutofit lnSpcReduction="10000"/>
+          </a:bodyPr>
           <a:lstStyle/>
           <a:p>
             <a:r>
@@ -5428,7 +5678,9 @@
               <a:t>All JUnit Jupiter assumptions are static methods in the </a:t>
             </a:r>
             <a:r>
-              <a:rPr lang="en-US" dirty="0" err="1"/>
+              <a:rPr lang="en-US" dirty="0" err="1">
+                <a:latin typeface="Courier" pitchFamily="2" charset="0"/>
+              </a:rPr>
               <a:t>org.junit.jupiter.api.Assumptions</a:t>
             </a:r>
             <a:r>
@@ -5442,7 +5694,9 @@
               <a:t>As of JUnit Jupiter 5.4, it is also possible to use methods from JUnit 4’s </a:t>
             </a:r>
             <a:r>
-              <a:rPr lang="en-US" dirty="0" err="1"/>
+              <a:rPr lang="en-US" dirty="0" err="1">
+                <a:latin typeface="Courier" pitchFamily="2" charset="0"/>
+              </a:rPr>
               <a:t>org.junit.Assume</a:t>
             </a:r>
             <a:r>
@@ -5457,7 +5711,9 @@
               <a:t>Specifically, JUnit Jupiter supports JUnit 4’s </a:t>
             </a:r>
             <a:r>
-              <a:rPr lang="en-US" dirty="0" err="1"/>
+              <a:rPr lang="en-US" dirty="0" err="1">
+                <a:latin typeface="Courier" pitchFamily="2" charset="0"/>
+              </a:rPr>
               <a:t>AssumptionViolatedException</a:t>
             </a:r>
             <a:r>
@@ -5563,7 +5819,7 @@
             </a:r>
             <a:r>
               <a:rPr lang="en-US" dirty="0">
-                <a:latin typeface="JetBrains Mono NL" panose="02000009000000000000" pitchFamily="49" charset="0"/>
+                <a:latin typeface="Courier" pitchFamily="2" charset="0"/>
                 <a:ea typeface="JetBrains Mono NL" panose="02000009000000000000" pitchFamily="49" charset="0"/>
                 <a:cs typeface="JetBrains Mono NL" panose="02000009000000000000" pitchFamily="49" charset="0"/>
               </a:rPr>
@@ -5571,7 +5827,7 @@
             </a:r>
             <a:r>
               <a:rPr lang="en-US" dirty="0" err="1">
-                <a:latin typeface="JetBrains Mono NL" panose="02000009000000000000" pitchFamily="49" charset="0"/>
+                <a:latin typeface="Courier" pitchFamily="2" charset="0"/>
                 <a:ea typeface="JetBrains Mono NL" panose="02000009000000000000" pitchFamily="49" charset="0"/>
                 <a:cs typeface="JetBrains Mono NL" panose="02000009000000000000" pitchFamily="49" charset="0"/>
               </a:rPr>
@@ -5583,7 +5839,7 @@
             </a:r>
             <a:r>
               <a:rPr lang="en-US" dirty="0">
-                <a:latin typeface="JetBrains Mono NL" panose="02000009000000000000" pitchFamily="49" charset="0"/>
+                <a:latin typeface="Courier" pitchFamily="2" charset="0"/>
                 <a:ea typeface="JetBrains Mono NL" panose="02000009000000000000" pitchFamily="49" charset="0"/>
                 <a:cs typeface="JetBrains Mono NL" panose="02000009000000000000" pitchFamily="49" charset="0"/>
               </a:rPr>
@@ -5654,166 +5910,6 @@
           <p:cNvPr id="2" name="Title 1">
             <a:extLst>
               <a:ext uri="{FF2B5EF4-FFF2-40B4-BE49-F238E27FC236}">
-                <a16:creationId xmlns:a16="http://schemas.microsoft.com/office/drawing/2014/main" id="{932B44B2-0D48-2E49-A389-6EB2DB463D69}"/>
-              </a:ext>
-            </a:extLst>
-          </p:cNvPr>
-          <p:cNvSpPr>
-            <a:spLocks noGrp="1"/>
-          </p:cNvSpPr>
-          <p:nvPr>
-            <p:ph type="title"/>
-          </p:nvPr>
-        </p:nvSpPr>
-        <p:spPr/>
-        <p:txBody>
-          <a:bodyPr/>
-          <a:lstStyle/>
-          <a:p>
-            <a:endParaRPr lang="en-US"/>
-          </a:p>
-        </p:txBody>
-      </p:sp>
-      <p:sp>
-        <p:nvSpPr>
-          <p:cNvPr id="3" name="Content Placeholder 2">
-            <a:extLst>
-              <a:ext uri="{FF2B5EF4-FFF2-40B4-BE49-F238E27FC236}">
-                <a16:creationId xmlns:a16="http://schemas.microsoft.com/office/drawing/2014/main" id="{A5729666-EAFA-464D-87EB-A39EF7D69B2F}"/>
-              </a:ext>
-            </a:extLst>
-          </p:cNvPr>
-          <p:cNvSpPr>
-            <a:spLocks noGrp="1"/>
-          </p:cNvSpPr>
-          <p:nvPr>
-            <p:ph idx="1"/>
-          </p:nvPr>
-        </p:nvSpPr>
-        <p:spPr/>
-        <p:txBody>
-          <a:bodyPr/>
-          <a:lstStyle/>
-          <a:p>
-            <a:endParaRPr lang="en-US"/>
-          </a:p>
-        </p:txBody>
-      </p:sp>
-    </p:spTree>
-    <p:extLst>
-      <p:ext uri="{BB962C8B-B14F-4D97-AF65-F5344CB8AC3E}">
-        <p14:creationId xmlns:p14="http://schemas.microsoft.com/office/powerpoint/2010/main" val="3345259123"/>
-      </p:ext>
-    </p:extLst>
-  </p:cSld>
-  <p:clrMapOvr>
-    <a:masterClrMapping/>
-  </p:clrMapOvr>
-</p:sld>
-</file>
-
-<file path=ppt/slides/slide25.xml><?xml version="1.0" encoding="utf-8"?>
-<p:sld xmlns:a="http://schemas.openxmlformats.org/drawingml/2006/main" xmlns:r="http://schemas.openxmlformats.org/officeDocument/2006/relationships" xmlns:p="http://schemas.openxmlformats.org/presentationml/2006/main">
-  <p:cSld>
-    <p:spTree>
-      <p:nvGrpSpPr>
-        <p:cNvPr id="1" name=""/>
-        <p:cNvGrpSpPr/>
-        <p:nvPr/>
-      </p:nvGrpSpPr>
-      <p:grpSpPr>
-        <a:xfrm>
-          <a:off x="0" y="0"/>
-          <a:ext cx="0" cy="0"/>
-          <a:chOff x="0" y="0"/>
-          <a:chExt cx="0" cy="0"/>
-        </a:xfrm>
-      </p:grpSpPr>
-      <p:sp>
-        <p:nvSpPr>
-          <p:cNvPr id="2" name="Title 1">
-            <a:extLst>
-              <a:ext uri="{FF2B5EF4-FFF2-40B4-BE49-F238E27FC236}">
-                <a16:creationId xmlns:a16="http://schemas.microsoft.com/office/drawing/2014/main" id="{BB738B06-D55C-8040-A8A3-FF34FC9D09A0}"/>
-              </a:ext>
-            </a:extLst>
-          </p:cNvPr>
-          <p:cNvSpPr>
-            <a:spLocks noGrp="1"/>
-          </p:cNvSpPr>
-          <p:nvPr>
-            <p:ph type="title"/>
-          </p:nvPr>
-        </p:nvSpPr>
-        <p:spPr/>
-        <p:txBody>
-          <a:bodyPr/>
-          <a:lstStyle/>
-          <a:p>
-            <a:endParaRPr lang="en-US"/>
-          </a:p>
-        </p:txBody>
-      </p:sp>
-      <p:sp>
-        <p:nvSpPr>
-          <p:cNvPr id="3" name="Content Placeholder 2">
-            <a:extLst>
-              <a:ext uri="{FF2B5EF4-FFF2-40B4-BE49-F238E27FC236}">
-                <a16:creationId xmlns:a16="http://schemas.microsoft.com/office/drawing/2014/main" id="{58FE2181-742A-6840-A441-36C8269E98DD}"/>
-              </a:ext>
-            </a:extLst>
-          </p:cNvPr>
-          <p:cNvSpPr>
-            <a:spLocks noGrp="1"/>
-          </p:cNvSpPr>
-          <p:nvPr>
-            <p:ph idx="1"/>
-          </p:nvPr>
-        </p:nvSpPr>
-        <p:spPr/>
-        <p:txBody>
-          <a:bodyPr/>
-          <a:lstStyle/>
-          <a:p>
-            <a:endParaRPr lang="en-US"/>
-          </a:p>
-        </p:txBody>
-      </p:sp>
-    </p:spTree>
-    <p:extLst>
-      <p:ext uri="{BB962C8B-B14F-4D97-AF65-F5344CB8AC3E}">
-        <p14:creationId xmlns:p14="http://schemas.microsoft.com/office/powerpoint/2010/main" val="607961200"/>
-      </p:ext>
-    </p:extLst>
-  </p:cSld>
-  <p:clrMapOvr>
-    <a:masterClrMapping/>
-  </p:clrMapOvr>
-</p:sld>
-</file>
-
-<file path=ppt/slides/slide26.xml><?xml version="1.0" encoding="utf-8"?>
-<p:sld xmlns:a="http://schemas.openxmlformats.org/drawingml/2006/main" xmlns:r="http://schemas.openxmlformats.org/officeDocument/2006/relationships" xmlns:p="http://schemas.openxmlformats.org/presentationml/2006/main">
-  <p:cSld>
-    <p:spTree>
-      <p:nvGrpSpPr>
-        <p:cNvPr id="1" name=""/>
-        <p:cNvGrpSpPr/>
-        <p:nvPr/>
-      </p:nvGrpSpPr>
-      <p:grpSpPr>
-        <a:xfrm>
-          <a:off x="0" y="0"/>
-          <a:ext cx="0" cy="0"/>
-          <a:chOff x="0" y="0"/>
-          <a:chExt cx="0" cy="0"/>
-        </a:xfrm>
-      </p:grpSpPr>
-      <p:sp>
-        <p:nvSpPr>
-          <p:cNvPr id="2" name="Title 1">
-            <a:extLst>
-              <a:ext uri="{FF2B5EF4-FFF2-40B4-BE49-F238E27FC236}">
                 <a16:creationId xmlns:a16="http://schemas.microsoft.com/office/drawing/2014/main" id="{EF948449-51E6-9148-82F6-455F26533FA8}"/>
               </a:ext>
             </a:extLst>
@@ -5992,19 +6088,34 @@
         <p:spPr/>
         <p:txBody>
           <a:bodyPr>
-            <a:normAutofit/>
+            <a:normAutofit fontScale="92500" lnSpcReduction="10000"/>
           </a:bodyPr>
           <a:lstStyle/>
           <a:p>
             <a:r>
               <a:rPr lang="en-US" dirty="0"/>
-              <a:t>Provides a foundation for launching testing frameworks on the JVM. </a:t>
-            </a:r>
-          </a:p>
-          <a:p>
-            <a:r>
-              <a:rPr lang="en-US" dirty="0"/>
-              <a:t>Provides the </a:t>
+              <a:t>Provides the following functionality:</a:t>
+            </a:r>
+          </a:p>
+          <a:p>
+            <a:pPr lvl="1"/>
+            <a:r>
+              <a:rPr lang="en-US" dirty="0"/>
+              <a:t>Foundation for launching testing frameworks on the JVM. </a:t>
+            </a:r>
+          </a:p>
+          <a:p>
+            <a:pPr lvl="1"/>
+            <a:r>
+              <a:rPr lang="en-US" dirty="0"/>
+              <a:t>An interface between JUnit and build tools and IDEs. </a:t>
+            </a:r>
+          </a:p>
+          <a:p>
+            <a:pPr lvl="1"/>
+            <a:r>
+              <a:rPr lang="en-US" dirty="0"/>
+              <a:t>The </a:t>
             </a:r>
             <a:r>
               <a:rPr lang="en-US" dirty="0" err="1">
@@ -6014,10 +6125,53 @@
             </a:r>
             <a:r>
               <a:rPr lang="en-US" dirty="0"/>
-              <a:t> API for developing a testing framework that runs on the platform. </a:t>
-            </a:r>
-          </a:p>
-          <a:p>
+              <a:t> API for developing a testing framework that runs on the JUnit platform. </a:t>
+            </a:r>
+          </a:p>
+          <a:p>
+            <a:pPr lvl="1"/>
+            <a:r>
+              <a:rPr lang="en-US" dirty="0"/>
+              <a:t>Using the </a:t>
+            </a:r>
+            <a:r>
+              <a:rPr lang="en-US" dirty="0" err="1">
+                <a:latin typeface="Courier" pitchFamily="2" charset="0"/>
+              </a:rPr>
+              <a:t>TestEngine</a:t>
+            </a:r>
+            <a:r>
+              <a:rPr lang="en-US" dirty="0"/>
+              <a:t> API, third-party testing libraries such as Spock, Cucumber, and </a:t>
+            </a:r>
+            <a:r>
+              <a:rPr lang="en-US" dirty="0" err="1"/>
+              <a:t>FitNesse</a:t>
+            </a:r>
+            <a:r>
+              <a:rPr lang="en-US" dirty="0"/>
+              <a:t> can directly plug in and provide their custom </a:t>
+            </a:r>
+            <a:r>
+              <a:rPr lang="en-US" dirty="0" err="1">
+                <a:latin typeface="Courier" pitchFamily="2" charset="0"/>
+              </a:rPr>
+              <a:t>TestEngine</a:t>
+            </a:r>
+            <a:r>
+              <a:rPr lang="en-US" dirty="0"/>
+              <a:t> implementation.</a:t>
+            </a:r>
+          </a:p>
+          <a:p>
+            <a:pPr lvl="1"/>
+            <a:r>
+              <a:rPr lang="en-US" dirty="0"/>
+              <a:t>The concept of a Launcher which external tools use to discover, filter, and execute tests. </a:t>
+            </a:r>
+          </a:p>
+          <a:p>
+            <a:pPr lvl="2"/>
             <a:r>
               <a:rPr lang="en-US" dirty="0"/>
               <a:t>Provides a </a:t>
@@ -6034,6 +6188,7 @@
             </a:r>
           </a:p>
           <a:p>
+            <a:pPr lvl="1"/>
             <a:r>
               <a:rPr lang="en-US" dirty="0"/>
               <a:t>Provides a JUnit 4-based </a:t>
@@ -6142,21 +6297,31 @@
           <a:p>
             <a:r>
               <a:rPr lang="en-US" dirty="0"/>
-              <a:t>Provides a new programming model and extension model for writing tests and extensions in JUnit 5. </a:t>
-            </a:r>
-          </a:p>
-          <a:p>
-            <a:r>
-              <a:rPr lang="en-US" dirty="0"/>
-              <a:t>Provides a </a:t>
-            </a:r>
-            <a:r>
-              <a:rPr lang="en-US" dirty="0" err="1"/>
+              <a:t>Provides the following functionality: </a:t>
+            </a:r>
+          </a:p>
+          <a:p>
+            <a:pPr lvl="1"/>
+            <a:r>
+              <a:rPr lang="en-US" dirty="0"/>
+              <a:t>A new programming model and extension model for writing tests and extensions in JUnit 5. </a:t>
+            </a:r>
+          </a:p>
+          <a:p>
+            <a:pPr lvl="1"/>
+            <a:r>
+              <a:rPr lang="en-US" dirty="0"/>
+              <a:t>A </a:t>
+            </a:r>
+            <a:r>
+              <a:rPr lang="en-US" dirty="0" err="1">
+                <a:latin typeface="Courier" pitchFamily="2" charset="0"/>
+              </a:rPr>
               <a:t>TestEngine</a:t>
             </a:r>
             <a:r>
               <a:rPr lang="en-US" dirty="0"/>
-              <a:t> for running Jupiter based tests on the platform.</a:t>
+              <a:t> implementation for running Jupiter based tests on the JUnit 5 Platform.</a:t>
             </a:r>
           </a:p>
           <a:p>
@@ -6169,7 +6334,7 @@
             <a:pPr lvl="1"/>
             <a:r>
               <a:rPr lang="en-US" dirty="0"/>
-              <a:t>JUnit Jupiter allows us to write much more flexible unit tests with JUnit than in previous versions of the library.</a:t>
+              <a:t>JUnit Jupiter allows us to write much more flexible unit tests than previous versions of JUnit.</a:t>
             </a:r>
           </a:p>
         </p:txBody>
@@ -6385,10 +6550,22 @@
           <a:p>
             <a:r>
               <a:rPr lang="en-US" dirty="0"/>
-              <a:t>Overcomes the limitations of competing JUnit 4’s extension points (Runner, </a:t>
-            </a:r>
-            <a:r>
-              <a:rPr lang="en-US" dirty="0" err="1"/>
+              <a:t>Overcomes the limitations of competing JUnit 4’s extension points (</a:t>
+            </a:r>
+            <a:r>
+              <a:rPr lang="en-US" dirty="0">
+                <a:latin typeface="Courier" pitchFamily="2" charset="0"/>
+              </a:rPr>
+              <a:t>Runner</a:t>
+            </a:r>
+            <a:r>
+              <a:rPr lang="en-US" dirty="0"/>
+              <a:t>, </a:t>
+            </a:r>
+            <a:r>
+              <a:rPr lang="en-US" dirty="0" err="1">
+                <a:latin typeface="Courier" pitchFamily="2" charset="0"/>
+              </a:rPr>
               <a:t>TestRule</a:t>
             </a:r>
             <a:r>
@@ -6396,7 +6573,9 @@
               <a:t>, </a:t>
             </a:r>
             <a:r>
-              <a:rPr lang="en-US" dirty="0" err="1"/>
+              <a:rPr lang="en-US" dirty="0" err="1">
+                <a:latin typeface="Courier" pitchFamily="2" charset="0"/>
+              </a:rPr>
               <a:t>MethodRule</a:t>
             </a:r>
             <a:r>
@@ -6459,7 +6638,7 @@
           <a:p>
             <a:r>
               <a:rPr lang="en-US" dirty="0">
-                <a:latin typeface="JetBrains Mono NL" panose="02000009000000000000" pitchFamily="49" charset="0"/>
+                <a:latin typeface="Courier" pitchFamily="2" charset="0"/>
                 <a:ea typeface="JetBrains Mono NL" panose="02000009000000000000" pitchFamily="49" charset="0"/>
                 <a:cs typeface="JetBrains Mono NL" panose="02000009000000000000" pitchFamily="49" charset="0"/>
               </a:rPr>
@@ -6467,7 +6646,7 @@
             </a:r>
             <a:r>
               <a:rPr lang="en-US" dirty="0" err="1">
-                <a:latin typeface="JetBrains Mono NL" panose="02000009000000000000" pitchFamily="49" charset="0"/>
+                <a:latin typeface="Courier" pitchFamily="2" charset="0"/>
                 <a:ea typeface="JetBrains Mono NL" panose="02000009000000000000" pitchFamily="49" charset="0"/>
                 <a:cs typeface="JetBrains Mono NL" panose="02000009000000000000" pitchFamily="49" charset="0"/>
               </a:rPr>
@@ -6510,18 +6689,48 @@
             <a:pPr lvl="1"/>
             <a:r>
               <a:rPr lang="en-US" dirty="0"/>
-              <a:t>Multiple extensions can be specified by adding the @</a:t>
-            </a:r>
-            <a:r>
-              <a:rPr lang="en-US" dirty="0" err="1"/>
+              <a:t>Multiple extensions can be specified. </a:t>
+            </a:r>
+          </a:p>
+          <a:p>
+            <a:pPr lvl="2"/>
+            <a:r>
+              <a:rPr lang="en-US" dirty="0"/>
+              <a:t>Adding the </a:t>
+            </a:r>
+            <a:r>
+              <a:rPr lang="en-US" dirty="0">
+                <a:latin typeface="Courier" pitchFamily="2" charset="0"/>
+              </a:rPr>
+              <a:t>@</a:t>
+            </a:r>
+            <a:r>
+              <a:rPr lang="en-US" dirty="0" err="1">
+                <a:latin typeface="Courier" pitchFamily="2" charset="0"/>
+              </a:rPr>
               <a:t>ExtendWith</a:t>
             </a:r>
             <a:r>
               <a:rPr lang="en-US" dirty="0"/>
-              <a:t> annotation multiple time to a test, or having a single @</a:t>
-            </a:r>
-            <a:r>
-              <a:rPr lang="en-US" dirty="0" err="1"/>
+              <a:t> annotation multiple time to a test. </a:t>
+            </a:r>
+          </a:p>
+          <a:p>
+            <a:pPr lvl="2"/>
+            <a:r>
+              <a:rPr lang="en-US" dirty="0"/>
+              <a:t>Single </a:t>
+            </a:r>
+            <a:r>
+              <a:rPr lang="en-US" dirty="0">
+                <a:latin typeface="Courier" pitchFamily="2" charset="0"/>
+              </a:rPr>
+              <a:t>@</a:t>
+            </a:r>
+            <a:r>
+              <a:rPr lang="en-US" dirty="0" err="1">
+                <a:latin typeface="Courier" pitchFamily="2" charset="0"/>
+              </a:rPr>
               <a:t>ExtendWith</a:t>
             </a:r>
             <a:r>
@@ -6567,7 +6776,7 @@
             </a:r>
             <a:r>
               <a:rPr lang="en-US" dirty="0">
-                <a:latin typeface="JetBrains Mono NL" panose="02000009000000000000" pitchFamily="49" charset="0"/>
+                <a:latin typeface="Courier" pitchFamily="2" charset="0"/>
                 <a:ea typeface="JetBrains Mono NL" panose="02000009000000000000" pitchFamily="49" charset="0"/>
                 <a:cs typeface="JetBrains Mono NL" panose="02000009000000000000" pitchFamily="49" charset="0"/>
               </a:rPr>
@@ -6575,7 +6784,7 @@
             </a:r>
             <a:r>
               <a:rPr lang="en-US" dirty="0" err="1">
-                <a:latin typeface="JetBrains Mono NL" panose="02000009000000000000" pitchFamily="49" charset="0"/>
+                <a:latin typeface="Courier" pitchFamily="2" charset="0"/>
                 <a:ea typeface="JetBrains Mono NL" panose="02000009000000000000" pitchFamily="49" charset="0"/>
                 <a:cs typeface="JetBrains Mono NL" panose="02000009000000000000" pitchFamily="49" charset="0"/>
               </a:rPr>
@@ -6647,14 +6856,21 @@
           <a:lstStyle/>
           <a:p>
             <a:r>
-              <a:rPr lang="en-US" dirty="0"/>
-              <a:t>Using @</a:t>
-            </a:r>
-            <a:r>
-              <a:rPr lang="en-US" dirty="0" err="1"/>
+              <a:rPr lang="en-US" dirty="0">
+                <a:latin typeface="Courier" pitchFamily="2" charset="0"/>
+              </a:rPr>
+              <a:t>@</a:t>
+            </a:r>
+            <a:r>
+              <a:rPr lang="en-US" dirty="0" err="1">
+                <a:latin typeface="Courier" pitchFamily="2" charset="0"/>
+              </a:rPr>
               <a:t>ExtendWith</a:t>
             </a:r>
-            <a:endParaRPr lang="en-US" dirty="0"/>
+            <a:r>
+              <a:rPr lang="en-US" dirty="0"/>
+              <a:t> example</a:t>
+            </a:r>
           </a:p>
         </p:txBody>
       </p:sp>
@@ -6685,7 +6901,12 @@
               <a:buNone/>
             </a:pPr>
             <a:r>
-              <a:rPr lang="en-US" sz="2000" dirty="0">
+              <a:rPr lang="en-US" b="1" dirty="0">
+                <a:solidFill>
+                  <a:schemeClr val="accent5">
+                    <a:lumMod val="50000"/>
+                  </a:schemeClr>
+                </a:solidFill>
                 <a:latin typeface="JetBrains Mono NL" panose="02000009000000000000" pitchFamily="49" charset="0"/>
                 <a:ea typeface="JetBrains Mono NL" panose="02000009000000000000" pitchFamily="49" charset="0"/>
                 <a:cs typeface="JetBrains Mono NL" panose="02000009000000000000" pitchFamily="49" charset="0"/>
@@ -6693,7 +6914,12 @@
               <a:t>@</a:t>
             </a:r>
             <a:r>
-              <a:rPr lang="en-US" sz="2000" dirty="0" err="1">
+              <a:rPr lang="en-US" b="1" dirty="0" err="1">
+                <a:solidFill>
+                  <a:schemeClr val="accent5">
+                    <a:lumMod val="50000"/>
+                  </a:schemeClr>
+                </a:solidFill>
                 <a:latin typeface="JetBrains Mono NL" panose="02000009000000000000" pitchFamily="49" charset="0"/>
                 <a:ea typeface="JetBrains Mono NL" panose="02000009000000000000" pitchFamily="49" charset="0"/>
                 <a:cs typeface="JetBrains Mono NL" panose="02000009000000000000" pitchFamily="49" charset="0"/>
@@ -6701,7 +6927,7 @@
               <a:t>ExtendWith</a:t>
             </a:r>
             <a:r>
-              <a:rPr lang="en-US" sz="2000" dirty="0">
+              <a:rPr lang="en-US" dirty="0">
                 <a:latin typeface="JetBrains Mono NL" panose="02000009000000000000" pitchFamily="49" charset="0"/>
                 <a:ea typeface="JetBrains Mono NL" panose="02000009000000000000" pitchFamily="49" charset="0"/>
                 <a:cs typeface="JetBrains Mono NL" panose="02000009000000000000" pitchFamily="49" charset="0"/>
@@ -6709,7 +6935,7 @@
               <a:t>({ </a:t>
             </a:r>
             <a:r>
-              <a:rPr lang="en-US" sz="2000" dirty="0" err="1">
+              <a:rPr lang="en-US" dirty="0" err="1">
                 <a:latin typeface="JetBrains Mono NL" panose="02000009000000000000" pitchFamily="49" charset="0"/>
                 <a:ea typeface="JetBrains Mono NL" panose="02000009000000000000" pitchFamily="49" charset="0"/>
                 <a:cs typeface="JetBrains Mono NL" panose="02000009000000000000" pitchFamily="49" charset="0"/>
@@ -6717,55 +6943,110 @@
               <a:t>EnvironmentExtension.class</a:t>
             </a:r>
             <a:r>
-              <a:rPr lang="en-US" sz="2000" dirty="0">
+              <a:rPr lang="en-US" dirty="0">
                 <a:latin typeface="JetBrains Mono NL" panose="02000009000000000000" pitchFamily="49" charset="0"/>
                 <a:ea typeface="JetBrains Mono NL" panose="02000009000000000000" pitchFamily="49" charset="0"/>
                 <a:cs typeface="JetBrains Mono NL" panose="02000009000000000000" pitchFamily="49" charset="0"/>
               </a:rPr>
               <a:t>, 	</a:t>
             </a:r>
-            <a:r>
-              <a:rPr lang="en-US" sz="2000" dirty="0" err="1">
+            <a:br>
+              <a:rPr lang="en-US" dirty="0">
                 <a:latin typeface="JetBrains Mono NL" panose="02000009000000000000" pitchFamily="49" charset="0"/>
                 <a:ea typeface="JetBrains Mono NL" panose="02000009000000000000" pitchFamily="49" charset="0"/>
                 <a:cs typeface="JetBrains Mono NL" panose="02000009000000000000" pitchFamily="49" charset="0"/>
               </a:rPr>
+            </a:br>
+            <a:r>
+              <a:rPr lang="en-US" dirty="0">
+                <a:latin typeface="JetBrains Mono NL" panose="02000009000000000000" pitchFamily="49" charset="0"/>
+                <a:ea typeface="JetBrains Mono NL" panose="02000009000000000000" pitchFamily="49" charset="0"/>
+                <a:cs typeface="JetBrains Mono NL" panose="02000009000000000000" pitchFamily="49" charset="0"/>
+              </a:rPr>
+              <a:t>                             </a:t>
+            </a:r>
+            <a:r>
+              <a:rPr lang="en-US" dirty="0" err="1">
+                <a:latin typeface="JetBrains Mono NL" panose="02000009000000000000" pitchFamily="49" charset="0"/>
+                <a:ea typeface="JetBrains Mono NL" panose="02000009000000000000" pitchFamily="49" charset="0"/>
+                <a:cs typeface="JetBrains Mono NL" panose="02000009000000000000" pitchFamily="49" charset="0"/>
+              </a:rPr>
               <a:t>EmployeeDatabaseSetupExtension.class</a:t>
             </a:r>
             <a:r>
-              <a:rPr lang="en-US" sz="2000" dirty="0">
+              <a:rPr lang="en-US" dirty="0">
                 <a:latin typeface="JetBrains Mono NL" panose="02000009000000000000" pitchFamily="49" charset="0"/>
                 <a:ea typeface="JetBrains Mono NL" panose="02000009000000000000" pitchFamily="49" charset="0"/>
                 <a:cs typeface="JetBrains Mono NL" panose="02000009000000000000" pitchFamily="49" charset="0"/>
               </a:rPr>
               <a:t>, 	</a:t>
             </a:r>
-            <a:r>
-              <a:rPr lang="en-US" sz="2000" dirty="0" err="1">
+            <a:br>
+              <a:rPr lang="en-US" dirty="0">
                 <a:latin typeface="JetBrains Mono NL" panose="02000009000000000000" pitchFamily="49" charset="0"/>
                 <a:ea typeface="JetBrains Mono NL" panose="02000009000000000000" pitchFamily="49" charset="0"/>
                 <a:cs typeface="JetBrains Mono NL" panose="02000009000000000000" pitchFamily="49" charset="0"/>
               </a:rPr>
+            </a:br>
+            <a:r>
+              <a:rPr lang="en-US" dirty="0">
+                <a:latin typeface="JetBrains Mono NL" panose="02000009000000000000" pitchFamily="49" charset="0"/>
+                <a:ea typeface="JetBrains Mono NL" panose="02000009000000000000" pitchFamily="49" charset="0"/>
+                <a:cs typeface="JetBrains Mono NL" panose="02000009000000000000" pitchFamily="49" charset="0"/>
+              </a:rPr>
+              <a:t>                             </a:t>
+            </a:r>
+            <a:r>
+              <a:rPr lang="en-US" dirty="0" err="1">
+                <a:latin typeface="JetBrains Mono NL" panose="02000009000000000000" pitchFamily="49" charset="0"/>
+                <a:ea typeface="JetBrains Mono NL" panose="02000009000000000000" pitchFamily="49" charset="0"/>
+                <a:cs typeface="JetBrains Mono NL" panose="02000009000000000000" pitchFamily="49" charset="0"/>
+              </a:rPr>
               <a:t>EmployeeDaoParameterResolver.class</a:t>
             </a:r>
             <a:r>
-              <a:rPr lang="en-US" sz="2000" dirty="0">
+              <a:rPr lang="en-US" dirty="0">
                 <a:latin typeface="JetBrains Mono NL" panose="02000009000000000000" pitchFamily="49" charset="0"/>
                 <a:ea typeface="JetBrains Mono NL" panose="02000009000000000000" pitchFamily="49" charset="0"/>
                 <a:cs typeface="JetBrains Mono NL" panose="02000009000000000000" pitchFamily="49" charset="0"/>
               </a:rPr>
-              <a:t> }) @</a:t>
-            </a:r>
-            <a:r>
-              <a:rPr lang="en-US" sz="2000" dirty="0" err="1">
+              <a:t> }) </a:t>
+            </a:r>
+            <a:br>
+              <a:rPr lang="en-US" dirty="0">
                 <a:latin typeface="JetBrains Mono NL" panose="02000009000000000000" pitchFamily="49" charset="0"/>
                 <a:ea typeface="JetBrains Mono NL" panose="02000009000000000000" pitchFamily="49" charset="0"/>
                 <a:cs typeface="JetBrains Mono NL" panose="02000009000000000000" pitchFamily="49" charset="0"/>
               </a:rPr>
+            </a:br>
+            <a:r>
+              <a:rPr lang="en-US" b="1" dirty="0">
+                <a:solidFill>
+                  <a:schemeClr val="accent5">
+                    <a:lumMod val="50000"/>
+                  </a:schemeClr>
+                </a:solidFill>
+                <a:latin typeface="JetBrains Mono NL" panose="02000009000000000000" pitchFamily="49" charset="0"/>
+                <a:ea typeface="JetBrains Mono NL" panose="02000009000000000000" pitchFamily="49" charset="0"/>
+                <a:cs typeface="JetBrains Mono NL" panose="02000009000000000000" pitchFamily="49" charset="0"/>
+              </a:rPr>
+              <a:t>@</a:t>
+            </a:r>
+            <a:r>
+              <a:rPr lang="en-US" b="1" dirty="0" err="1">
+                <a:solidFill>
+                  <a:schemeClr val="accent5">
+                    <a:lumMod val="50000"/>
+                  </a:schemeClr>
+                </a:solidFill>
+                <a:latin typeface="JetBrains Mono NL" panose="02000009000000000000" pitchFamily="49" charset="0"/>
+                <a:ea typeface="JetBrains Mono NL" panose="02000009000000000000" pitchFamily="49" charset="0"/>
+                <a:cs typeface="JetBrains Mono NL" panose="02000009000000000000" pitchFamily="49" charset="0"/>
+              </a:rPr>
               <a:t>ExtendWith</a:t>
             </a:r>
             <a:r>
-              <a:rPr lang="en-US" sz="2000" dirty="0">
+              <a:rPr lang="en-US" dirty="0">
                 <a:latin typeface="JetBrains Mono NL" panose="02000009000000000000" pitchFamily="49" charset="0"/>
                 <a:ea typeface="JetBrains Mono NL" panose="02000009000000000000" pitchFamily="49" charset="0"/>
                 <a:cs typeface="JetBrains Mono NL" panose="02000009000000000000" pitchFamily="49" charset="0"/>
@@ -6773,7 +7054,7 @@
               <a:t>(</a:t>
             </a:r>
             <a:r>
-              <a:rPr lang="en-US" sz="2000" dirty="0" err="1">
+              <a:rPr lang="en-US" dirty="0" err="1">
                 <a:latin typeface="JetBrains Mono NL" panose="02000009000000000000" pitchFamily="49" charset="0"/>
                 <a:ea typeface="JetBrains Mono NL" panose="02000009000000000000" pitchFamily="49" charset="0"/>
                 <a:cs typeface="JetBrains Mono NL" panose="02000009000000000000" pitchFamily="49" charset="0"/>
@@ -6781,23 +7062,48 @@
               <a:t>LoggingExtension.class</a:t>
             </a:r>
             <a:r>
-              <a:rPr lang="en-US" sz="2000" dirty="0">
+              <a:rPr lang="en-US" dirty="0">
                 <a:latin typeface="JetBrains Mono NL" panose="02000009000000000000" pitchFamily="49" charset="0"/>
                 <a:ea typeface="JetBrains Mono NL" panose="02000009000000000000" pitchFamily="49" charset="0"/>
                 <a:cs typeface="JetBrains Mono NL" panose="02000009000000000000" pitchFamily="49" charset="0"/>
               </a:rPr>
-              <a:t>) @</a:t>
-            </a:r>
-            <a:r>
-              <a:rPr lang="en-US" sz="2000" dirty="0" err="1">
+              <a:t>) </a:t>
+            </a:r>
+            <a:br>
+              <a:rPr lang="en-US" dirty="0">
                 <a:latin typeface="JetBrains Mono NL" panose="02000009000000000000" pitchFamily="49" charset="0"/>
                 <a:ea typeface="JetBrains Mono NL" panose="02000009000000000000" pitchFamily="49" charset="0"/>
                 <a:cs typeface="JetBrains Mono NL" panose="02000009000000000000" pitchFamily="49" charset="0"/>
               </a:rPr>
+            </a:br>
+            <a:r>
+              <a:rPr lang="en-US" b="1" dirty="0">
+                <a:solidFill>
+                  <a:schemeClr val="accent5">
+                    <a:lumMod val="50000"/>
+                  </a:schemeClr>
+                </a:solidFill>
+                <a:latin typeface="JetBrains Mono NL" panose="02000009000000000000" pitchFamily="49" charset="0"/>
+                <a:ea typeface="JetBrains Mono NL" panose="02000009000000000000" pitchFamily="49" charset="0"/>
+                <a:cs typeface="JetBrains Mono NL" panose="02000009000000000000" pitchFamily="49" charset="0"/>
+              </a:rPr>
+              <a:t>@</a:t>
+            </a:r>
+            <a:r>
+              <a:rPr lang="en-US" b="1" dirty="0" err="1">
+                <a:solidFill>
+                  <a:schemeClr val="accent5">
+                    <a:lumMod val="50000"/>
+                  </a:schemeClr>
+                </a:solidFill>
+                <a:latin typeface="JetBrains Mono NL" panose="02000009000000000000" pitchFamily="49" charset="0"/>
+                <a:ea typeface="JetBrains Mono NL" panose="02000009000000000000" pitchFamily="49" charset="0"/>
+                <a:cs typeface="JetBrains Mono NL" panose="02000009000000000000" pitchFamily="49" charset="0"/>
+              </a:rPr>
               <a:t>ExtendWith</a:t>
             </a:r>
             <a:r>
-              <a:rPr lang="en-US" sz="2000" dirty="0">
+              <a:rPr lang="en-US" dirty="0">
                 <a:latin typeface="JetBrains Mono NL" panose="02000009000000000000" pitchFamily="49" charset="0"/>
                 <a:ea typeface="JetBrains Mono NL" panose="02000009000000000000" pitchFamily="49" charset="0"/>
                 <a:cs typeface="JetBrains Mono NL" panose="02000009000000000000" pitchFamily="49" charset="0"/>
@@ -6805,7 +7111,7 @@
               <a:t>(</a:t>
             </a:r>
             <a:r>
-              <a:rPr lang="en-US" sz="2000" dirty="0" err="1">
+              <a:rPr lang="en-US" dirty="0" err="1">
                 <a:latin typeface="JetBrains Mono NL" panose="02000009000000000000" pitchFamily="49" charset="0"/>
                 <a:ea typeface="JetBrains Mono NL" panose="02000009000000000000" pitchFamily="49" charset="0"/>
                 <a:cs typeface="JetBrains Mono NL" panose="02000009000000000000" pitchFamily="49" charset="0"/>
@@ -6813,7 +7119,7 @@
               <a:t>IgnoreFileNotFoundExceptionExtension.class</a:t>
             </a:r>
             <a:r>
-              <a:rPr lang="en-US" sz="2000" dirty="0">
+              <a:rPr lang="en-US" dirty="0">
                 <a:latin typeface="JetBrains Mono NL" panose="02000009000000000000" pitchFamily="49" charset="0"/>
                 <a:ea typeface="JetBrains Mono NL" panose="02000009000000000000" pitchFamily="49" charset="0"/>
                 <a:cs typeface="JetBrains Mono NL" panose="02000009000000000000" pitchFamily="49" charset="0"/>
@@ -6821,14 +7127,14 @@
               <a:t>) </a:t>
             </a:r>
             <a:br>
-              <a:rPr lang="en-US" sz="2000" dirty="0">
+              <a:rPr lang="en-US" dirty="0">
                 <a:latin typeface="JetBrains Mono NL" panose="02000009000000000000" pitchFamily="49" charset="0"/>
                 <a:ea typeface="JetBrains Mono NL" panose="02000009000000000000" pitchFamily="49" charset="0"/>
                 <a:cs typeface="JetBrains Mono NL" panose="02000009000000000000" pitchFamily="49" charset="0"/>
               </a:rPr>
             </a:br>
             <a:r>
-              <a:rPr lang="en-US" sz="2000" b="1" dirty="0">
+              <a:rPr lang="en-US" b="1" dirty="0">
                 <a:latin typeface="JetBrains Mono NL" panose="02000009000000000000" pitchFamily="49" charset="0"/>
                 <a:ea typeface="JetBrains Mono NL" panose="02000009000000000000" pitchFamily="49" charset="0"/>
                 <a:cs typeface="JetBrains Mono NL" panose="02000009000000000000" pitchFamily="49" charset="0"/>
@@ -6836,7 +7142,7 @@
               <a:t>public</a:t>
             </a:r>
             <a:r>
-              <a:rPr lang="en-US" sz="2000" dirty="0">
+              <a:rPr lang="en-US" dirty="0">
                 <a:latin typeface="JetBrains Mono NL" panose="02000009000000000000" pitchFamily="49" charset="0"/>
                 <a:ea typeface="JetBrains Mono NL" panose="02000009000000000000" pitchFamily="49" charset="0"/>
                 <a:cs typeface="JetBrains Mono NL" panose="02000009000000000000" pitchFamily="49" charset="0"/>
@@ -6844,7 +7150,7 @@
               <a:t> </a:t>
             </a:r>
             <a:r>
-              <a:rPr lang="en-US" sz="2000" b="1" dirty="0">
+              <a:rPr lang="en-US" b="1" dirty="0">
                 <a:latin typeface="JetBrains Mono NL" panose="02000009000000000000" pitchFamily="49" charset="0"/>
                 <a:ea typeface="JetBrains Mono NL" panose="02000009000000000000" pitchFamily="49" charset="0"/>
                 <a:cs typeface="JetBrains Mono NL" panose="02000009000000000000" pitchFamily="49" charset="0"/>
@@ -6852,7 +7158,7 @@
               <a:t>class</a:t>
             </a:r>
             <a:r>
-              <a:rPr lang="en-US" sz="2000" dirty="0">
+              <a:rPr lang="en-US" dirty="0">
                 <a:latin typeface="JetBrains Mono NL" panose="02000009000000000000" pitchFamily="49" charset="0"/>
                 <a:ea typeface="JetBrains Mono NL" panose="02000009000000000000" pitchFamily="49" charset="0"/>
                 <a:cs typeface="JetBrains Mono NL" panose="02000009000000000000" pitchFamily="49" charset="0"/>
@@ -6860,7 +7166,7 @@
               <a:t> </a:t>
             </a:r>
             <a:r>
-              <a:rPr lang="en-US" sz="2000" b="1" dirty="0" err="1">
+              <a:rPr lang="en-US" dirty="0" err="1">
                 <a:latin typeface="JetBrains Mono NL" panose="02000009000000000000" pitchFamily="49" charset="0"/>
                 <a:ea typeface="JetBrains Mono NL" panose="02000009000000000000" pitchFamily="49" charset="0"/>
                 <a:cs typeface="JetBrains Mono NL" panose="02000009000000000000" pitchFamily="49" charset="0"/>
@@ -6868,7 +7174,7 @@
               <a:t>EmployeesTest</a:t>
             </a:r>
             <a:r>
-              <a:rPr lang="en-US" sz="2000" dirty="0">
+              <a:rPr lang="en-US" dirty="0">
                 <a:latin typeface="JetBrains Mono NL" panose="02000009000000000000" pitchFamily="49" charset="0"/>
                 <a:ea typeface="JetBrains Mono NL" panose="02000009000000000000" pitchFamily="49" charset="0"/>
                 <a:cs typeface="JetBrains Mono NL" panose="02000009000000000000" pitchFamily="49" charset="0"/>
@@ -6881,7 +7187,7 @@
               <a:buNone/>
             </a:pPr>
             <a:r>
-              <a:rPr lang="en-US" sz="2000" dirty="0">
+              <a:rPr lang="en-US" dirty="0">
                 <a:latin typeface="JetBrains Mono NL" panose="02000009000000000000" pitchFamily="49" charset="0"/>
                 <a:ea typeface="JetBrains Mono NL" panose="02000009000000000000" pitchFamily="49" charset="0"/>
                 <a:cs typeface="JetBrains Mono NL" panose="02000009000000000000" pitchFamily="49" charset="0"/>
@@ -6894,7 +7200,7 @@
               <a:buNone/>
             </a:pPr>
             <a:r>
-              <a:rPr lang="en-US" sz="2000" dirty="0">
+              <a:rPr lang="en-US" dirty="0">
                 <a:latin typeface="JetBrains Mono NL" panose="02000009000000000000" pitchFamily="49" charset="0"/>
                 <a:ea typeface="JetBrains Mono NL" panose="02000009000000000000" pitchFamily="49" charset="0"/>
                 <a:cs typeface="JetBrains Mono NL" panose="02000009000000000000" pitchFamily="49" charset="0"/>
@@ -6957,7 +7263,7 @@
           <a:p>
             <a:r>
               <a:rPr lang="en-US" dirty="0">
-                <a:latin typeface="JetBrains Mono NL" panose="02000009000000000000" pitchFamily="49" charset="0"/>
+                <a:latin typeface="Courier" pitchFamily="2" charset="0"/>
                 <a:ea typeface="JetBrains Mono NL" panose="02000009000000000000" pitchFamily="49" charset="0"/>
                 <a:cs typeface="JetBrains Mono NL" panose="02000009000000000000" pitchFamily="49" charset="0"/>
               </a:rPr>
@@ -6996,80 +7302,110 @@
               <a:t>Test classes and methods can be tagged via the </a:t>
             </a:r>
             <a:r>
+              <a:rPr lang="en-US" b="1" dirty="0">
+                <a:latin typeface="Courier" pitchFamily="2" charset="0"/>
+                <a:ea typeface="JetBrains Mono NL" panose="02000009000000000000" pitchFamily="49" charset="0"/>
+                <a:cs typeface="JetBrains Mono NL" panose="02000009000000000000" pitchFamily="49" charset="0"/>
+              </a:rPr>
+              <a:t>@Tag</a:t>
+            </a:r>
+            <a:r>
+              <a:rPr lang="en-US" dirty="0"/>
+              <a:t> annotation.</a:t>
+            </a:r>
+          </a:p>
+          <a:p>
+            <a:r>
+              <a:rPr lang="en-US" dirty="0"/>
+              <a:t>Those tags can later be used to filter test discovery and execution. </a:t>
+            </a:r>
+          </a:p>
+          <a:p>
+            <a:pPr lvl="1"/>
+            <a:r>
+              <a:rPr lang="en-US" dirty="0"/>
+              <a:t>Great way to segregate unit tests from integration tests.</a:t>
+            </a:r>
+          </a:p>
+          <a:p>
+            <a:r>
+              <a:rPr lang="en-US" dirty="0"/>
+              <a:t>Create </a:t>
+            </a:r>
+            <a:r>
+              <a:rPr lang="en-US" i="1" dirty="0"/>
+              <a:t>custom composed annotations </a:t>
+            </a:r>
+            <a:r>
+              <a:rPr lang="en-US" dirty="0"/>
+              <a:t>for commonly used tags in your system. </a:t>
+            </a:r>
+          </a:p>
+          <a:p>
+            <a:pPr lvl="1"/>
+            <a:r>
+              <a:rPr lang="en-US" dirty="0"/>
+              <a:t>For example, create a custom composed annotation </a:t>
+            </a:r>
+            <a:r>
               <a:rPr lang="en-US" dirty="0">
-                <a:latin typeface="JetBrains Mono NL" panose="02000009000000000000" pitchFamily="49" charset="0"/>
-                <a:ea typeface="JetBrains Mono NL" panose="02000009000000000000" pitchFamily="49" charset="0"/>
-                <a:cs typeface="JetBrains Mono NL" panose="02000009000000000000" pitchFamily="49" charset="0"/>
-              </a:rPr>
-              <a:t>@Tag</a:t>
-            </a:r>
-            <a:r>
-              <a:rPr lang="en-US" dirty="0"/>
-              <a:t> annotation.</a:t>
-            </a:r>
-          </a:p>
-          <a:p>
-            <a:r>
-              <a:rPr lang="en-US" dirty="0"/>
-              <a:t>Those tags can later be used to filter test discovery and execution. </a:t>
+                <a:latin typeface="Courier" pitchFamily="2" charset="0"/>
+                <a:ea typeface="JetBrains Mono NL" panose="02000009000000000000" pitchFamily="49" charset="0"/>
+                <a:cs typeface="JetBrains Mono NL" panose="02000009000000000000" pitchFamily="49" charset="0"/>
+              </a:rPr>
+              <a:t>@</a:t>
+            </a:r>
+            <a:r>
+              <a:rPr lang="en-US" dirty="0" err="1">
+                <a:latin typeface="Courier" pitchFamily="2" charset="0"/>
+                <a:ea typeface="JetBrains Mono NL" panose="02000009000000000000" pitchFamily="49" charset="0"/>
+                <a:cs typeface="JetBrains Mono NL" panose="02000009000000000000" pitchFamily="49" charset="0"/>
+              </a:rPr>
+              <a:t>UnitTest</a:t>
+            </a:r>
+            <a:r>
+              <a:rPr lang="en-US" dirty="0"/>
+              <a:t>. It can then be used as a drop-in replacement for </a:t>
+            </a:r>
+            <a:r>
+              <a:rPr lang="en-US" dirty="0">
+                <a:latin typeface="Courier" pitchFamily="2" charset="0"/>
+                <a:ea typeface="JetBrains Mono NL" panose="02000009000000000000" pitchFamily="49" charset="0"/>
+                <a:cs typeface="JetBrains Mono NL" panose="02000009000000000000" pitchFamily="49" charset="0"/>
+              </a:rPr>
+              <a:t>@Tag("unit")</a:t>
+            </a:r>
+            <a:r>
+              <a:rPr lang="en-US" dirty="0"/>
+              <a:t>.</a:t>
             </a:r>
           </a:p>
           <a:p>
             <a:pPr lvl="1"/>
             <a:r>
               <a:rPr lang="en-US" dirty="0"/>
-              <a:t>Great way to segregate unit tests from integration tests.</a:t>
-            </a:r>
-          </a:p>
-          <a:p>
-            <a:r>
-              <a:rPr lang="en-US" dirty="0"/>
-              <a:t>Create custom composed annotations for commonly used tags in your system. </a:t>
+              <a:t>String does not allow spaces. Use </a:t>
+            </a:r>
+            <a:r>
+              <a:rPr lang="en-US" dirty="0" err="1"/>
+              <a:t>camelCasing</a:t>
+            </a:r>
+            <a:r>
+              <a:rPr lang="en-US" dirty="0"/>
+              <a:t>.</a:t>
+            </a:r>
+          </a:p>
+          <a:p>
+            <a:r>
+              <a:rPr lang="en-US" dirty="0"/>
+              <a:t>Filter test execution with tags </a:t>
             </a:r>
           </a:p>
           <a:p>
             <a:pPr lvl="1"/>
             <a:r>
               <a:rPr lang="en-US" dirty="0"/>
-              <a:t>For example, create a custom composed annotation </a:t>
-            </a:r>
-            <a:r>
-              <a:rPr lang="en-US" dirty="0">
-                <a:latin typeface="JetBrains Mono NL" panose="02000009000000000000" pitchFamily="49" charset="0"/>
-                <a:ea typeface="JetBrains Mono NL" panose="02000009000000000000" pitchFamily="49" charset="0"/>
-                <a:cs typeface="JetBrains Mono NL" panose="02000009000000000000" pitchFamily="49" charset="0"/>
-              </a:rPr>
-              <a:t>@</a:t>
-            </a:r>
-            <a:r>
-              <a:rPr lang="en-US" dirty="0" err="1">
-                <a:latin typeface="JetBrains Mono NL" panose="02000009000000000000" pitchFamily="49" charset="0"/>
-                <a:ea typeface="JetBrains Mono NL" panose="02000009000000000000" pitchFamily="49" charset="0"/>
-                <a:cs typeface="JetBrains Mono NL" panose="02000009000000000000" pitchFamily="49" charset="0"/>
-              </a:rPr>
-              <a:t>UnitTest</a:t>
-            </a:r>
-            <a:r>
-              <a:rPr lang="en-US" dirty="0"/>
-              <a:t>. It can then be used as a drop-in replacement for </a:t>
-            </a:r>
-            <a:r>
-              <a:rPr lang="en-US" dirty="0">
-                <a:latin typeface="JetBrains Mono NL" panose="02000009000000000000" pitchFamily="49" charset="0"/>
-                <a:ea typeface="JetBrains Mono NL" panose="02000009000000000000" pitchFamily="49" charset="0"/>
-                <a:cs typeface="JetBrains Mono NL" panose="02000009000000000000" pitchFamily="49" charset="0"/>
-              </a:rPr>
-              <a:t>@Tag(”unit")</a:t>
-            </a:r>
-            <a:r>
-              <a:rPr lang="en-US" dirty="0"/>
-              <a:t>.’</a:t>
-            </a:r>
-          </a:p>
-          <a:p>
-            <a:r>
-              <a:rPr lang="en-US" dirty="0"/>
-              <a:t>Filtering test execution with tags is supported in IDEs and build tools (Maven, Gradle).</a:t>
+              <a:t>Supported by IDEs and build tools (Maven, Gradle).</a:t>
             </a:r>
           </a:p>
         </p:txBody>

--- a/presentations/Introduction to JUnit 5.pptx
+++ b/presentations/Introduction to JUnit 5.pptx
@@ -282,7 +282,7 @@
           <a:p>
             <a:fld id="{B38EF465-D677-F140-82CD-891C0463380E}" type="datetimeFigureOut">
               <a:rPr lang="en-US" smtClean="0"/>
-              <a:t>10/20/21</a:t>
+              <a:t>12/8/21</a:t>
             </a:fld>
             <a:endParaRPr lang="en-US"/>
           </a:p>
@@ -480,7 +480,7 @@
           <a:p>
             <a:fld id="{B38EF465-D677-F140-82CD-891C0463380E}" type="datetimeFigureOut">
               <a:rPr lang="en-US" smtClean="0"/>
-              <a:t>10/20/21</a:t>
+              <a:t>12/8/21</a:t>
             </a:fld>
             <a:endParaRPr lang="en-US"/>
           </a:p>
@@ -688,7 +688,7 @@
           <a:p>
             <a:fld id="{B38EF465-D677-F140-82CD-891C0463380E}" type="datetimeFigureOut">
               <a:rPr lang="en-US" smtClean="0"/>
-              <a:t>10/20/21</a:t>
+              <a:t>12/8/21</a:t>
             </a:fld>
             <a:endParaRPr lang="en-US"/>
           </a:p>
@@ -886,7 +886,7 @@
           <a:p>
             <a:fld id="{B38EF465-D677-F140-82CD-891C0463380E}" type="datetimeFigureOut">
               <a:rPr lang="en-US" smtClean="0"/>
-              <a:t>10/20/21</a:t>
+              <a:t>12/8/21</a:t>
             </a:fld>
             <a:endParaRPr lang="en-US"/>
           </a:p>
@@ -1161,7 +1161,7 @@
           <a:p>
             <a:fld id="{B38EF465-D677-F140-82CD-891C0463380E}" type="datetimeFigureOut">
               <a:rPr lang="en-US" smtClean="0"/>
-              <a:t>10/20/21</a:t>
+              <a:t>12/8/21</a:t>
             </a:fld>
             <a:endParaRPr lang="en-US"/>
           </a:p>
@@ -1426,7 +1426,7 @@
           <a:p>
             <a:fld id="{B38EF465-D677-F140-82CD-891C0463380E}" type="datetimeFigureOut">
               <a:rPr lang="en-US" smtClean="0"/>
-              <a:t>10/20/21</a:t>
+              <a:t>12/8/21</a:t>
             </a:fld>
             <a:endParaRPr lang="en-US"/>
           </a:p>
@@ -1838,7 +1838,7 @@
           <a:p>
             <a:fld id="{B38EF465-D677-F140-82CD-891C0463380E}" type="datetimeFigureOut">
               <a:rPr lang="en-US" smtClean="0"/>
-              <a:t>10/20/21</a:t>
+              <a:t>12/8/21</a:t>
             </a:fld>
             <a:endParaRPr lang="en-US"/>
           </a:p>
@@ -1979,7 +1979,7 @@
           <a:p>
             <a:fld id="{B38EF465-D677-F140-82CD-891C0463380E}" type="datetimeFigureOut">
               <a:rPr lang="en-US" smtClean="0"/>
-              <a:t>10/20/21</a:t>
+              <a:t>12/8/21</a:t>
             </a:fld>
             <a:endParaRPr lang="en-US"/>
           </a:p>
@@ -2092,7 +2092,7 @@
           <a:p>
             <a:fld id="{B38EF465-D677-F140-82CD-891C0463380E}" type="datetimeFigureOut">
               <a:rPr lang="en-US" smtClean="0"/>
-              <a:t>10/20/21</a:t>
+              <a:t>12/8/21</a:t>
             </a:fld>
             <a:endParaRPr lang="en-US"/>
           </a:p>
@@ -2403,7 +2403,7 @@
           <a:p>
             <a:fld id="{B38EF465-D677-F140-82CD-891C0463380E}" type="datetimeFigureOut">
               <a:rPr lang="en-US" smtClean="0"/>
-              <a:t>10/20/21</a:t>
+              <a:t>12/8/21</a:t>
             </a:fld>
             <a:endParaRPr lang="en-US"/>
           </a:p>
@@ -2691,7 +2691,7 @@
           <a:p>
             <a:fld id="{B38EF465-D677-F140-82CD-891C0463380E}" type="datetimeFigureOut">
               <a:rPr lang="en-US" smtClean="0"/>
-              <a:t>10/20/21</a:t>
+              <a:t>12/8/21</a:t>
             </a:fld>
             <a:endParaRPr lang="en-US"/>
           </a:p>
@@ -2932,7 +2932,7 @@
           <a:p>
             <a:fld id="{B38EF465-D677-F140-82CD-891C0463380E}" type="datetimeFigureOut">
               <a:rPr lang="en-US" smtClean="0"/>
-              <a:t>10/20/21</a:t>
+              <a:t>12/8/21</a:t>
             </a:fld>
             <a:endParaRPr lang="en-US"/>
           </a:p>
@@ -3904,6 +3904,248 @@
   <p:clrMapOvr>
     <a:masterClrMapping/>
   </p:clrMapOvr>
+  <p:timing>
+    <p:tnLst>
+      <p:par>
+        <p:cTn id="1" dur="indefinite" restart="never" nodeType="tmRoot">
+          <p:childTnLst>
+            <p:seq concurrent="1" nextAc="seek">
+              <p:cTn id="2" dur="indefinite" nodeType="mainSeq">
+                <p:childTnLst>
+                  <p:par>
+                    <p:cTn id="3" fill="hold">
+                      <p:stCondLst>
+                        <p:cond delay="indefinite"/>
+                      </p:stCondLst>
+                      <p:childTnLst>
+                        <p:par>
+                          <p:cTn id="4" fill="hold">
+                            <p:stCondLst>
+                              <p:cond delay="0"/>
+                            </p:stCondLst>
+                            <p:childTnLst>
+                              <p:par>
+                                <p:cTn id="5" presetID="1" presetClass="entr" presetSubtype="0" fill="hold" grpId="0" nodeType="clickEffect">
+                                  <p:stCondLst>
+                                    <p:cond delay="0"/>
+                                  </p:stCondLst>
+                                  <p:childTnLst>
+                                    <p:set>
+                                      <p:cBhvr>
+                                        <p:cTn id="6" dur="1" fill="hold">
+                                          <p:stCondLst>
+                                            <p:cond delay="0"/>
+                                          </p:stCondLst>
+                                        </p:cTn>
+                                        <p:tgtEl>
+                                          <p:spTgt spid="3">
+                                            <p:txEl>
+                                              <p:pRg st="0" end="0"/>
+                                            </p:txEl>
+                                          </p:spTgt>
+                                        </p:tgtEl>
+                                        <p:attrNameLst>
+                                          <p:attrName>style.visibility</p:attrName>
+                                        </p:attrNameLst>
+                                      </p:cBhvr>
+                                      <p:to>
+                                        <p:strVal val="visible"/>
+                                      </p:to>
+                                    </p:set>
+                                  </p:childTnLst>
+                                </p:cTn>
+                              </p:par>
+                              <p:par>
+                                <p:cTn id="7" presetID="1" presetClass="entr" presetSubtype="0" fill="hold" grpId="0" nodeType="withEffect">
+                                  <p:stCondLst>
+                                    <p:cond delay="0"/>
+                                  </p:stCondLst>
+                                  <p:childTnLst>
+                                    <p:set>
+                                      <p:cBhvr>
+                                        <p:cTn id="8" dur="1" fill="hold">
+                                          <p:stCondLst>
+                                            <p:cond delay="0"/>
+                                          </p:stCondLst>
+                                        </p:cTn>
+                                        <p:tgtEl>
+                                          <p:spTgt spid="3">
+                                            <p:txEl>
+                                              <p:pRg st="1" end="1"/>
+                                            </p:txEl>
+                                          </p:spTgt>
+                                        </p:tgtEl>
+                                        <p:attrNameLst>
+                                          <p:attrName>style.visibility</p:attrName>
+                                        </p:attrNameLst>
+                                      </p:cBhvr>
+                                      <p:to>
+                                        <p:strVal val="visible"/>
+                                      </p:to>
+                                    </p:set>
+                                  </p:childTnLst>
+                                </p:cTn>
+                              </p:par>
+                              <p:par>
+                                <p:cTn id="9" presetID="1" presetClass="entr" presetSubtype="0" fill="hold" grpId="0" nodeType="withEffect">
+                                  <p:stCondLst>
+                                    <p:cond delay="0"/>
+                                  </p:stCondLst>
+                                  <p:childTnLst>
+                                    <p:set>
+                                      <p:cBhvr>
+                                        <p:cTn id="10" dur="1" fill="hold">
+                                          <p:stCondLst>
+                                            <p:cond delay="0"/>
+                                          </p:stCondLst>
+                                        </p:cTn>
+                                        <p:tgtEl>
+                                          <p:spTgt spid="3">
+                                            <p:txEl>
+                                              <p:pRg st="2" end="2"/>
+                                            </p:txEl>
+                                          </p:spTgt>
+                                        </p:tgtEl>
+                                        <p:attrNameLst>
+                                          <p:attrName>style.visibility</p:attrName>
+                                        </p:attrNameLst>
+                                      </p:cBhvr>
+                                      <p:to>
+                                        <p:strVal val="visible"/>
+                                      </p:to>
+                                    </p:set>
+                                  </p:childTnLst>
+                                </p:cTn>
+                              </p:par>
+                            </p:childTnLst>
+                          </p:cTn>
+                        </p:par>
+                      </p:childTnLst>
+                    </p:cTn>
+                  </p:par>
+                  <p:par>
+                    <p:cTn id="11" fill="hold">
+                      <p:stCondLst>
+                        <p:cond delay="indefinite"/>
+                      </p:stCondLst>
+                      <p:childTnLst>
+                        <p:par>
+                          <p:cTn id="12" fill="hold">
+                            <p:stCondLst>
+                              <p:cond delay="0"/>
+                            </p:stCondLst>
+                            <p:childTnLst>
+                              <p:par>
+                                <p:cTn id="13" presetID="1" presetClass="entr" presetSubtype="0" fill="hold" grpId="0" nodeType="clickEffect">
+                                  <p:stCondLst>
+                                    <p:cond delay="0"/>
+                                  </p:stCondLst>
+                                  <p:childTnLst>
+                                    <p:set>
+                                      <p:cBhvr>
+                                        <p:cTn id="14" dur="1" fill="hold">
+                                          <p:stCondLst>
+                                            <p:cond delay="0"/>
+                                          </p:stCondLst>
+                                        </p:cTn>
+                                        <p:tgtEl>
+                                          <p:spTgt spid="3">
+                                            <p:txEl>
+                                              <p:pRg st="3" end="3"/>
+                                            </p:txEl>
+                                          </p:spTgt>
+                                        </p:tgtEl>
+                                        <p:attrNameLst>
+                                          <p:attrName>style.visibility</p:attrName>
+                                        </p:attrNameLst>
+                                      </p:cBhvr>
+                                      <p:to>
+                                        <p:strVal val="visible"/>
+                                      </p:to>
+                                    </p:set>
+                                  </p:childTnLst>
+                                </p:cTn>
+                              </p:par>
+                            </p:childTnLst>
+                          </p:cTn>
+                        </p:par>
+                      </p:childTnLst>
+                    </p:cTn>
+                  </p:par>
+                  <p:par>
+                    <p:cTn id="15" fill="hold">
+                      <p:stCondLst>
+                        <p:cond delay="indefinite"/>
+                      </p:stCondLst>
+                      <p:childTnLst>
+                        <p:par>
+                          <p:cTn id="16" fill="hold">
+                            <p:stCondLst>
+                              <p:cond delay="0"/>
+                            </p:stCondLst>
+                            <p:childTnLst>
+                              <p:par>
+                                <p:cTn id="17" presetID="1" presetClass="entr" presetSubtype="0" fill="hold" grpId="0" nodeType="clickEffect">
+                                  <p:stCondLst>
+                                    <p:cond delay="0"/>
+                                  </p:stCondLst>
+                                  <p:childTnLst>
+                                    <p:set>
+                                      <p:cBhvr>
+                                        <p:cTn id="18" dur="1" fill="hold">
+                                          <p:stCondLst>
+                                            <p:cond delay="0"/>
+                                          </p:stCondLst>
+                                        </p:cTn>
+                                        <p:tgtEl>
+                                          <p:spTgt spid="3">
+                                            <p:txEl>
+                                              <p:pRg st="4" end="4"/>
+                                            </p:txEl>
+                                          </p:spTgt>
+                                        </p:tgtEl>
+                                        <p:attrNameLst>
+                                          <p:attrName>style.visibility</p:attrName>
+                                        </p:attrNameLst>
+                                      </p:cBhvr>
+                                      <p:to>
+                                        <p:strVal val="visible"/>
+                                      </p:to>
+                                    </p:set>
+                                  </p:childTnLst>
+                                </p:cTn>
+                              </p:par>
+                            </p:childTnLst>
+                          </p:cTn>
+                        </p:par>
+                      </p:childTnLst>
+                    </p:cTn>
+                  </p:par>
+                </p:childTnLst>
+              </p:cTn>
+              <p:prevCondLst>
+                <p:cond evt="onPrev" delay="0">
+                  <p:tgtEl>
+                    <p:sldTgt/>
+                  </p:tgtEl>
+                </p:cond>
+              </p:prevCondLst>
+              <p:nextCondLst>
+                <p:cond evt="onNext" delay="0">
+                  <p:tgtEl>
+                    <p:sldTgt/>
+                  </p:tgtEl>
+                </p:cond>
+              </p:nextCondLst>
+            </p:seq>
+          </p:childTnLst>
+        </p:cTn>
+      </p:par>
+    </p:tnLst>
+    <p:bldLst>
+      <p:bldP spid="3" grpId="0" build="p"/>
+    </p:bldLst>
+  </p:timing>
 </p:sld>
 </file>
 
@@ -3994,8 +4236,15 @@
               <a:rPr lang="en-US" dirty="0"/>
               <a:t>Generates a display name from the test class or method name.</a:t>
             </a:r>
-          </a:p>
-          <a:p>
+            <a:br>
+              <a:rPr lang="en-US" dirty="0"/>
+            </a:br>
+            <a:endParaRPr lang="en-US" dirty="0"/>
+          </a:p>
+          <a:p>
+            <a:pPr marL="0" indent="0">
+              <a:buNone/>
+            </a:pPr>
             <a:r>
               <a:rPr lang="en-US" sz="2000" dirty="0" err="1">
                 <a:latin typeface="Courier" pitchFamily="2" charset="0"/>
@@ -4011,6 +4260,9 @@
             </a:endParaRPr>
           </a:p>
           <a:p>
+            <a:pPr marL="0" indent="0">
+              <a:buNone/>
+            </a:pPr>
             <a:r>
               <a:rPr lang="en-US" sz="2000" dirty="0">
                 <a:latin typeface="Courier" pitchFamily="2" charset="0"/>
@@ -4217,6 +4469,359 @@
   <p:clrMapOvr>
     <a:masterClrMapping/>
   </p:clrMapOvr>
+  <p:timing>
+    <p:tnLst>
+      <p:par>
+        <p:cTn id="1" dur="indefinite" restart="never" nodeType="tmRoot">
+          <p:childTnLst>
+            <p:seq concurrent="1" nextAc="seek">
+              <p:cTn id="2" dur="indefinite" nodeType="mainSeq">
+                <p:childTnLst>
+                  <p:par>
+                    <p:cTn id="3" fill="hold">
+                      <p:stCondLst>
+                        <p:cond delay="indefinite"/>
+                      </p:stCondLst>
+                      <p:childTnLst>
+                        <p:par>
+                          <p:cTn id="4" fill="hold">
+                            <p:stCondLst>
+                              <p:cond delay="0"/>
+                            </p:stCondLst>
+                            <p:childTnLst>
+                              <p:par>
+                                <p:cTn id="5" presetID="1" presetClass="entr" presetSubtype="0" fill="hold" grpId="0" nodeType="clickEffect">
+                                  <p:stCondLst>
+                                    <p:cond delay="0"/>
+                                  </p:stCondLst>
+                                  <p:childTnLst>
+                                    <p:set>
+                                      <p:cBhvr>
+                                        <p:cTn id="6" dur="1" fill="hold">
+                                          <p:stCondLst>
+                                            <p:cond delay="0"/>
+                                          </p:stCondLst>
+                                        </p:cTn>
+                                        <p:tgtEl>
+                                          <p:spTgt spid="3">
+                                            <p:txEl>
+                                              <p:pRg st="0" end="0"/>
+                                            </p:txEl>
+                                          </p:spTgt>
+                                        </p:tgtEl>
+                                        <p:attrNameLst>
+                                          <p:attrName>style.visibility</p:attrName>
+                                        </p:attrNameLst>
+                                      </p:cBhvr>
+                                      <p:to>
+                                        <p:strVal val="visible"/>
+                                      </p:to>
+                                    </p:set>
+                                  </p:childTnLst>
+                                </p:cTn>
+                              </p:par>
+                            </p:childTnLst>
+                          </p:cTn>
+                        </p:par>
+                      </p:childTnLst>
+                    </p:cTn>
+                  </p:par>
+                  <p:par>
+                    <p:cTn id="7" fill="hold">
+                      <p:stCondLst>
+                        <p:cond delay="indefinite"/>
+                      </p:stCondLst>
+                      <p:childTnLst>
+                        <p:par>
+                          <p:cTn id="8" fill="hold">
+                            <p:stCondLst>
+                              <p:cond delay="0"/>
+                            </p:stCondLst>
+                            <p:childTnLst>
+                              <p:par>
+                                <p:cTn id="9" presetID="1" presetClass="entr" presetSubtype="0" fill="hold" grpId="0" nodeType="clickEffect">
+                                  <p:stCondLst>
+                                    <p:cond delay="0"/>
+                                  </p:stCondLst>
+                                  <p:childTnLst>
+                                    <p:set>
+                                      <p:cBhvr>
+                                        <p:cTn id="10" dur="1" fill="hold">
+                                          <p:stCondLst>
+                                            <p:cond delay="0"/>
+                                          </p:stCondLst>
+                                        </p:cTn>
+                                        <p:tgtEl>
+                                          <p:spTgt spid="3">
+                                            <p:txEl>
+                                              <p:pRg st="1" end="1"/>
+                                            </p:txEl>
+                                          </p:spTgt>
+                                        </p:tgtEl>
+                                        <p:attrNameLst>
+                                          <p:attrName>style.visibility</p:attrName>
+                                        </p:attrNameLst>
+                                      </p:cBhvr>
+                                      <p:to>
+                                        <p:strVal val="visible"/>
+                                      </p:to>
+                                    </p:set>
+                                  </p:childTnLst>
+                                </p:cTn>
+                              </p:par>
+                            </p:childTnLst>
+                          </p:cTn>
+                        </p:par>
+                      </p:childTnLst>
+                    </p:cTn>
+                  </p:par>
+                  <p:par>
+                    <p:cTn id="11" fill="hold">
+                      <p:stCondLst>
+                        <p:cond delay="indefinite"/>
+                      </p:stCondLst>
+                      <p:childTnLst>
+                        <p:par>
+                          <p:cTn id="12" fill="hold">
+                            <p:stCondLst>
+                              <p:cond delay="0"/>
+                            </p:stCondLst>
+                            <p:childTnLst>
+                              <p:par>
+                                <p:cTn id="13" presetID="1" presetClass="entr" presetSubtype="0" fill="hold" grpId="0" nodeType="clickEffect">
+                                  <p:stCondLst>
+                                    <p:cond delay="0"/>
+                                  </p:stCondLst>
+                                  <p:childTnLst>
+                                    <p:set>
+                                      <p:cBhvr>
+                                        <p:cTn id="14" dur="1" fill="hold">
+                                          <p:stCondLst>
+                                            <p:cond delay="0"/>
+                                          </p:stCondLst>
+                                        </p:cTn>
+                                        <p:tgtEl>
+                                          <p:spTgt spid="3">
+                                            <p:txEl>
+                                              <p:pRg st="2" end="2"/>
+                                            </p:txEl>
+                                          </p:spTgt>
+                                        </p:tgtEl>
+                                        <p:attrNameLst>
+                                          <p:attrName>style.visibility</p:attrName>
+                                        </p:attrNameLst>
+                                      </p:cBhvr>
+                                      <p:to>
+                                        <p:strVal val="visible"/>
+                                      </p:to>
+                                    </p:set>
+                                  </p:childTnLst>
+                                </p:cTn>
+                              </p:par>
+                              <p:par>
+                                <p:cTn id="15" presetID="1" presetClass="entr" presetSubtype="0" fill="hold" grpId="0" nodeType="withEffect">
+                                  <p:stCondLst>
+                                    <p:cond delay="0"/>
+                                  </p:stCondLst>
+                                  <p:childTnLst>
+                                    <p:set>
+                                      <p:cBhvr>
+                                        <p:cTn id="16" dur="1" fill="hold">
+                                          <p:stCondLst>
+                                            <p:cond delay="0"/>
+                                          </p:stCondLst>
+                                        </p:cTn>
+                                        <p:tgtEl>
+                                          <p:spTgt spid="3">
+                                            <p:txEl>
+                                              <p:pRg st="3" end="3"/>
+                                            </p:txEl>
+                                          </p:spTgt>
+                                        </p:tgtEl>
+                                        <p:attrNameLst>
+                                          <p:attrName>style.visibility</p:attrName>
+                                        </p:attrNameLst>
+                                      </p:cBhvr>
+                                      <p:to>
+                                        <p:strVal val="visible"/>
+                                      </p:to>
+                                    </p:set>
+                                  </p:childTnLst>
+                                </p:cTn>
+                              </p:par>
+                              <p:par>
+                                <p:cTn id="17" presetID="1" presetClass="entr" presetSubtype="0" fill="hold" grpId="0" nodeType="withEffect">
+                                  <p:stCondLst>
+                                    <p:cond delay="0"/>
+                                  </p:stCondLst>
+                                  <p:childTnLst>
+                                    <p:set>
+                                      <p:cBhvr>
+                                        <p:cTn id="18" dur="1" fill="hold">
+                                          <p:stCondLst>
+                                            <p:cond delay="0"/>
+                                          </p:stCondLst>
+                                        </p:cTn>
+                                        <p:tgtEl>
+                                          <p:spTgt spid="3">
+                                            <p:txEl>
+                                              <p:pRg st="4" end="4"/>
+                                            </p:txEl>
+                                          </p:spTgt>
+                                        </p:tgtEl>
+                                        <p:attrNameLst>
+                                          <p:attrName>style.visibility</p:attrName>
+                                        </p:attrNameLst>
+                                      </p:cBhvr>
+                                      <p:to>
+                                        <p:strVal val="visible"/>
+                                      </p:to>
+                                    </p:set>
+                                  </p:childTnLst>
+                                </p:cTn>
+                              </p:par>
+                              <p:par>
+                                <p:cTn id="19" presetID="1" presetClass="entr" presetSubtype="0" fill="hold" grpId="0" nodeType="withEffect">
+                                  <p:stCondLst>
+                                    <p:cond delay="0"/>
+                                  </p:stCondLst>
+                                  <p:childTnLst>
+                                    <p:set>
+                                      <p:cBhvr>
+                                        <p:cTn id="20" dur="1" fill="hold">
+                                          <p:stCondLst>
+                                            <p:cond delay="0"/>
+                                          </p:stCondLst>
+                                        </p:cTn>
+                                        <p:tgtEl>
+                                          <p:spTgt spid="3">
+                                            <p:txEl>
+                                              <p:pRg st="5" end="5"/>
+                                            </p:txEl>
+                                          </p:spTgt>
+                                        </p:tgtEl>
+                                        <p:attrNameLst>
+                                          <p:attrName>style.visibility</p:attrName>
+                                        </p:attrNameLst>
+                                      </p:cBhvr>
+                                      <p:to>
+                                        <p:strVal val="visible"/>
+                                      </p:to>
+                                    </p:set>
+                                  </p:childTnLst>
+                                </p:cTn>
+                              </p:par>
+                            </p:childTnLst>
+                          </p:cTn>
+                        </p:par>
+                      </p:childTnLst>
+                    </p:cTn>
+                  </p:par>
+                  <p:par>
+                    <p:cTn id="21" fill="hold">
+                      <p:stCondLst>
+                        <p:cond delay="indefinite"/>
+                      </p:stCondLst>
+                      <p:childTnLst>
+                        <p:par>
+                          <p:cTn id="22" fill="hold">
+                            <p:stCondLst>
+                              <p:cond delay="0"/>
+                            </p:stCondLst>
+                            <p:childTnLst>
+                              <p:par>
+                                <p:cTn id="23" presetID="1" presetClass="entr" presetSubtype="0" fill="hold" grpId="0" nodeType="clickEffect">
+                                  <p:stCondLst>
+                                    <p:cond delay="0"/>
+                                  </p:stCondLst>
+                                  <p:childTnLst>
+                                    <p:set>
+                                      <p:cBhvr>
+                                        <p:cTn id="24" dur="1" fill="hold">
+                                          <p:stCondLst>
+                                            <p:cond delay="0"/>
+                                          </p:stCondLst>
+                                        </p:cTn>
+                                        <p:tgtEl>
+                                          <p:spTgt spid="3">
+                                            <p:txEl>
+                                              <p:pRg st="6" end="6"/>
+                                            </p:txEl>
+                                          </p:spTgt>
+                                        </p:tgtEl>
+                                        <p:attrNameLst>
+                                          <p:attrName>style.visibility</p:attrName>
+                                        </p:attrNameLst>
+                                      </p:cBhvr>
+                                      <p:to>
+                                        <p:strVal val="visible"/>
+                                      </p:to>
+                                    </p:set>
+                                  </p:childTnLst>
+                                </p:cTn>
+                              </p:par>
+                              <p:par>
+                                <p:cTn id="25" presetID="1" presetClass="entr" presetSubtype="0" fill="hold" grpId="0" nodeType="withEffect">
+                                  <p:stCondLst>
+                                    <p:cond delay="0"/>
+                                  </p:stCondLst>
+                                  <p:childTnLst>
+                                    <p:set>
+                                      <p:cBhvr>
+                                        <p:cTn id="26" dur="1" fill="hold">
+                                          <p:stCondLst>
+                                            <p:cond delay="0"/>
+                                          </p:stCondLst>
+                                        </p:cTn>
+                                        <p:tgtEl>
+                                          <p:spTgt spid="3">
+                                            <p:txEl>
+                                              <p:pRg st="7" end="7"/>
+                                            </p:txEl>
+                                          </p:spTgt>
+                                        </p:tgtEl>
+                                        <p:attrNameLst>
+                                          <p:attrName>style.visibility</p:attrName>
+                                        </p:attrNameLst>
+                                      </p:cBhvr>
+                                      <p:to>
+                                        <p:strVal val="visible"/>
+                                      </p:to>
+                                    </p:set>
+                                  </p:childTnLst>
+                                </p:cTn>
+                              </p:par>
+                            </p:childTnLst>
+                          </p:cTn>
+                        </p:par>
+                      </p:childTnLst>
+                    </p:cTn>
+                  </p:par>
+                </p:childTnLst>
+              </p:cTn>
+              <p:prevCondLst>
+                <p:cond evt="onPrev" delay="0">
+                  <p:tgtEl>
+                    <p:sldTgt/>
+                  </p:tgtEl>
+                </p:cond>
+              </p:prevCondLst>
+              <p:nextCondLst>
+                <p:cond evt="onNext" delay="0">
+                  <p:tgtEl>
+                    <p:sldTgt/>
+                  </p:tgtEl>
+                </p:cond>
+              </p:nextCondLst>
+            </p:seq>
+          </p:childTnLst>
+        </p:cTn>
+      </p:par>
+    </p:tnLst>
+    <p:bldLst>
+      <p:bldP spid="3" grpId="0" build="p"/>
+    </p:bldLst>
+  </p:timing>
 </p:sld>
 </file>
 
@@ -4644,6 +5249,168 @@
   <p:clrMapOvr>
     <a:masterClrMapping/>
   </p:clrMapOvr>
+  <p:timing>
+    <p:tnLst>
+      <p:par>
+        <p:cTn id="1" dur="indefinite" restart="never" nodeType="tmRoot">
+          <p:childTnLst>
+            <p:seq concurrent="1" nextAc="seek">
+              <p:cTn id="2" dur="indefinite" nodeType="mainSeq">
+                <p:childTnLst>
+                  <p:par>
+                    <p:cTn id="3" fill="hold">
+                      <p:stCondLst>
+                        <p:cond delay="indefinite"/>
+                      </p:stCondLst>
+                      <p:childTnLst>
+                        <p:par>
+                          <p:cTn id="4" fill="hold">
+                            <p:stCondLst>
+                              <p:cond delay="0"/>
+                            </p:stCondLst>
+                            <p:childTnLst>
+                              <p:par>
+                                <p:cTn id="5" presetID="1" presetClass="entr" presetSubtype="0" fill="hold" grpId="0" nodeType="clickEffect">
+                                  <p:stCondLst>
+                                    <p:cond delay="0"/>
+                                  </p:stCondLst>
+                                  <p:childTnLst>
+                                    <p:set>
+                                      <p:cBhvr>
+                                        <p:cTn id="6" dur="1" fill="hold">
+                                          <p:stCondLst>
+                                            <p:cond delay="0"/>
+                                          </p:stCondLst>
+                                        </p:cTn>
+                                        <p:tgtEl>
+                                          <p:spTgt spid="3">
+                                            <p:txEl>
+                                              <p:pRg st="0" end="0"/>
+                                            </p:txEl>
+                                          </p:spTgt>
+                                        </p:tgtEl>
+                                        <p:attrNameLst>
+                                          <p:attrName>style.visibility</p:attrName>
+                                        </p:attrNameLst>
+                                      </p:cBhvr>
+                                      <p:to>
+                                        <p:strVal val="visible"/>
+                                      </p:to>
+                                    </p:set>
+                                  </p:childTnLst>
+                                </p:cTn>
+                              </p:par>
+                            </p:childTnLst>
+                          </p:cTn>
+                        </p:par>
+                      </p:childTnLst>
+                    </p:cTn>
+                  </p:par>
+                  <p:par>
+                    <p:cTn id="7" fill="hold">
+                      <p:stCondLst>
+                        <p:cond delay="indefinite"/>
+                      </p:stCondLst>
+                      <p:childTnLst>
+                        <p:par>
+                          <p:cTn id="8" fill="hold">
+                            <p:stCondLst>
+                              <p:cond delay="0"/>
+                            </p:stCondLst>
+                            <p:childTnLst>
+                              <p:par>
+                                <p:cTn id="9" presetID="1" presetClass="entr" presetSubtype="0" fill="hold" grpId="0" nodeType="clickEffect">
+                                  <p:stCondLst>
+                                    <p:cond delay="0"/>
+                                  </p:stCondLst>
+                                  <p:childTnLst>
+                                    <p:set>
+                                      <p:cBhvr>
+                                        <p:cTn id="10" dur="1" fill="hold">
+                                          <p:stCondLst>
+                                            <p:cond delay="0"/>
+                                          </p:stCondLst>
+                                        </p:cTn>
+                                        <p:tgtEl>
+                                          <p:spTgt spid="3">
+                                            <p:txEl>
+                                              <p:pRg st="1" end="1"/>
+                                            </p:txEl>
+                                          </p:spTgt>
+                                        </p:tgtEl>
+                                        <p:attrNameLst>
+                                          <p:attrName>style.visibility</p:attrName>
+                                        </p:attrNameLst>
+                                      </p:cBhvr>
+                                      <p:to>
+                                        <p:strVal val="visible"/>
+                                      </p:to>
+                                    </p:set>
+                                  </p:childTnLst>
+                                </p:cTn>
+                              </p:par>
+                              <p:par>
+                                <p:cTn id="11" presetID="1" presetClass="entr" presetSubtype="0" fill="hold" grpId="0" nodeType="withEffect">
+                                  <p:stCondLst>
+                                    <p:cond delay="0"/>
+                                  </p:stCondLst>
+                                  <p:childTnLst>
+                                    <p:set>
+                                      <p:cBhvr>
+                                        <p:cTn id="12" dur="1" fill="hold">
+                                          <p:stCondLst>
+                                            <p:cond delay="0"/>
+                                          </p:stCondLst>
+                                        </p:cTn>
+                                        <p:tgtEl>
+                                          <p:spTgt spid="3">
+                                            <p:txEl>
+                                              <p:pRg st="2" end="2"/>
+                                            </p:txEl>
+                                          </p:spTgt>
+                                        </p:tgtEl>
+                                        <p:attrNameLst>
+                                          <p:attrName>style.visibility</p:attrName>
+                                        </p:attrNameLst>
+                                      </p:cBhvr>
+                                      <p:to>
+                                        <p:strVal val="visible"/>
+                                      </p:to>
+                                    </p:set>
+                                  </p:childTnLst>
+                                </p:cTn>
+                              </p:par>
+                            </p:childTnLst>
+                          </p:cTn>
+                        </p:par>
+                      </p:childTnLst>
+                    </p:cTn>
+                  </p:par>
+                </p:childTnLst>
+              </p:cTn>
+              <p:prevCondLst>
+                <p:cond evt="onPrev" delay="0">
+                  <p:tgtEl>
+                    <p:sldTgt/>
+                  </p:tgtEl>
+                </p:cond>
+              </p:prevCondLst>
+              <p:nextCondLst>
+                <p:cond evt="onNext" delay="0">
+                  <p:tgtEl>
+                    <p:sldTgt/>
+                  </p:tgtEl>
+                </p:cond>
+              </p:nextCondLst>
+            </p:seq>
+          </p:childTnLst>
+        </p:cTn>
+      </p:par>
+    </p:tnLst>
+    <p:bldLst>
+      <p:bldP spid="3" grpId="0" build="p"/>
+    </p:bldLst>
+  </p:timing>
 </p:sld>
 </file>
 
@@ -4985,6 +5752,168 @@
   <p:clrMapOvr>
     <a:masterClrMapping/>
   </p:clrMapOvr>
+  <p:timing>
+    <p:tnLst>
+      <p:par>
+        <p:cTn id="1" dur="indefinite" restart="never" nodeType="tmRoot">
+          <p:childTnLst>
+            <p:seq concurrent="1" nextAc="seek">
+              <p:cTn id="2" dur="indefinite" nodeType="mainSeq">
+                <p:childTnLst>
+                  <p:par>
+                    <p:cTn id="3" fill="hold">
+                      <p:stCondLst>
+                        <p:cond delay="indefinite"/>
+                      </p:stCondLst>
+                      <p:childTnLst>
+                        <p:par>
+                          <p:cTn id="4" fill="hold">
+                            <p:stCondLst>
+                              <p:cond delay="0"/>
+                            </p:stCondLst>
+                            <p:childTnLst>
+                              <p:par>
+                                <p:cTn id="5" presetID="1" presetClass="entr" presetSubtype="0" fill="hold" grpId="0" nodeType="clickEffect">
+                                  <p:stCondLst>
+                                    <p:cond delay="0"/>
+                                  </p:stCondLst>
+                                  <p:childTnLst>
+                                    <p:set>
+                                      <p:cBhvr>
+                                        <p:cTn id="6" dur="1" fill="hold">
+                                          <p:stCondLst>
+                                            <p:cond delay="0"/>
+                                          </p:stCondLst>
+                                        </p:cTn>
+                                        <p:tgtEl>
+                                          <p:spTgt spid="3">
+                                            <p:txEl>
+                                              <p:pRg st="0" end="0"/>
+                                            </p:txEl>
+                                          </p:spTgt>
+                                        </p:tgtEl>
+                                        <p:attrNameLst>
+                                          <p:attrName>style.visibility</p:attrName>
+                                        </p:attrNameLst>
+                                      </p:cBhvr>
+                                      <p:to>
+                                        <p:strVal val="visible"/>
+                                      </p:to>
+                                    </p:set>
+                                  </p:childTnLst>
+                                </p:cTn>
+                              </p:par>
+                            </p:childTnLst>
+                          </p:cTn>
+                        </p:par>
+                      </p:childTnLst>
+                    </p:cTn>
+                  </p:par>
+                  <p:par>
+                    <p:cTn id="7" fill="hold">
+                      <p:stCondLst>
+                        <p:cond delay="indefinite"/>
+                      </p:stCondLst>
+                      <p:childTnLst>
+                        <p:par>
+                          <p:cTn id="8" fill="hold">
+                            <p:stCondLst>
+                              <p:cond delay="0"/>
+                            </p:stCondLst>
+                            <p:childTnLst>
+                              <p:par>
+                                <p:cTn id="9" presetID="1" presetClass="entr" presetSubtype="0" fill="hold" grpId="0" nodeType="clickEffect">
+                                  <p:stCondLst>
+                                    <p:cond delay="0"/>
+                                  </p:stCondLst>
+                                  <p:childTnLst>
+                                    <p:set>
+                                      <p:cBhvr>
+                                        <p:cTn id="10" dur="1" fill="hold">
+                                          <p:stCondLst>
+                                            <p:cond delay="0"/>
+                                          </p:stCondLst>
+                                        </p:cTn>
+                                        <p:tgtEl>
+                                          <p:spTgt spid="3">
+                                            <p:txEl>
+                                              <p:pRg st="1" end="1"/>
+                                            </p:txEl>
+                                          </p:spTgt>
+                                        </p:tgtEl>
+                                        <p:attrNameLst>
+                                          <p:attrName>style.visibility</p:attrName>
+                                        </p:attrNameLst>
+                                      </p:cBhvr>
+                                      <p:to>
+                                        <p:strVal val="visible"/>
+                                      </p:to>
+                                    </p:set>
+                                  </p:childTnLst>
+                                </p:cTn>
+                              </p:par>
+                              <p:par>
+                                <p:cTn id="11" presetID="1" presetClass="entr" presetSubtype="0" fill="hold" grpId="0" nodeType="withEffect">
+                                  <p:stCondLst>
+                                    <p:cond delay="0"/>
+                                  </p:stCondLst>
+                                  <p:childTnLst>
+                                    <p:set>
+                                      <p:cBhvr>
+                                        <p:cTn id="12" dur="1" fill="hold">
+                                          <p:stCondLst>
+                                            <p:cond delay="0"/>
+                                          </p:stCondLst>
+                                        </p:cTn>
+                                        <p:tgtEl>
+                                          <p:spTgt spid="3">
+                                            <p:txEl>
+                                              <p:pRg st="2" end="2"/>
+                                            </p:txEl>
+                                          </p:spTgt>
+                                        </p:tgtEl>
+                                        <p:attrNameLst>
+                                          <p:attrName>style.visibility</p:attrName>
+                                        </p:attrNameLst>
+                                      </p:cBhvr>
+                                      <p:to>
+                                        <p:strVal val="visible"/>
+                                      </p:to>
+                                    </p:set>
+                                  </p:childTnLst>
+                                </p:cTn>
+                              </p:par>
+                            </p:childTnLst>
+                          </p:cTn>
+                        </p:par>
+                      </p:childTnLst>
+                    </p:cTn>
+                  </p:par>
+                </p:childTnLst>
+              </p:cTn>
+              <p:prevCondLst>
+                <p:cond evt="onPrev" delay="0">
+                  <p:tgtEl>
+                    <p:sldTgt/>
+                  </p:tgtEl>
+                </p:cond>
+              </p:prevCondLst>
+              <p:nextCondLst>
+                <p:cond evt="onNext" delay="0">
+                  <p:tgtEl>
+                    <p:sldTgt/>
+                  </p:tgtEl>
+                </p:cond>
+              </p:nextCondLst>
+            </p:seq>
+          </p:childTnLst>
+        </p:cTn>
+      </p:par>
+    </p:tnLst>
+    <p:bldLst>
+      <p:bldP spid="3" grpId="0" build="p"/>
+    </p:bldLst>
+  </p:timing>
 </p:sld>
 </file>
 
@@ -5103,6 +6032,186 @@
   <p:clrMapOvr>
     <a:masterClrMapping/>
   </p:clrMapOvr>
+  <p:timing>
+    <p:tnLst>
+      <p:par>
+        <p:cTn id="1" dur="indefinite" restart="never" nodeType="tmRoot">
+          <p:childTnLst>
+            <p:seq concurrent="1" nextAc="seek">
+              <p:cTn id="2" dur="indefinite" nodeType="mainSeq">
+                <p:childTnLst>
+                  <p:par>
+                    <p:cTn id="3" fill="hold">
+                      <p:stCondLst>
+                        <p:cond delay="indefinite"/>
+                      </p:stCondLst>
+                      <p:childTnLst>
+                        <p:par>
+                          <p:cTn id="4" fill="hold">
+                            <p:stCondLst>
+                              <p:cond delay="0"/>
+                            </p:stCondLst>
+                            <p:childTnLst>
+                              <p:par>
+                                <p:cTn id="5" presetID="1" presetClass="entr" presetSubtype="0" fill="hold" grpId="0" nodeType="clickEffect">
+                                  <p:stCondLst>
+                                    <p:cond delay="0"/>
+                                  </p:stCondLst>
+                                  <p:childTnLst>
+                                    <p:set>
+                                      <p:cBhvr>
+                                        <p:cTn id="6" dur="1" fill="hold">
+                                          <p:stCondLst>
+                                            <p:cond delay="0"/>
+                                          </p:stCondLst>
+                                        </p:cTn>
+                                        <p:tgtEl>
+                                          <p:spTgt spid="3">
+                                            <p:txEl>
+                                              <p:pRg st="0" end="0"/>
+                                            </p:txEl>
+                                          </p:spTgt>
+                                        </p:tgtEl>
+                                        <p:attrNameLst>
+                                          <p:attrName>style.visibility</p:attrName>
+                                        </p:attrNameLst>
+                                      </p:cBhvr>
+                                      <p:to>
+                                        <p:strVal val="visible"/>
+                                      </p:to>
+                                    </p:set>
+                                  </p:childTnLst>
+                                </p:cTn>
+                              </p:par>
+                            </p:childTnLst>
+                          </p:cTn>
+                        </p:par>
+                      </p:childTnLst>
+                    </p:cTn>
+                  </p:par>
+                  <p:par>
+                    <p:cTn id="7" fill="hold">
+                      <p:stCondLst>
+                        <p:cond delay="indefinite"/>
+                      </p:stCondLst>
+                      <p:childTnLst>
+                        <p:par>
+                          <p:cTn id="8" fill="hold">
+                            <p:stCondLst>
+                              <p:cond delay="0"/>
+                            </p:stCondLst>
+                            <p:childTnLst>
+                              <p:par>
+                                <p:cTn id="9" presetID="1" presetClass="entr" presetSubtype="0" fill="hold" grpId="0" nodeType="clickEffect">
+                                  <p:stCondLst>
+                                    <p:cond delay="0"/>
+                                  </p:stCondLst>
+                                  <p:childTnLst>
+                                    <p:set>
+                                      <p:cBhvr>
+                                        <p:cTn id="10" dur="1" fill="hold">
+                                          <p:stCondLst>
+                                            <p:cond delay="0"/>
+                                          </p:stCondLst>
+                                        </p:cTn>
+                                        <p:tgtEl>
+                                          <p:spTgt spid="3">
+                                            <p:txEl>
+                                              <p:pRg st="1" end="1"/>
+                                            </p:txEl>
+                                          </p:spTgt>
+                                        </p:tgtEl>
+                                        <p:attrNameLst>
+                                          <p:attrName>style.visibility</p:attrName>
+                                        </p:attrNameLst>
+                                      </p:cBhvr>
+                                      <p:to>
+                                        <p:strVal val="visible"/>
+                                      </p:to>
+                                    </p:set>
+                                  </p:childTnLst>
+                                </p:cTn>
+                              </p:par>
+                            </p:childTnLst>
+                          </p:cTn>
+                        </p:par>
+                      </p:childTnLst>
+                    </p:cTn>
+                  </p:par>
+                  <p:par>
+                    <p:cTn id="11" fill="hold">
+                      <p:stCondLst>
+                        <p:cond delay="indefinite"/>
+                      </p:stCondLst>
+                      <p:childTnLst>
+                        <p:par>
+                          <p:cTn id="12" fill="hold">
+                            <p:stCondLst>
+                              <p:cond delay="0"/>
+                            </p:stCondLst>
+                            <p:childTnLst>
+                              <p:par>
+                                <p:cTn id="13" presetID="1" presetClass="entr" presetSubtype="0" fill="hold" grpId="0" nodeType="clickEffect">
+                                  <p:stCondLst>
+                                    <p:cond delay="0"/>
+                                  </p:stCondLst>
+                                  <p:childTnLst>
+                                    <p:set>
+                                      <p:cBhvr>
+                                        <p:cTn id="14" dur="1" fill="hold">
+                                          <p:stCondLst>
+                                            <p:cond delay="0"/>
+                                          </p:stCondLst>
+                                        </p:cTn>
+                                        <p:tgtEl>
+                                          <p:spTgt spid="3">
+                                            <p:txEl>
+                                              <p:pRg st="2" end="2"/>
+                                            </p:txEl>
+                                          </p:spTgt>
+                                        </p:tgtEl>
+                                        <p:attrNameLst>
+                                          <p:attrName>style.visibility</p:attrName>
+                                        </p:attrNameLst>
+                                      </p:cBhvr>
+                                      <p:to>
+                                        <p:strVal val="visible"/>
+                                      </p:to>
+                                    </p:set>
+                                  </p:childTnLst>
+                                </p:cTn>
+                              </p:par>
+                            </p:childTnLst>
+                          </p:cTn>
+                        </p:par>
+                      </p:childTnLst>
+                    </p:cTn>
+                  </p:par>
+                </p:childTnLst>
+              </p:cTn>
+              <p:prevCondLst>
+                <p:cond evt="onPrev" delay="0">
+                  <p:tgtEl>
+                    <p:sldTgt/>
+                  </p:tgtEl>
+                </p:cond>
+              </p:prevCondLst>
+              <p:nextCondLst>
+                <p:cond evt="onNext" delay="0">
+                  <p:tgtEl>
+                    <p:sldTgt/>
+                  </p:tgtEl>
+                </p:cond>
+              </p:nextCondLst>
+            </p:seq>
+          </p:childTnLst>
+        </p:cTn>
+      </p:par>
+    </p:tnLst>
+    <p:bldLst>
+      <p:bldP spid="3" grpId="0" build="p"/>
+    </p:bldLst>
+  </p:timing>
 </p:sld>
 </file>
 
@@ -5243,6 +6352,372 @@
   <p:clrMapOvr>
     <a:masterClrMapping/>
   </p:clrMapOvr>
+  <p:timing>
+    <p:tnLst>
+      <p:par>
+        <p:cTn id="1" dur="indefinite" restart="never" nodeType="tmRoot">
+          <p:childTnLst>
+            <p:seq concurrent="1" nextAc="seek">
+              <p:cTn id="2" dur="indefinite" nodeType="mainSeq">
+                <p:childTnLst>
+                  <p:par>
+                    <p:cTn id="3" fill="hold">
+                      <p:stCondLst>
+                        <p:cond delay="indefinite"/>
+                      </p:stCondLst>
+                      <p:childTnLst>
+                        <p:par>
+                          <p:cTn id="4" fill="hold">
+                            <p:stCondLst>
+                              <p:cond delay="0"/>
+                            </p:stCondLst>
+                            <p:childTnLst>
+                              <p:par>
+                                <p:cTn id="5" presetID="1" presetClass="entr" presetSubtype="0" fill="hold" grpId="0" nodeType="clickEffect">
+                                  <p:stCondLst>
+                                    <p:cond delay="0"/>
+                                  </p:stCondLst>
+                                  <p:childTnLst>
+                                    <p:set>
+                                      <p:cBhvr>
+                                        <p:cTn id="6" dur="1" fill="hold">
+                                          <p:stCondLst>
+                                            <p:cond delay="0"/>
+                                          </p:stCondLst>
+                                        </p:cTn>
+                                        <p:tgtEl>
+                                          <p:spTgt spid="3">
+                                            <p:txEl>
+                                              <p:pRg st="0" end="0"/>
+                                            </p:txEl>
+                                          </p:spTgt>
+                                        </p:tgtEl>
+                                        <p:attrNameLst>
+                                          <p:attrName>style.visibility</p:attrName>
+                                        </p:attrNameLst>
+                                      </p:cBhvr>
+                                      <p:to>
+                                        <p:strVal val="visible"/>
+                                      </p:to>
+                                    </p:set>
+                                  </p:childTnLst>
+                                </p:cTn>
+                              </p:par>
+                            </p:childTnLst>
+                          </p:cTn>
+                        </p:par>
+                      </p:childTnLst>
+                    </p:cTn>
+                  </p:par>
+                  <p:par>
+                    <p:cTn id="7" fill="hold">
+                      <p:stCondLst>
+                        <p:cond delay="indefinite"/>
+                      </p:stCondLst>
+                      <p:childTnLst>
+                        <p:par>
+                          <p:cTn id="8" fill="hold">
+                            <p:stCondLst>
+                              <p:cond delay="0"/>
+                            </p:stCondLst>
+                            <p:childTnLst>
+                              <p:par>
+                                <p:cTn id="9" presetID="1" presetClass="entr" presetSubtype="0" fill="hold" grpId="0" nodeType="clickEffect">
+                                  <p:stCondLst>
+                                    <p:cond delay="0"/>
+                                  </p:stCondLst>
+                                  <p:childTnLst>
+                                    <p:set>
+                                      <p:cBhvr>
+                                        <p:cTn id="10" dur="1" fill="hold">
+                                          <p:stCondLst>
+                                            <p:cond delay="0"/>
+                                          </p:stCondLst>
+                                        </p:cTn>
+                                        <p:tgtEl>
+                                          <p:spTgt spid="3">
+                                            <p:txEl>
+                                              <p:pRg st="1" end="1"/>
+                                            </p:txEl>
+                                          </p:spTgt>
+                                        </p:tgtEl>
+                                        <p:attrNameLst>
+                                          <p:attrName>style.visibility</p:attrName>
+                                        </p:attrNameLst>
+                                      </p:cBhvr>
+                                      <p:to>
+                                        <p:strVal val="visible"/>
+                                      </p:to>
+                                    </p:set>
+                                  </p:childTnLst>
+                                </p:cTn>
+                              </p:par>
+                              <p:par>
+                                <p:cTn id="11" presetID="1" presetClass="entr" presetSubtype="0" fill="hold" grpId="0" nodeType="withEffect">
+                                  <p:stCondLst>
+                                    <p:cond delay="0"/>
+                                  </p:stCondLst>
+                                  <p:childTnLst>
+                                    <p:set>
+                                      <p:cBhvr>
+                                        <p:cTn id="12" dur="1" fill="hold">
+                                          <p:stCondLst>
+                                            <p:cond delay="0"/>
+                                          </p:stCondLst>
+                                        </p:cTn>
+                                        <p:tgtEl>
+                                          <p:spTgt spid="3">
+                                            <p:txEl>
+                                              <p:pRg st="2" end="2"/>
+                                            </p:txEl>
+                                          </p:spTgt>
+                                        </p:tgtEl>
+                                        <p:attrNameLst>
+                                          <p:attrName>style.visibility</p:attrName>
+                                        </p:attrNameLst>
+                                      </p:cBhvr>
+                                      <p:to>
+                                        <p:strVal val="visible"/>
+                                      </p:to>
+                                    </p:set>
+                                  </p:childTnLst>
+                                </p:cTn>
+                              </p:par>
+                              <p:par>
+                                <p:cTn id="13" presetID="1" presetClass="entr" presetSubtype="0" fill="hold" grpId="0" nodeType="withEffect">
+                                  <p:stCondLst>
+                                    <p:cond delay="0"/>
+                                  </p:stCondLst>
+                                  <p:childTnLst>
+                                    <p:set>
+                                      <p:cBhvr>
+                                        <p:cTn id="14" dur="1" fill="hold">
+                                          <p:stCondLst>
+                                            <p:cond delay="0"/>
+                                          </p:stCondLst>
+                                        </p:cTn>
+                                        <p:tgtEl>
+                                          <p:spTgt spid="3">
+                                            <p:txEl>
+                                              <p:pRg st="3" end="3"/>
+                                            </p:txEl>
+                                          </p:spTgt>
+                                        </p:tgtEl>
+                                        <p:attrNameLst>
+                                          <p:attrName>style.visibility</p:attrName>
+                                        </p:attrNameLst>
+                                      </p:cBhvr>
+                                      <p:to>
+                                        <p:strVal val="visible"/>
+                                      </p:to>
+                                    </p:set>
+                                  </p:childTnLst>
+                                </p:cTn>
+                              </p:par>
+                              <p:par>
+                                <p:cTn id="15" presetID="1" presetClass="entr" presetSubtype="0" fill="hold" grpId="0" nodeType="withEffect">
+                                  <p:stCondLst>
+                                    <p:cond delay="0"/>
+                                  </p:stCondLst>
+                                  <p:childTnLst>
+                                    <p:set>
+                                      <p:cBhvr>
+                                        <p:cTn id="16" dur="1" fill="hold">
+                                          <p:stCondLst>
+                                            <p:cond delay="0"/>
+                                          </p:stCondLst>
+                                        </p:cTn>
+                                        <p:tgtEl>
+                                          <p:spTgt spid="3">
+                                            <p:txEl>
+                                              <p:pRg st="4" end="4"/>
+                                            </p:txEl>
+                                          </p:spTgt>
+                                        </p:tgtEl>
+                                        <p:attrNameLst>
+                                          <p:attrName>style.visibility</p:attrName>
+                                        </p:attrNameLst>
+                                      </p:cBhvr>
+                                      <p:to>
+                                        <p:strVal val="visible"/>
+                                      </p:to>
+                                    </p:set>
+                                  </p:childTnLst>
+                                </p:cTn>
+                              </p:par>
+                            </p:childTnLst>
+                          </p:cTn>
+                        </p:par>
+                      </p:childTnLst>
+                    </p:cTn>
+                  </p:par>
+                  <p:par>
+                    <p:cTn id="17" fill="hold">
+                      <p:stCondLst>
+                        <p:cond delay="indefinite"/>
+                      </p:stCondLst>
+                      <p:childTnLst>
+                        <p:par>
+                          <p:cTn id="18" fill="hold">
+                            <p:stCondLst>
+                              <p:cond delay="0"/>
+                            </p:stCondLst>
+                            <p:childTnLst>
+                              <p:par>
+                                <p:cTn id="19" presetID="1" presetClass="entr" presetSubtype="0" fill="hold" grpId="0" nodeType="clickEffect">
+                                  <p:stCondLst>
+                                    <p:cond delay="0"/>
+                                  </p:stCondLst>
+                                  <p:childTnLst>
+                                    <p:set>
+                                      <p:cBhvr>
+                                        <p:cTn id="20" dur="1" fill="hold">
+                                          <p:stCondLst>
+                                            <p:cond delay="0"/>
+                                          </p:stCondLst>
+                                        </p:cTn>
+                                        <p:tgtEl>
+                                          <p:spTgt spid="3">
+                                            <p:txEl>
+                                              <p:pRg st="5" end="5"/>
+                                            </p:txEl>
+                                          </p:spTgt>
+                                        </p:tgtEl>
+                                        <p:attrNameLst>
+                                          <p:attrName>style.visibility</p:attrName>
+                                        </p:attrNameLst>
+                                      </p:cBhvr>
+                                      <p:to>
+                                        <p:strVal val="visible"/>
+                                      </p:to>
+                                    </p:set>
+                                  </p:childTnLst>
+                                </p:cTn>
+                              </p:par>
+                              <p:par>
+                                <p:cTn id="21" presetID="1" presetClass="entr" presetSubtype="0" fill="hold" grpId="0" nodeType="withEffect">
+                                  <p:stCondLst>
+                                    <p:cond delay="0"/>
+                                  </p:stCondLst>
+                                  <p:childTnLst>
+                                    <p:set>
+                                      <p:cBhvr>
+                                        <p:cTn id="22" dur="1" fill="hold">
+                                          <p:stCondLst>
+                                            <p:cond delay="0"/>
+                                          </p:stCondLst>
+                                        </p:cTn>
+                                        <p:tgtEl>
+                                          <p:spTgt spid="3">
+                                            <p:txEl>
+                                              <p:pRg st="6" end="6"/>
+                                            </p:txEl>
+                                          </p:spTgt>
+                                        </p:tgtEl>
+                                        <p:attrNameLst>
+                                          <p:attrName>style.visibility</p:attrName>
+                                        </p:attrNameLst>
+                                      </p:cBhvr>
+                                      <p:to>
+                                        <p:strVal val="visible"/>
+                                      </p:to>
+                                    </p:set>
+                                  </p:childTnLst>
+                                </p:cTn>
+                              </p:par>
+                              <p:par>
+                                <p:cTn id="23" presetID="1" presetClass="entr" presetSubtype="0" fill="hold" grpId="0" nodeType="withEffect">
+                                  <p:stCondLst>
+                                    <p:cond delay="0"/>
+                                  </p:stCondLst>
+                                  <p:childTnLst>
+                                    <p:set>
+                                      <p:cBhvr>
+                                        <p:cTn id="24" dur="1" fill="hold">
+                                          <p:stCondLst>
+                                            <p:cond delay="0"/>
+                                          </p:stCondLst>
+                                        </p:cTn>
+                                        <p:tgtEl>
+                                          <p:spTgt spid="3">
+                                            <p:txEl>
+                                              <p:pRg st="7" end="7"/>
+                                            </p:txEl>
+                                          </p:spTgt>
+                                        </p:tgtEl>
+                                        <p:attrNameLst>
+                                          <p:attrName>style.visibility</p:attrName>
+                                        </p:attrNameLst>
+                                      </p:cBhvr>
+                                      <p:to>
+                                        <p:strVal val="visible"/>
+                                      </p:to>
+                                    </p:set>
+                                  </p:childTnLst>
+                                </p:cTn>
+                              </p:par>
+                              <p:par>
+                                <p:cTn id="25" presetID="1" presetClass="entr" presetSubtype="0" fill="hold" grpId="0" nodeType="withEffect">
+                                  <p:stCondLst>
+                                    <p:cond delay="0"/>
+                                  </p:stCondLst>
+                                  <p:childTnLst>
+                                    <p:set>
+                                      <p:cBhvr>
+                                        <p:cTn id="26" dur="1" fill="hold">
+                                          <p:stCondLst>
+                                            <p:cond delay="0"/>
+                                          </p:stCondLst>
+                                        </p:cTn>
+                                        <p:tgtEl>
+                                          <p:spTgt spid="3">
+                                            <p:txEl>
+                                              <p:pRg st="8" end="8"/>
+                                            </p:txEl>
+                                          </p:spTgt>
+                                        </p:tgtEl>
+                                        <p:attrNameLst>
+                                          <p:attrName>style.visibility</p:attrName>
+                                        </p:attrNameLst>
+                                      </p:cBhvr>
+                                      <p:to>
+                                        <p:strVal val="visible"/>
+                                      </p:to>
+                                    </p:set>
+                                  </p:childTnLst>
+                                </p:cTn>
+                              </p:par>
+                            </p:childTnLst>
+                          </p:cTn>
+                        </p:par>
+                      </p:childTnLst>
+                    </p:cTn>
+                  </p:par>
+                </p:childTnLst>
+              </p:cTn>
+              <p:prevCondLst>
+                <p:cond evt="onPrev" delay="0">
+                  <p:tgtEl>
+                    <p:sldTgt/>
+                  </p:tgtEl>
+                </p:cond>
+              </p:prevCondLst>
+              <p:nextCondLst>
+                <p:cond evt="onNext" delay="0">
+                  <p:tgtEl>
+                    <p:sldTgt/>
+                  </p:tgtEl>
+                </p:cond>
+              </p:nextCondLst>
+            </p:seq>
+          </p:childTnLst>
+        </p:cTn>
+      </p:par>
+    </p:tnLst>
+    <p:bldLst>
+      <p:bldP spid="3" grpId="0" build="p"/>
+    </p:bldLst>
+  </p:timing>
 </p:sld>
 </file>
 
@@ -5590,6 +7065,310 @@
   <p:clrMapOvr>
     <a:masterClrMapping/>
   </p:clrMapOvr>
+  <p:timing>
+    <p:tnLst>
+      <p:par>
+        <p:cTn id="1" dur="indefinite" restart="never" nodeType="tmRoot">
+          <p:childTnLst>
+            <p:seq concurrent="1" nextAc="seek">
+              <p:cTn id="2" dur="indefinite" nodeType="mainSeq">
+                <p:childTnLst>
+                  <p:par>
+                    <p:cTn id="3" fill="hold">
+                      <p:stCondLst>
+                        <p:cond delay="indefinite"/>
+                      </p:stCondLst>
+                      <p:childTnLst>
+                        <p:par>
+                          <p:cTn id="4" fill="hold">
+                            <p:stCondLst>
+                              <p:cond delay="0"/>
+                            </p:stCondLst>
+                            <p:childTnLst>
+                              <p:par>
+                                <p:cTn id="5" presetID="1" presetClass="entr" presetSubtype="0" fill="hold" grpId="0" nodeType="clickEffect">
+                                  <p:stCondLst>
+                                    <p:cond delay="0"/>
+                                  </p:stCondLst>
+                                  <p:childTnLst>
+                                    <p:set>
+                                      <p:cBhvr>
+                                        <p:cTn id="6" dur="1" fill="hold">
+                                          <p:stCondLst>
+                                            <p:cond delay="0"/>
+                                          </p:stCondLst>
+                                        </p:cTn>
+                                        <p:tgtEl>
+                                          <p:spTgt spid="5">
+                                            <p:txEl>
+                                              <p:pRg st="0" end="0"/>
+                                            </p:txEl>
+                                          </p:spTgt>
+                                        </p:tgtEl>
+                                        <p:attrNameLst>
+                                          <p:attrName>style.visibility</p:attrName>
+                                        </p:attrNameLst>
+                                      </p:cBhvr>
+                                      <p:to>
+                                        <p:strVal val="visible"/>
+                                      </p:to>
+                                    </p:set>
+                                  </p:childTnLst>
+                                </p:cTn>
+                              </p:par>
+                            </p:childTnLst>
+                          </p:cTn>
+                        </p:par>
+                      </p:childTnLst>
+                    </p:cTn>
+                  </p:par>
+                  <p:par>
+                    <p:cTn id="7" fill="hold">
+                      <p:stCondLst>
+                        <p:cond delay="indefinite"/>
+                      </p:stCondLst>
+                      <p:childTnLst>
+                        <p:par>
+                          <p:cTn id="8" fill="hold">
+                            <p:stCondLst>
+                              <p:cond delay="0"/>
+                            </p:stCondLst>
+                            <p:childTnLst>
+                              <p:par>
+                                <p:cTn id="9" presetID="1" presetClass="entr" presetSubtype="0" fill="hold" grpId="0" nodeType="clickEffect">
+                                  <p:stCondLst>
+                                    <p:cond delay="0"/>
+                                  </p:stCondLst>
+                                  <p:childTnLst>
+                                    <p:set>
+                                      <p:cBhvr>
+                                        <p:cTn id="10" dur="1" fill="hold">
+                                          <p:stCondLst>
+                                            <p:cond delay="0"/>
+                                          </p:stCondLst>
+                                        </p:cTn>
+                                        <p:tgtEl>
+                                          <p:spTgt spid="5">
+                                            <p:txEl>
+                                              <p:pRg st="1" end="1"/>
+                                            </p:txEl>
+                                          </p:spTgt>
+                                        </p:tgtEl>
+                                        <p:attrNameLst>
+                                          <p:attrName>style.visibility</p:attrName>
+                                        </p:attrNameLst>
+                                      </p:cBhvr>
+                                      <p:to>
+                                        <p:strVal val="visible"/>
+                                      </p:to>
+                                    </p:set>
+                                  </p:childTnLst>
+                                </p:cTn>
+                              </p:par>
+                              <p:par>
+                                <p:cTn id="11" presetID="1" presetClass="entr" presetSubtype="0" fill="hold" grpId="0" nodeType="withEffect">
+                                  <p:stCondLst>
+                                    <p:cond delay="0"/>
+                                  </p:stCondLst>
+                                  <p:childTnLst>
+                                    <p:set>
+                                      <p:cBhvr>
+                                        <p:cTn id="12" dur="1" fill="hold">
+                                          <p:stCondLst>
+                                            <p:cond delay="0"/>
+                                          </p:stCondLst>
+                                        </p:cTn>
+                                        <p:tgtEl>
+                                          <p:spTgt spid="5">
+                                            <p:txEl>
+                                              <p:pRg st="2" end="2"/>
+                                            </p:txEl>
+                                          </p:spTgt>
+                                        </p:tgtEl>
+                                        <p:attrNameLst>
+                                          <p:attrName>style.visibility</p:attrName>
+                                        </p:attrNameLst>
+                                      </p:cBhvr>
+                                      <p:to>
+                                        <p:strVal val="visible"/>
+                                      </p:to>
+                                    </p:set>
+                                  </p:childTnLst>
+                                </p:cTn>
+                              </p:par>
+                              <p:par>
+                                <p:cTn id="13" presetID="1" presetClass="entr" presetSubtype="0" fill="hold" grpId="0" nodeType="withEffect">
+                                  <p:stCondLst>
+                                    <p:cond delay="0"/>
+                                  </p:stCondLst>
+                                  <p:childTnLst>
+                                    <p:set>
+                                      <p:cBhvr>
+                                        <p:cTn id="14" dur="1" fill="hold">
+                                          <p:stCondLst>
+                                            <p:cond delay="0"/>
+                                          </p:stCondLst>
+                                        </p:cTn>
+                                        <p:tgtEl>
+                                          <p:spTgt spid="5">
+                                            <p:txEl>
+                                              <p:pRg st="3" end="3"/>
+                                            </p:txEl>
+                                          </p:spTgt>
+                                        </p:tgtEl>
+                                        <p:attrNameLst>
+                                          <p:attrName>style.visibility</p:attrName>
+                                        </p:attrNameLst>
+                                      </p:cBhvr>
+                                      <p:to>
+                                        <p:strVal val="visible"/>
+                                      </p:to>
+                                    </p:set>
+                                  </p:childTnLst>
+                                </p:cTn>
+                              </p:par>
+                              <p:par>
+                                <p:cTn id="15" presetID="1" presetClass="entr" presetSubtype="0" fill="hold" grpId="0" nodeType="withEffect">
+                                  <p:stCondLst>
+                                    <p:cond delay="0"/>
+                                  </p:stCondLst>
+                                  <p:childTnLst>
+                                    <p:set>
+                                      <p:cBhvr>
+                                        <p:cTn id="16" dur="1" fill="hold">
+                                          <p:stCondLst>
+                                            <p:cond delay="0"/>
+                                          </p:stCondLst>
+                                        </p:cTn>
+                                        <p:tgtEl>
+                                          <p:spTgt spid="5">
+                                            <p:txEl>
+                                              <p:pRg st="4" end="4"/>
+                                            </p:txEl>
+                                          </p:spTgt>
+                                        </p:tgtEl>
+                                        <p:attrNameLst>
+                                          <p:attrName>style.visibility</p:attrName>
+                                        </p:attrNameLst>
+                                      </p:cBhvr>
+                                      <p:to>
+                                        <p:strVal val="visible"/>
+                                      </p:to>
+                                    </p:set>
+                                  </p:childTnLst>
+                                </p:cTn>
+                              </p:par>
+                              <p:par>
+                                <p:cTn id="17" presetID="1" presetClass="entr" presetSubtype="0" fill="hold" grpId="0" nodeType="withEffect">
+                                  <p:stCondLst>
+                                    <p:cond delay="0"/>
+                                  </p:stCondLst>
+                                  <p:childTnLst>
+                                    <p:set>
+                                      <p:cBhvr>
+                                        <p:cTn id="18" dur="1" fill="hold">
+                                          <p:stCondLst>
+                                            <p:cond delay="0"/>
+                                          </p:stCondLst>
+                                        </p:cTn>
+                                        <p:tgtEl>
+                                          <p:spTgt spid="5">
+                                            <p:txEl>
+                                              <p:pRg st="5" end="5"/>
+                                            </p:txEl>
+                                          </p:spTgt>
+                                        </p:tgtEl>
+                                        <p:attrNameLst>
+                                          <p:attrName>style.visibility</p:attrName>
+                                        </p:attrNameLst>
+                                      </p:cBhvr>
+                                      <p:to>
+                                        <p:strVal val="visible"/>
+                                      </p:to>
+                                    </p:set>
+                                  </p:childTnLst>
+                                </p:cTn>
+                              </p:par>
+                            </p:childTnLst>
+                          </p:cTn>
+                        </p:par>
+                      </p:childTnLst>
+                    </p:cTn>
+                  </p:par>
+                  <p:par>
+                    <p:cTn id="19" fill="hold">
+                      <p:stCondLst>
+                        <p:cond delay="indefinite"/>
+                      </p:stCondLst>
+                      <p:childTnLst>
+                        <p:par>
+                          <p:cTn id="20" fill="hold">
+                            <p:stCondLst>
+                              <p:cond delay="0"/>
+                            </p:stCondLst>
+                            <p:childTnLst>
+                              <p:par>
+                                <p:cTn id="21" presetID="1" presetClass="entr" presetSubtype="0" fill="hold" grpId="0" nodeType="clickEffect">
+                                  <p:stCondLst>
+                                    <p:cond delay="0"/>
+                                  </p:stCondLst>
+                                  <p:childTnLst>
+                                    <p:set>
+                                      <p:cBhvr>
+                                        <p:cTn id="22" dur="1" fill="hold">
+                                          <p:stCondLst>
+                                            <p:cond delay="0"/>
+                                          </p:stCondLst>
+                                        </p:cTn>
+                                        <p:tgtEl>
+                                          <p:spTgt spid="5">
+                                            <p:txEl>
+                                              <p:pRg st="6" end="6"/>
+                                            </p:txEl>
+                                          </p:spTgt>
+                                        </p:tgtEl>
+                                        <p:attrNameLst>
+                                          <p:attrName>style.visibility</p:attrName>
+                                        </p:attrNameLst>
+                                      </p:cBhvr>
+                                      <p:to>
+                                        <p:strVal val="visible"/>
+                                      </p:to>
+                                    </p:set>
+                                  </p:childTnLst>
+                                </p:cTn>
+                              </p:par>
+                            </p:childTnLst>
+                          </p:cTn>
+                        </p:par>
+                      </p:childTnLst>
+                    </p:cTn>
+                  </p:par>
+                </p:childTnLst>
+              </p:cTn>
+              <p:prevCondLst>
+                <p:cond evt="onPrev" delay="0">
+                  <p:tgtEl>
+                    <p:sldTgt/>
+                  </p:tgtEl>
+                </p:cond>
+              </p:prevCondLst>
+              <p:nextCondLst>
+                <p:cond evt="onNext" delay="0">
+                  <p:tgtEl>
+                    <p:sldTgt/>
+                  </p:tgtEl>
+                </p:cond>
+              </p:nextCondLst>
+            </p:seq>
+          </p:childTnLst>
+        </p:cTn>
+      </p:par>
+    </p:tnLst>
+    <p:bldLst>
+      <p:bldP spid="5" grpId="0" build="p"/>
+    </p:bldLst>
+  </p:timing>
 </p:sld>
 </file>
 
@@ -5736,6 +7515,266 @@
   <p:clrMapOvr>
     <a:masterClrMapping/>
   </p:clrMapOvr>
+  <p:timing>
+    <p:tnLst>
+      <p:par>
+        <p:cTn id="1" dur="indefinite" restart="never" nodeType="tmRoot">
+          <p:childTnLst>
+            <p:seq concurrent="1" nextAc="seek">
+              <p:cTn id="2" dur="indefinite" nodeType="mainSeq">
+                <p:childTnLst>
+                  <p:par>
+                    <p:cTn id="3" fill="hold">
+                      <p:stCondLst>
+                        <p:cond delay="indefinite"/>
+                      </p:stCondLst>
+                      <p:childTnLst>
+                        <p:par>
+                          <p:cTn id="4" fill="hold">
+                            <p:stCondLst>
+                              <p:cond delay="0"/>
+                            </p:stCondLst>
+                            <p:childTnLst>
+                              <p:par>
+                                <p:cTn id="5" presetID="1" presetClass="entr" presetSubtype="0" fill="hold" grpId="0" nodeType="clickEffect">
+                                  <p:stCondLst>
+                                    <p:cond delay="0"/>
+                                  </p:stCondLst>
+                                  <p:childTnLst>
+                                    <p:set>
+                                      <p:cBhvr>
+                                        <p:cTn id="6" dur="1" fill="hold">
+                                          <p:stCondLst>
+                                            <p:cond delay="0"/>
+                                          </p:stCondLst>
+                                        </p:cTn>
+                                        <p:tgtEl>
+                                          <p:spTgt spid="3">
+                                            <p:txEl>
+                                              <p:pRg st="0" end="0"/>
+                                            </p:txEl>
+                                          </p:spTgt>
+                                        </p:tgtEl>
+                                        <p:attrNameLst>
+                                          <p:attrName>style.visibility</p:attrName>
+                                        </p:attrNameLst>
+                                      </p:cBhvr>
+                                      <p:to>
+                                        <p:strVal val="visible"/>
+                                      </p:to>
+                                    </p:set>
+                                  </p:childTnLst>
+                                </p:cTn>
+                              </p:par>
+                            </p:childTnLst>
+                          </p:cTn>
+                        </p:par>
+                      </p:childTnLst>
+                    </p:cTn>
+                  </p:par>
+                  <p:par>
+                    <p:cTn id="7" fill="hold">
+                      <p:stCondLst>
+                        <p:cond delay="indefinite"/>
+                      </p:stCondLst>
+                      <p:childTnLst>
+                        <p:par>
+                          <p:cTn id="8" fill="hold">
+                            <p:stCondLst>
+                              <p:cond delay="0"/>
+                            </p:stCondLst>
+                            <p:childTnLst>
+                              <p:par>
+                                <p:cTn id="9" presetID="1" presetClass="entr" presetSubtype="0" fill="hold" grpId="0" nodeType="clickEffect">
+                                  <p:stCondLst>
+                                    <p:cond delay="0"/>
+                                  </p:stCondLst>
+                                  <p:childTnLst>
+                                    <p:set>
+                                      <p:cBhvr>
+                                        <p:cTn id="10" dur="1" fill="hold">
+                                          <p:stCondLst>
+                                            <p:cond delay="0"/>
+                                          </p:stCondLst>
+                                        </p:cTn>
+                                        <p:tgtEl>
+                                          <p:spTgt spid="3">
+                                            <p:txEl>
+                                              <p:pRg st="1" end="1"/>
+                                            </p:txEl>
+                                          </p:spTgt>
+                                        </p:tgtEl>
+                                        <p:attrNameLst>
+                                          <p:attrName>style.visibility</p:attrName>
+                                        </p:attrNameLst>
+                                      </p:cBhvr>
+                                      <p:to>
+                                        <p:strVal val="visible"/>
+                                      </p:to>
+                                    </p:set>
+                                  </p:childTnLst>
+                                </p:cTn>
+                              </p:par>
+                            </p:childTnLst>
+                          </p:cTn>
+                        </p:par>
+                      </p:childTnLst>
+                    </p:cTn>
+                  </p:par>
+                  <p:par>
+                    <p:cTn id="11" fill="hold">
+                      <p:stCondLst>
+                        <p:cond delay="indefinite"/>
+                      </p:stCondLst>
+                      <p:childTnLst>
+                        <p:par>
+                          <p:cTn id="12" fill="hold">
+                            <p:stCondLst>
+                              <p:cond delay="0"/>
+                            </p:stCondLst>
+                            <p:childTnLst>
+                              <p:par>
+                                <p:cTn id="13" presetID="1" presetClass="entr" presetSubtype="0" fill="hold" grpId="0" nodeType="clickEffect">
+                                  <p:stCondLst>
+                                    <p:cond delay="0"/>
+                                  </p:stCondLst>
+                                  <p:childTnLst>
+                                    <p:set>
+                                      <p:cBhvr>
+                                        <p:cTn id="14" dur="1" fill="hold">
+                                          <p:stCondLst>
+                                            <p:cond delay="0"/>
+                                          </p:stCondLst>
+                                        </p:cTn>
+                                        <p:tgtEl>
+                                          <p:spTgt spid="3">
+                                            <p:txEl>
+                                              <p:pRg st="2" end="2"/>
+                                            </p:txEl>
+                                          </p:spTgt>
+                                        </p:tgtEl>
+                                        <p:attrNameLst>
+                                          <p:attrName>style.visibility</p:attrName>
+                                        </p:attrNameLst>
+                                      </p:cBhvr>
+                                      <p:to>
+                                        <p:strVal val="visible"/>
+                                      </p:to>
+                                    </p:set>
+                                  </p:childTnLst>
+                                </p:cTn>
+                              </p:par>
+                            </p:childTnLst>
+                          </p:cTn>
+                        </p:par>
+                      </p:childTnLst>
+                    </p:cTn>
+                  </p:par>
+                  <p:par>
+                    <p:cTn id="15" fill="hold">
+                      <p:stCondLst>
+                        <p:cond delay="indefinite"/>
+                      </p:stCondLst>
+                      <p:childTnLst>
+                        <p:par>
+                          <p:cTn id="16" fill="hold">
+                            <p:stCondLst>
+                              <p:cond delay="0"/>
+                            </p:stCondLst>
+                            <p:childTnLst>
+                              <p:par>
+                                <p:cTn id="17" presetID="1" presetClass="entr" presetSubtype="0" fill="hold" grpId="0" nodeType="clickEffect">
+                                  <p:stCondLst>
+                                    <p:cond delay="0"/>
+                                  </p:stCondLst>
+                                  <p:childTnLst>
+                                    <p:set>
+                                      <p:cBhvr>
+                                        <p:cTn id="18" dur="1" fill="hold">
+                                          <p:stCondLst>
+                                            <p:cond delay="0"/>
+                                          </p:stCondLst>
+                                        </p:cTn>
+                                        <p:tgtEl>
+                                          <p:spTgt spid="3">
+                                            <p:txEl>
+                                              <p:pRg st="3" end="3"/>
+                                            </p:txEl>
+                                          </p:spTgt>
+                                        </p:tgtEl>
+                                        <p:attrNameLst>
+                                          <p:attrName>style.visibility</p:attrName>
+                                        </p:attrNameLst>
+                                      </p:cBhvr>
+                                      <p:to>
+                                        <p:strVal val="visible"/>
+                                      </p:to>
+                                    </p:set>
+                                  </p:childTnLst>
+                                </p:cTn>
+                              </p:par>
+                              <p:par>
+                                <p:cTn id="19" presetID="1" presetClass="entr" presetSubtype="0" fill="hold" grpId="0" nodeType="withEffect">
+                                  <p:stCondLst>
+                                    <p:cond delay="0"/>
+                                  </p:stCondLst>
+                                  <p:childTnLst>
+                                    <p:set>
+                                      <p:cBhvr>
+                                        <p:cTn id="20" dur="1" fill="hold">
+                                          <p:stCondLst>
+                                            <p:cond delay="0"/>
+                                          </p:stCondLst>
+                                        </p:cTn>
+                                        <p:tgtEl>
+                                          <p:spTgt spid="3">
+                                            <p:txEl>
+                                              <p:pRg st="4" end="4"/>
+                                            </p:txEl>
+                                          </p:spTgt>
+                                        </p:tgtEl>
+                                        <p:attrNameLst>
+                                          <p:attrName>style.visibility</p:attrName>
+                                        </p:attrNameLst>
+                                      </p:cBhvr>
+                                      <p:to>
+                                        <p:strVal val="visible"/>
+                                      </p:to>
+                                    </p:set>
+                                  </p:childTnLst>
+                                </p:cTn>
+                              </p:par>
+                            </p:childTnLst>
+                          </p:cTn>
+                        </p:par>
+                      </p:childTnLst>
+                    </p:cTn>
+                  </p:par>
+                </p:childTnLst>
+              </p:cTn>
+              <p:prevCondLst>
+                <p:cond evt="onPrev" delay="0">
+                  <p:tgtEl>
+                    <p:sldTgt/>
+                  </p:tgtEl>
+                </p:cond>
+              </p:prevCondLst>
+              <p:nextCondLst>
+                <p:cond evt="onNext" delay="0">
+                  <p:tgtEl>
+                    <p:sldTgt/>
+                  </p:tgtEl>
+                </p:cond>
+              </p:nextCondLst>
+            </p:seq>
+          </p:childTnLst>
+        </p:cTn>
+      </p:par>
+    </p:tnLst>
+    <p:bldLst>
+      <p:bldP spid="3" grpId="0" build="p"/>
+    </p:bldLst>
+  </p:timing>
 </p:sld>
 </file>
 
@@ -5885,6 +7924,217 @@
   <p:clrMapOvr>
     <a:masterClrMapping/>
   </p:clrMapOvr>
+  <p:timing>
+    <p:tnLst>
+      <p:par>
+        <p:cTn id="1" dur="indefinite" restart="never" nodeType="tmRoot">
+          <p:childTnLst>
+            <p:seq concurrent="1" nextAc="seek">
+              <p:cTn id="2" dur="indefinite" nodeType="mainSeq">
+                <p:childTnLst>
+                  <p:par>
+                    <p:cTn id="3" fill="hold">
+                      <p:stCondLst>
+                        <p:cond delay="indefinite"/>
+                      </p:stCondLst>
+                      <p:childTnLst>
+                        <p:par>
+                          <p:cTn id="4" fill="hold">
+                            <p:stCondLst>
+                              <p:cond delay="0"/>
+                            </p:stCondLst>
+                            <p:childTnLst>
+                              <p:par>
+                                <p:cTn id="5" presetID="1" presetClass="entr" presetSubtype="0" fill="hold" grpId="0" nodeType="clickEffect">
+                                  <p:stCondLst>
+                                    <p:cond delay="0"/>
+                                  </p:stCondLst>
+                                  <p:childTnLst>
+                                    <p:set>
+                                      <p:cBhvr>
+                                        <p:cTn id="6" dur="1" fill="hold">
+                                          <p:stCondLst>
+                                            <p:cond delay="0"/>
+                                          </p:stCondLst>
+                                        </p:cTn>
+                                        <p:tgtEl>
+                                          <p:spTgt spid="3">
+                                            <p:txEl>
+                                              <p:pRg st="0" end="0"/>
+                                            </p:txEl>
+                                          </p:spTgt>
+                                        </p:tgtEl>
+                                        <p:attrNameLst>
+                                          <p:attrName>style.visibility</p:attrName>
+                                        </p:attrNameLst>
+                                      </p:cBhvr>
+                                      <p:to>
+                                        <p:strVal val="visible"/>
+                                      </p:to>
+                                    </p:set>
+                                  </p:childTnLst>
+                                </p:cTn>
+                              </p:par>
+                            </p:childTnLst>
+                          </p:cTn>
+                        </p:par>
+                      </p:childTnLst>
+                    </p:cTn>
+                  </p:par>
+                  <p:par>
+                    <p:cTn id="7" fill="hold">
+                      <p:stCondLst>
+                        <p:cond delay="indefinite"/>
+                      </p:stCondLst>
+                      <p:childTnLst>
+                        <p:par>
+                          <p:cTn id="8" fill="hold">
+                            <p:stCondLst>
+                              <p:cond delay="0"/>
+                            </p:stCondLst>
+                            <p:childTnLst>
+                              <p:par>
+                                <p:cTn id="9" presetID="1" presetClass="entr" presetSubtype="0" fill="hold" grpId="0" nodeType="clickEffect">
+                                  <p:stCondLst>
+                                    <p:cond delay="0"/>
+                                  </p:stCondLst>
+                                  <p:childTnLst>
+                                    <p:set>
+                                      <p:cBhvr>
+                                        <p:cTn id="10" dur="1" fill="hold">
+                                          <p:stCondLst>
+                                            <p:cond delay="0"/>
+                                          </p:stCondLst>
+                                        </p:cTn>
+                                        <p:tgtEl>
+                                          <p:spTgt spid="3">
+                                            <p:txEl>
+                                              <p:pRg st="1" end="1"/>
+                                            </p:txEl>
+                                          </p:spTgt>
+                                        </p:tgtEl>
+                                        <p:attrNameLst>
+                                          <p:attrName>style.visibility</p:attrName>
+                                        </p:attrNameLst>
+                                      </p:cBhvr>
+                                      <p:to>
+                                        <p:strVal val="visible"/>
+                                      </p:to>
+                                    </p:set>
+                                  </p:childTnLst>
+                                </p:cTn>
+                              </p:par>
+                            </p:childTnLst>
+                          </p:cTn>
+                        </p:par>
+                      </p:childTnLst>
+                    </p:cTn>
+                  </p:par>
+                  <p:par>
+                    <p:cTn id="11" fill="hold">
+                      <p:stCondLst>
+                        <p:cond delay="indefinite"/>
+                      </p:stCondLst>
+                      <p:childTnLst>
+                        <p:par>
+                          <p:cTn id="12" fill="hold">
+                            <p:stCondLst>
+                              <p:cond delay="0"/>
+                            </p:stCondLst>
+                            <p:childTnLst>
+                              <p:par>
+                                <p:cTn id="13" presetID="1" presetClass="entr" presetSubtype="0" fill="hold" grpId="0" nodeType="clickEffect">
+                                  <p:stCondLst>
+                                    <p:cond delay="0"/>
+                                  </p:stCondLst>
+                                  <p:childTnLst>
+                                    <p:set>
+                                      <p:cBhvr>
+                                        <p:cTn id="14" dur="1" fill="hold">
+                                          <p:stCondLst>
+                                            <p:cond delay="0"/>
+                                          </p:stCondLst>
+                                        </p:cTn>
+                                        <p:tgtEl>
+                                          <p:spTgt spid="3">
+                                            <p:txEl>
+                                              <p:pRg st="2" end="2"/>
+                                            </p:txEl>
+                                          </p:spTgt>
+                                        </p:tgtEl>
+                                        <p:attrNameLst>
+                                          <p:attrName>style.visibility</p:attrName>
+                                        </p:attrNameLst>
+                                      </p:cBhvr>
+                                      <p:to>
+                                        <p:strVal val="visible"/>
+                                      </p:to>
+                                    </p:set>
+                                  </p:childTnLst>
+                                </p:cTn>
+                              </p:par>
+                              <p:par>
+                                <p:cTn id="15" presetID="1" presetClass="entr" presetSubtype="0" fill="hold" grpId="0" nodeType="withEffect">
+                                  <p:stCondLst>
+                                    <p:cond delay="0"/>
+                                  </p:stCondLst>
+                                  <p:childTnLst>
+                                    <p:set>
+                                      <p:cBhvr>
+                                        <p:cTn id="16" dur="1" fill="hold">
+                                          <p:stCondLst>
+                                            <p:cond delay="0"/>
+                                          </p:stCondLst>
+                                        </p:cTn>
+                                        <p:tgtEl>
+                                          <p:spTgt spid="3">
+                                            <p:txEl>
+                                              <p:pRg st="3" end="3"/>
+                                            </p:txEl>
+                                          </p:spTgt>
+                                        </p:tgtEl>
+                                        <p:attrNameLst>
+                                          <p:attrName>style.visibility</p:attrName>
+                                        </p:attrNameLst>
+                                      </p:cBhvr>
+                                      <p:to>
+                                        <p:strVal val="visible"/>
+                                      </p:to>
+                                    </p:set>
+                                  </p:childTnLst>
+                                </p:cTn>
+                              </p:par>
+                            </p:childTnLst>
+                          </p:cTn>
+                        </p:par>
+                      </p:childTnLst>
+                    </p:cTn>
+                  </p:par>
+                </p:childTnLst>
+              </p:cTn>
+              <p:prevCondLst>
+                <p:cond evt="onPrev" delay="0">
+                  <p:tgtEl>
+                    <p:sldTgt/>
+                  </p:tgtEl>
+                </p:cond>
+              </p:prevCondLst>
+              <p:nextCondLst>
+                <p:cond evt="onNext" delay="0">
+                  <p:tgtEl>
+                    <p:sldTgt/>
+                  </p:tgtEl>
+                </p:cond>
+              </p:nextCondLst>
+            </p:seq>
+          </p:childTnLst>
+        </p:cTn>
+      </p:par>
+    </p:tnLst>
+    <p:bldLst>
+      <p:bldP spid="3" grpId="0" build="p"/>
+    </p:bldLst>
+  </p:timing>
 </p:sld>
 </file>
 
@@ -6226,6 +8476,305 @@
   <p:clrMapOvr>
     <a:masterClrMapping/>
   </p:clrMapOvr>
+  <p:timing>
+    <p:tnLst>
+      <p:par>
+        <p:cTn id="1" dur="indefinite" restart="never" nodeType="tmRoot">
+          <p:childTnLst>
+            <p:seq concurrent="1" nextAc="seek">
+              <p:cTn id="2" dur="indefinite" nodeType="mainSeq">
+                <p:childTnLst>
+                  <p:par>
+                    <p:cTn id="3" fill="hold">
+                      <p:stCondLst>
+                        <p:cond delay="indefinite"/>
+                      </p:stCondLst>
+                      <p:childTnLst>
+                        <p:par>
+                          <p:cTn id="4" fill="hold">
+                            <p:stCondLst>
+                              <p:cond delay="0"/>
+                            </p:stCondLst>
+                            <p:childTnLst>
+                              <p:par>
+                                <p:cTn id="5" presetID="1" presetClass="entr" presetSubtype="0" fill="hold" grpId="0" nodeType="clickEffect">
+                                  <p:stCondLst>
+                                    <p:cond delay="0"/>
+                                  </p:stCondLst>
+                                  <p:childTnLst>
+                                    <p:set>
+                                      <p:cBhvr>
+                                        <p:cTn id="6" dur="1" fill="hold">
+                                          <p:stCondLst>
+                                            <p:cond delay="0"/>
+                                          </p:stCondLst>
+                                        </p:cTn>
+                                        <p:tgtEl>
+                                          <p:spTgt spid="3">
+                                            <p:txEl>
+                                              <p:pRg st="0" end="0"/>
+                                            </p:txEl>
+                                          </p:spTgt>
+                                        </p:tgtEl>
+                                        <p:attrNameLst>
+                                          <p:attrName>style.visibility</p:attrName>
+                                        </p:attrNameLst>
+                                      </p:cBhvr>
+                                      <p:to>
+                                        <p:strVal val="visible"/>
+                                      </p:to>
+                                    </p:set>
+                                  </p:childTnLst>
+                                </p:cTn>
+                              </p:par>
+                              <p:par>
+                                <p:cTn id="7" presetID="1" presetClass="entr" presetSubtype="0" fill="hold" grpId="0" nodeType="withEffect">
+                                  <p:stCondLst>
+                                    <p:cond delay="0"/>
+                                  </p:stCondLst>
+                                  <p:childTnLst>
+                                    <p:set>
+                                      <p:cBhvr>
+                                        <p:cTn id="8" dur="1" fill="hold">
+                                          <p:stCondLst>
+                                            <p:cond delay="0"/>
+                                          </p:stCondLst>
+                                        </p:cTn>
+                                        <p:tgtEl>
+                                          <p:spTgt spid="3">
+                                            <p:txEl>
+                                              <p:pRg st="1" end="1"/>
+                                            </p:txEl>
+                                          </p:spTgt>
+                                        </p:tgtEl>
+                                        <p:attrNameLst>
+                                          <p:attrName>style.visibility</p:attrName>
+                                        </p:attrNameLst>
+                                      </p:cBhvr>
+                                      <p:to>
+                                        <p:strVal val="visible"/>
+                                      </p:to>
+                                    </p:set>
+                                  </p:childTnLst>
+                                </p:cTn>
+                              </p:par>
+                              <p:par>
+                                <p:cTn id="9" presetID="1" presetClass="entr" presetSubtype="0" fill="hold" grpId="0" nodeType="withEffect">
+                                  <p:stCondLst>
+                                    <p:cond delay="0"/>
+                                  </p:stCondLst>
+                                  <p:childTnLst>
+                                    <p:set>
+                                      <p:cBhvr>
+                                        <p:cTn id="10" dur="1" fill="hold">
+                                          <p:stCondLst>
+                                            <p:cond delay="0"/>
+                                          </p:stCondLst>
+                                        </p:cTn>
+                                        <p:tgtEl>
+                                          <p:spTgt spid="3">
+                                            <p:txEl>
+                                              <p:pRg st="2" end="2"/>
+                                            </p:txEl>
+                                          </p:spTgt>
+                                        </p:tgtEl>
+                                        <p:attrNameLst>
+                                          <p:attrName>style.visibility</p:attrName>
+                                        </p:attrNameLst>
+                                      </p:cBhvr>
+                                      <p:to>
+                                        <p:strVal val="visible"/>
+                                      </p:to>
+                                    </p:set>
+                                  </p:childTnLst>
+                                </p:cTn>
+                              </p:par>
+                              <p:par>
+                                <p:cTn id="11" presetID="1" presetClass="entr" presetSubtype="0" fill="hold" grpId="0" nodeType="withEffect">
+                                  <p:stCondLst>
+                                    <p:cond delay="0"/>
+                                  </p:stCondLst>
+                                  <p:childTnLst>
+                                    <p:set>
+                                      <p:cBhvr>
+                                        <p:cTn id="12" dur="1" fill="hold">
+                                          <p:stCondLst>
+                                            <p:cond delay="0"/>
+                                          </p:stCondLst>
+                                        </p:cTn>
+                                        <p:tgtEl>
+                                          <p:spTgt spid="3">
+                                            <p:txEl>
+                                              <p:pRg st="3" end="3"/>
+                                            </p:txEl>
+                                          </p:spTgt>
+                                        </p:tgtEl>
+                                        <p:attrNameLst>
+                                          <p:attrName>style.visibility</p:attrName>
+                                        </p:attrNameLst>
+                                      </p:cBhvr>
+                                      <p:to>
+                                        <p:strVal val="visible"/>
+                                      </p:to>
+                                    </p:set>
+                                  </p:childTnLst>
+                                </p:cTn>
+                              </p:par>
+                              <p:par>
+                                <p:cTn id="13" presetID="1" presetClass="entr" presetSubtype="0" fill="hold" grpId="0" nodeType="withEffect">
+                                  <p:stCondLst>
+                                    <p:cond delay="0"/>
+                                  </p:stCondLst>
+                                  <p:childTnLst>
+                                    <p:set>
+                                      <p:cBhvr>
+                                        <p:cTn id="14" dur="1" fill="hold">
+                                          <p:stCondLst>
+                                            <p:cond delay="0"/>
+                                          </p:stCondLst>
+                                        </p:cTn>
+                                        <p:tgtEl>
+                                          <p:spTgt spid="3">
+                                            <p:txEl>
+                                              <p:pRg st="4" end="4"/>
+                                            </p:txEl>
+                                          </p:spTgt>
+                                        </p:tgtEl>
+                                        <p:attrNameLst>
+                                          <p:attrName>style.visibility</p:attrName>
+                                        </p:attrNameLst>
+                                      </p:cBhvr>
+                                      <p:to>
+                                        <p:strVal val="visible"/>
+                                      </p:to>
+                                    </p:set>
+                                  </p:childTnLst>
+                                </p:cTn>
+                              </p:par>
+                              <p:par>
+                                <p:cTn id="15" presetID="1" presetClass="entr" presetSubtype="0" fill="hold" grpId="0" nodeType="withEffect">
+                                  <p:stCondLst>
+                                    <p:cond delay="0"/>
+                                  </p:stCondLst>
+                                  <p:childTnLst>
+                                    <p:set>
+                                      <p:cBhvr>
+                                        <p:cTn id="16" dur="1" fill="hold">
+                                          <p:stCondLst>
+                                            <p:cond delay="0"/>
+                                          </p:stCondLst>
+                                        </p:cTn>
+                                        <p:tgtEl>
+                                          <p:spTgt spid="3">
+                                            <p:txEl>
+                                              <p:pRg st="5" end="5"/>
+                                            </p:txEl>
+                                          </p:spTgt>
+                                        </p:tgtEl>
+                                        <p:attrNameLst>
+                                          <p:attrName>style.visibility</p:attrName>
+                                        </p:attrNameLst>
+                                      </p:cBhvr>
+                                      <p:to>
+                                        <p:strVal val="visible"/>
+                                      </p:to>
+                                    </p:set>
+                                  </p:childTnLst>
+                                </p:cTn>
+                              </p:par>
+                              <p:par>
+                                <p:cTn id="17" presetID="1" presetClass="entr" presetSubtype="0" fill="hold" grpId="0" nodeType="withEffect">
+                                  <p:stCondLst>
+                                    <p:cond delay="0"/>
+                                  </p:stCondLst>
+                                  <p:childTnLst>
+                                    <p:set>
+                                      <p:cBhvr>
+                                        <p:cTn id="18" dur="1" fill="hold">
+                                          <p:stCondLst>
+                                            <p:cond delay="0"/>
+                                          </p:stCondLst>
+                                        </p:cTn>
+                                        <p:tgtEl>
+                                          <p:spTgt spid="3">
+                                            <p:txEl>
+                                              <p:pRg st="6" end="6"/>
+                                            </p:txEl>
+                                          </p:spTgt>
+                                        </p:tgtEl>
+                                        <p:attrNameLst>
+                                          <p:attrName>style.visibility</p:attrName>
+                                        </p:attrNameLst>
+                                      </p:cBhvr>
+                                      <p:to>
+                                        <p:strVal val="visible"/>
+                                      </p:to>
+                                    </p:set>
+                                  </p:childTnLst>
+                                </p:cTn>
+                              </p:par>
+                              <p:par>
+                                <p:cTn id="19" presetID="1" presetClass="entr" presetSubtype="0" fill="hold" grpId="0" nodeType="withEffect">
+                                  <p:stCondLst>
+                                    <p:cond delay="0"/>
+                                  </p:stCondLst>
+                                  <p:childTnLst>
+                                    <p:set>
+                                      <p:cBhvr>
+                                        <p:cTn id="20" dur="1" fill="hold">
+                                          <p:stCondLst>
+                                            <p:cond delay="0"/>
+                                          </p:stCondLst>
+                                        </p:cTn>
+                                        <p:tgtEl>
+                                          <p:spTgt spid="3">
+                                            <p:txEl>
+                                              <p:pRg st="7" end="7"/>
+                                            </p:txEl>
+                                          </p:spTgt>
+                                        </p:tgtEl>
+                                        <p:attrNameLst>
+                                          <p:attrName>style.visibility</p:attrName>
+                                        </p:attrNameLst>
+                                      </p:cBhvr>
+                                      <p:to>
+                                        <p:strVal val="visible"/>
+                                      </p:to>
+                                    </p:set>
+                                  </p:childTnLst>
+                                </p:cTn>
+                              </p:par>
+                            </p:childTnLst>
+                          </p:cTn>
+                        </p:par>
+                      </p:childTnLst>
+                    </p:cTn>
+                  </p:par>
+                </p:childTnLst>
+              </p:cTn>
+              <p:prevCondLst>
+                <p:cond evt="onPrev" delay="0">
+                  <p:tgtEl>
+                    <p:sldTgt/>
+                  </p:tgtEl>
+                </p:cond>
+              </p:prevCondLst>
+              <p:nextCondLst>
+                <p:cond evt="onNext" delay="0">
+                  <p:tgtEl>
+                    <p:sldTgt/>
+                  </p:tgtEl>
+                </p:cond>
+              </p:nextCondLst>
+            </p:seq>
+          </p:childTnLst>
+        </p:cTn>
+      </p:par>
+    </p:tnLst>
+    <p:bldLst>
+      <p:bldP spid="3" grpId="0" build="p"/>
+    </p:bldLst>
+  </p:timing>
 </p:sld>
 </file>
 
@@ -6349,6 +8898,230 @@
   <p:clrMapOvr>
     <a:masterClrMapping/>
   </p:clrMapOvr>
+  <p:timing>
+    <p:tnLst>
+      <p:par>
+        <p:cTn id="1" dur="indefinite" restart="never" nodeType="tmRoot">
+          <p:childTnLst>
+            <p:seq concurrent="1" nextAc="seek">
+              <p:cTn id="2" dur="indefinite" nodeType="mainSeq">
+                <p:childTnLst>
+                  <p:par>
+                    <p:cTn id="3" fill="hold">
+                      <p:stCondLst>
+                        <p:cond delay="indefinite"/>
+                      </p:stCondLst>
+                      <p:childTnLst>
+                        <p:par>
+                          <p:cTn id="4" fill="hold">
+                            <p:stCondLst>
+                              <p:cond delay="0"/>
+                            </p:stCondLst>
+                            <p:childTnLst>
+                              <p:par>
+                                <p:cTn id="5" presetID="1" presetClass="entr" presetSubtype="0" fill="hold" grpId="0" nodeType="clickEffect">
+                                  <p:stCondLst>
+                                    <p:cond delay="0"/>
+                                  </p:stCondLst>
+                                  <p:childTnLst>
+                                    <p:set>
+                                      <p:cBhvr>
+                                        <p:cTn id="6" dur="1" fill="hold">
+                                          <p:stCondLst>
+                                            <p:cond delay="0"/>
+                                          </p:stCondLst>
+                                        </p:cTn>
+                                        <p:tgtEl>
+                                          <p:spTgt spid="3">
+                                            <p:txEl>
+                                              <p:pRg st="0" end="0"/>
+                                            </p:txEl>
+                                          </p:spTgt>
+                                        </p:tgtEl>
+                                        <p:attrNameLst>
+                                          <p:attrName>style.visibility</p:attrName>
+                                        </p:attrNameLst>
+                                      </p:cBhvr>
+                                      <p:to>
+                                        <p:strVal val="visible"/>
+                                      </p:to>
+                                    </p:set>
+                                  </p:childTnLst>
+                                </p:cTn>
+                              </p:par>
+                              <p:par>
+                                <p:cTn id="7" presetID="1" presetClass="entr" presetSubtype="0" fill="hold" grpId="0" nodeType="withEffect">
+                                  <p:stCondLst>
+                                    <p:cond delay="0"/>
+                                  </p:stCondLst>
+                                  <p:childTnLst>
+                                    <p:set>
+                                      <p:cBhvr>
+                                        <p:cTn id="8" dur="1" fill="hold">
+                                          <p:stCondLst>
+                                            <p:cond delay="0"/>
+                                          </p:stCondLst>
+                                        </p:cTn>
+                                        <p:tgtEl>
+                                          <p:spTgt spid="3">
+                                            <p:txEl>
+                                              <p:pRg st="1" end="1"/>
+                                            </p:txEl>
+                                          </p:spTgt>
+                                        </p:tgtEl>
+                                        <p:attrNameLst>
+                                          <p:attrName>style.visibility</p:attrName>
+                                        </p:attrNameLst>
+                                      </p:cBhvr>
+                                      <p:to>
+                                        <p:strVal val="visible"/>
+                                      </p:to>
+                                    </p:set>
+                                  </p:childTnLst>
+                                </p:cTn>
+                              </p:par>
+                              <p:par>
+                                <p:cTn id="9" presetID="1" presetClass="entr" presetSubtype="0" fill="hold" grpId="0" nodeType="withEffect">
+                                  <p:stCondLst>
+                                    <p:cond delay="0"/>
+                                  </p:stCondLst>
+                                  <p:childTnLst>
+                                    <p:set>
+                                      <p:cBhvr>
+                                        <p:cTn id="10" dur="1" fill="hold">
+                                          <p:stCondLst>
+                                            <p:cond delay="0"/>
+                                          </p:stCondLst>
+                                        </p:cTn>
+                                        <p:tgtEl>
+                                          <p:spTgt spid="3">
+                                            <p:txEl>
+                                              <p:pRg st="2" end="2"/>
+                                            </p:txEl>
+                                          </p:spTgt>
+                                        </p:tgtEl>
+                                        <p:attrNameLst>
+                                          <p:attrName>style.visibility</p:attrName>
+                                        </p:attrNameLst>
+                                      </p:cBhvr>
+                                      <p:to>
+                                        <p:strVal val="visible"/>
+                                      </p:to>
+                                    </p:set>
+                                  </p:childTnLst>
+                                </p:cTn>
+                              </p:par>
+                            </p:childTnLst>
+                          </p:cTn>
+                        </p:par>
+                      </p:childTnLst>
+                    </p:cTn>
+                  </p:par>
+                  <p:par>
+                    <p:cTn id="11" fill="hold">
+                      <p:stCondLst>
+                        <p:cond delay="indefinite"/>
+                      </p:stCondLst>
+                      <p:childTnLst>
+                        <p:par>
+                          <p:cTn id="12" fill="hold">
+                            <p:stCondLst>
+                              <p:cond delay="0"/>
+                            </p:stCondLst>
+                            <p:childTnLst>
+                              <p:par>
+                                <p:cTn id="13" presetID="1" presetClass="entr" presetSubtype="0" fill="hold" grpId="0" nodeType="clickEffect">
+                                  <p:stCondLst>
+                                    <p:cond delay="0"/>
+                                  </p:stCondLst>
+                                  <p:childTnLst>
+                                    <p:set>
+                                      <p:cBhvr>
+                                        <p:cTn id="14" dur="1" fill="hold">
+                                          <p:stCondLst>
+                                            <p:cond delay="0"/>
+                                          </p:stCondLst>
+                                        </p:cTn>
+                                        <p:tgtEl>
+                                          <p:spTgt spid="3">
+                                            <p:txEl>
+                                              <p:pRg st="3" end="3"/>
+                                            </p:txEl>
+                                          </p:spTgt>
+                                        </p:tgtEl>
+                                        <p:attrNameLst>
+                                          <p:attrName>style.visibility</p:attrName>
+                                        </p:attrNameLst>
+                                      </p:cBhvr>
+                                      <p:to>
+                                        <p:strVal val="visible"/>
+                                      </p:to>
+                                    </p:set>
+                                  </p:childTnLst>
+                                </p:cTn>
+                              </p:par>
+                              <p:par>
+                                <p:cTn id="15" presetID="1" presetClass="entr" presetSubtype="0" fill="hold" grpId="0" nodeType="withEffect">
+                                  <p:stCondLst>
+                                    <p:cond delay="0"/>
+                                  </p:stCondLst>
+                                  <p:childTnLst>
+                                    <p:set>
+                                      <p:cBhvr>
+                                        <p:cTn id="16" dur="1" fill="hold">
+                                          <p:stCondLst>
+                                            <p:cond delay="0"/>
+                                          </p:stCondLst>
+                                        </p:cTn>
+                                        <p:tgtEl>
+                                          <p:spTgt spid="3">
+                                            <p:txEl>
+                                              <p:pRg st="4" end="4"/>
+                                            </p:txEl>
+                                          </p:spTgt>
+                                        </p:tgtEl>
+                                        <p:attrNameLst>
+                                          <p:attrName>style.visibility</p:attrName>
+                                        </p:attrNameLst>
+                                      </p:cBhvr>
+                                      <p:to>
+                                        <p:strVal val="visible"/>
+                                      </p:to>
+                                    </p:set>
+                                  </p:childTnLst>
+                                </p:cTn>
+                              </p:par>
+                            </p:childTnLst>
+                          </p:cTn>
+                        </p:par>
+                      </p:childTnLst>
+                    </p:cTn>
+                  </p:par>
+                </p:childTnLst>
+              </p:cTn>
+              <p:prevCondLst>
+                <p:cond evt="onPrev" delay="0">
+                  <p:tgtEl>
+                    <p:sldTgt/>
+                  </p:tgtEl>
+                </p:cond>
+              </p:prevCondLst>
+              <p:nextCondLst>
+                <p:cond evt="onNext" delay="0">
+                  <p:tgtEl>
+                    <p:sldTgt/>
+                  </p:tgtEl>
+                </p:cond>
+              </p:nextCondLst>
+            </p:seq>
+          </p:childTnLst>
+        </p:cTn>
+      </p:par>
+    </p:tnLst>
+    <p:bldLst>
+      <p:bldP spid="3" grpId="0" build="p"/>
+    </p:bldLst>
+  </p:timing>
 </p:sld>
 </file>
 
@@ -6595,6 +9368,266 @@
   <p:clrMapOvr>
     <a:masterClrMapping/>
   </p:clrMapOvr>
+  <p:timing>
+    <p:tnLst>
+      <p:par>
+        <p:cTn id="1" dur="indefinite" restart="never" nodeType="tmRoot">
+          <p:childTnLst>
+            <p:seq concurrent="1" nextAc="seek">
+              <p:cTn id="2" dur="indefinite" nodeType="mainSeq">
+                <p:childTnLst>
+                  <p:par>
+                    <p:cTn id="3" fill="hold">
+                      <p:stCondLst>
+                        <p:cond delay="indefinite"/>
+                      </p:stCondLst>
+                      <p:childTnLst>
+                        <p:par>
+                          <p:cTn id="4" fill="hold">
+                            <p:stCondLst>
+                              <p:cond delay="0"/>
+                            </p:stCondLst>
+                            <p:childTnLst>
+                              <p:par>
+                                <p:cTn id="5" presetID="1" presetClass="entr" presetSubtype="0" fill="hold" grpId="0" nodeType="clickEffect">
+                                  <p:stCondLst>
+                                    <p:cond delay="0"/>
+                                  </p:stCondLst>
+                                  <p:childTnLst>
+                                    <p:set>
+                                      <p:cBhvr>
+                                        <p:cTn id="6" dur="1" fill="hold">
+                                          <p:stCondLst>
+                                            <p:cond delay="0"/>
+                                          </p:stCondLst>
+                                        </p:cTn>
+                                        <p:tgtEl>
+                                          <p:spTgt spid="3">
+                                            <p:txEl>
+                                              <p:pRg st="0" end="0"/>
+                                            </p:txEl>
+                                          </p:spTgt>
+                                        </p:tgtEl>
+                                        <p:attrNameLst>
+                                          <p:attrName>style.visibility</p:attrName>
+                                        </p:attrNameLst>
+                                      </p:cBhvr>
+                                      <p:to>
+                                        <p:strVal val="visible"/>
+                                      </p:to>
+                                    </p:set>
+                                  </p:childTnLst>
+                                </p:cTn>
+                              </p:par>
+                              <p:par>
+                                <p:cTn id="7" presetID="1" presetClass="entr" presetSubtype="0" fill="hold" grpId="0" nodeType="withEffect">
+                                  <p:stCondLst>
+                                    <p:cond delay="0"/>
+                                  </p:stCondLst>
+                                  <p:childTnLst>
+                                    <p:set>
+                                      <p:cBhvr>
+                                        <p:cTn id="8" dur="1" fill="hold">
+                                          <p:stCondLst>
+                                            <p:cond delay="0"/>
+                                          </p:stCondLst>
+                                        </p:cTn>
+                                        <p:tgtEl>
+                                          <p:spTgt spid="3">
+                                            <p:txEl>
+                                              <p:pRg st="1" end="1"/>
+                                            </p:txEl>
+                                          </p:spTgt>
+                                        </p:tgtEl>
+                                        <p:attrNameLst>
+                                          <p:attrName>style.visibility</p:attrName>
+                                        </p:attrNameLst>
+                                      </p:cBhvr>
+                                      <p:to>
+                                        <p:strVal val="visible"/>
+                                      </p:to>
+                                    </p:set>
+                                  </p:childTnLst>
+                                </p:cTn>
+                              </p:par>
+                            </p:childTnLst>
+                          </p:cTn>
+                        </p:par>
+                      </p:childTnLst>
+                    </p:cTn>
+                  </p:par>
+                  <p:par>
+                    <p:cTn id="9" fill="hold">
+                      <p:stCondLst>
+                        <p:cond delay="indefinite"/>
+                      </p:stCondLst>
+                      <p:childTnLst>
+                        <p:par>
+                          <p:cTn id="10" fill="hold">
+                            <p:stCondLst>
+                              <p:cond delay="0"/>
+                            </p:stCondLst>
+                            <p:childTnLst>
+                              <p:par>
+                                <p:cTn id="11" presetID="1" presetClass="entr" presetSubtype="0" fill="hold" grpId="0" nodeType="clickEffect">
+                                  <p:stCondLst>
+                                    <p:cond delay="0"/>
+                                  </p:stCondLst>
+                                  <p:childTnLst>
+                                    <p:set>
+                                      <p:cBhvr>
+                                        <p:cTn id="12" dur="1" fill="hold">
+                                          <p:stCondLst>
+                                            <p:cond delay="0"/>
+                                          </p:stCondLst>
+                                        </p:cTn>
+                                        <p:tgtEl>
+                                          <p:spTgt spid="3">
+                                            <p:txEl>
+                                              <p:pRg st="2" end="2"/>
+                                            </p:txEl>
+                                          </p:spTgt>
+                                        </p:tgtEl>
+                                        <p:attrNameLst>
+                                          <p:attrName>style.visibility</p:attrName>
+                                        </p:attrNameLst>
+                                      </p:cBhvr>
+                                      <p:to>
+                                        <p:strVal val="visible"/>
+                                      </p:to>
+                                    </p:set>
+                                  </p:childTnLst>
+                                </p:cTn>
+                              </p:par>
+                            </p:childTnLst>
+                          </p:cTn>
+                        </p:par>
+                      </p:childTnLst>
+                    </p:cTn>
+                  </p:par>
+                  <p:par>
+                    <p:cTn id="13" fill="hold">
+                      <p:stCondLst>
+                        <p:cond delay="indefinite"/>
+                      </p:stCondLst>
+                      <p:childTnLst>
+                        <p:par>
+                          <p:cTn id="14" fill="hold">
+                            <p:stCondLst>
+                              <p:cond delay="0"/>
+                            </p:stCondLst>
+                            <p:childTnLst>
+                              <p:par>
+                                <p:cTn id="15" presetID="1" presetClass="entr" presetSubtype="0" fill="hold" grpId="0" nodeType="clickEffect">
+                                  <p:stCondLst>
+                                    <p:cond delay="0"/>
+                                  </p:stCondLst>
+                                  <p:childTnLst>
+                                    <p:set>
+                                      <p:cBhvr>
+                                        <p:cTn id="16" dur="1" fill="hold">
+                                          <p:stCondLst>
+                                            <p:cond delay="0"/>
+                                          </p:stCondLst>
+                                        </p:cTn>
+                                        <p:tgtEl>
+                                          <p:spTgt spid="3">
+                                            <p:txEl>
+                                              <p:pRg st="3" end="3"/>
+                                            </p:txEl>
+                                          </p:spTgt>
+                                        </p:tgtEl>
+                                        <p:attrNameLst>
+                                          <p:attrName>style.visibility</p:attrName>
+                                        </p:attrNameLst>
+                                      </p:cBhvr>
+                                      <p:to>
+                                        <p:strVal val="visible"/>
+                                      </p:to>
+                                    </p:set>
+                                  </p:childTnLst>
+                                </p:cTn>
+                              </p:par>
+                            </p:childTnLst>
+                          </p:cTn>
+                        </p:par>
+                      </p:childTnLst>
+                    </p:cTn>
+                  </p:par>
+                  <p:par>
+                    <p:cTn id="17" fill="hold">
+                      <p:stCondLst>
+                        <p:cond delay="indefinite"/>
+                      </p:stCondLst>
+                      <p:childTnLst>
+                        <p:par>
+                          <p:cTn id="18" fill="hold">
+                            <p:stCondLst>
+                              <p:cond delay="0"/>
+                            </p:stCondLst>
+                            <p:childTnLst>
+                              <p:par>
+                                <p:cTn id="19" presetID="1" presetClass="entr" presetSubtype="0" fill="hold" grpId="0" nodeType="clickEffect">
+                                  <p:stCondLst>
+                                    <p:cond delay="0"/>
+                                  </p:stCondLst>
+                                  <p:childTnLst>
+                                    <p:set>
+                                      <p:cBhvr>
+                                        <p:cTn id="20" dur="1" fill="hold">
+                                          <p:stCondLst>
+                                            <p:cond delay="0"/>
+                                          </p:stCondLst>
+                                        </p:cTn>
+                                        <p:tgtEl>
+                                          <p:spTgt spid="3">
+                                            <p:txEl>
+                                              <p:pRg st="4" end="4"/>
+                                            </p:txEl>
+                                          </p:spTgt>
+                                        </p:tgtEl>
+                                        <p:attrNameLst>
+                                          <p:attrName>style.visibility</p:attrName>
+                                        </p:attrNameLst>
+                                      </p:cBhvr>
+                                      <p:to>
+                                        <p:strVal val="visible"/>
+                                      </p:to>
+                                    </p:set>
+                                  </p:childTnLst>
+                                </p:cTn>
+                              </p:par>
+                            </p:childTnLst>
+                          </p:cTn>
+                        </p:par>
+                      </p:childTnLst>
+                    </p:cTn>
+                  </p:par>
+                </p:childTnLst>
+              </p:cTn>
+              <p:prevCondLst>
+                <p:cond evt="onPrev" delay="0">
+                  <p:tgtEl>
+                    <p:sldTgt/>
+                  </p:tgtEl>
+                </p:cond>
+              </p:prevCondLst>
+              <p:nextCondLst>
+                <p:cond evt="onNext" delay="0">
+                  <p:tgtEl>
+                    <p:sldTgt/>
+                  </p:tgtEl>
+                </p:cond>
+              </p:nextCondLst>
+            </p:seq>
+          </p:childTnLst>
+        </p:cTn>
+      </p:par>
+    </p:tnLst>
+    <p:bldLst>
+      <p:bldP spid="3" grpId="0" build="p"/>
+    </p:bldLst>
+  </p:timing>
 </p:sld>
 </file>
 
@@ -6814,6 +9847,372 @@
   <p:clrMapOvr>
     <a:masterClrMapping/>
   </p:clrMapOvr>
+  <p:timing>
+    <p:tnLst>
+      <p:par>
+        <p:cTn id="1" dur="indefinite" restart="never" nodeType="tmRoot">
+          <p:childTnLst>
+            <p:seq concurrent="1" nextAc="seek">
+              <p:cTn id="2" dur="indefinite" nodeType="mainSeq">
+                <p:childTnLst>
+                  <p:par>
+                    <p:cTn id="3" fill="hold">
+                      <p:stCondLst>
+                        <p:cond delay="indefinite"/>
+                      </p:stCondLst>
+                      <p:childTnLst>
+                        <p:par>
+                          <p:cTn id="4" fill="hold">
+                            <p:stCondLst>
+                              <p:cond delay="0"/>
+                            </p:stCondLst>
+                            <p:childTnLst>
+                              <p:par>
+                                <p:cTn id="5" presetID="1" presetClass="entr" presetSubtype="0" fill="hold" grpId="0" nodeType="clickEffect">
+                                  <p:stCondLst>
+                                    <p:cond delay="0"/>
+                                  </p:stCondLst>
+                                  <p:childTnLst>
+                                    <p:set>
+                                      <p:cBhvr>
+                                        <p:cTn id="6" dur="1" fill="hold">
+                                          <p:stCondLst>
+                                            <p:cond delay="0"/>
+                                          </p:stCondLst>
+                                        </p:cTn>
+                                        <p:tgtEl>
+                                          <p:spTgt spid="3">
+                                            <p:txEl>
+                                              <p:pRg st="0" end="0"/>
+                                            </p:txEl>
+                                          </p:spTgt>
+                                        </p:tgtEl>
+                                        <p:attrNameLst>
+                                          <p:attrName>style.visibility</p:attrName>
+                                        </p:attrNameLst>
+                                      </p:cBhvr>
+                                      <p:to>
+                                        <p:strVal val="visible"/>
+                                      </p:to>
+                                    </p:set>
+                                  </p:childTnLst>
+                                </p:cTn>
+                              </p:par>
+                              <p:par>
+                                <p:cTn id="7" presetID="1" presetClass="entr" presetSubtype="0" fill="hold" grpId="0" nodeType="withEffect">
+                                  <p:stCondLst>
+                                    <p:cond delay="0"/>
+                                  </p:stCondLst>
+                                  <p:childTnLst>
+                                    <p:set>
+                                      <p:cBhvr>
+                                        <p:cTn id="8" dur="1" fill="hold">
+                                          <p:stCondLst>
+                                            <p:cond delay="0"/>
+                                          </p:stCondLst>
+                                        </p:cTn>
+                                        <p:tgtEl>
+                                          <p:spTgt spid="3">
+                                            <p:txEl>
+                                              <p:pRg st="1" end="1"/>
+                                            </p:txEl>
+                                          </p:spTgt>
+                                        </p:tgtEl>
+                                        <p:attrNameLst>
+                                          <p:attrName>style.visibility</p:attrName>
+                                        </p:attrNameLst>
+                                      </p:cBhvr>
+                                      <p:to>
+                                        <p:strVal val="visible"/>
+                                      </p:to>
+                                    </p:set>
+                                  </p:childTnLst>
+                                </p:cTn>
+                              </p:par>
+                              <p:par>
+                                <p:cTn id="9" presetID="1" presetClass="entr" presetSubtype="0" fill="hold" grpId="0" nodeType="withEffect">
+                                  <p:stCondLst>
+                                    <p:cond delay="0"/>
+                                  </p:stCondLst>
+                                  <p:childTnLst>
+                                    <p:set>
+                                      <p:cBhvr>
+                                        <p:cTn id="10" dur="1" fill="hold">
+                                          <p:stCondLst>
+                                            <p:cond delay="0"/>
+                                          </p:stCondLst>
+                                        </p:cTn>
+                                        <p:tgtEl>
+                                          <p:spTgt spid="3">
+                                            <p:txEl>
+                                              <p:pRg st="2" end="2"/>
+                                            </p:txEl>
+                                          </p:spTgt>
+                                        </p:tgtEl>
+                                        <p:attrNameLst>
+                                          <p:attrName>style.visibility</p:attrName>
+                                        </p:attrNameLst>
+                                      </p:cBhvr>
+                                      <p:to>
+                                        <p:strVal val="visible"/>
+                                      </p:to>
+                                    </p:set>
+                                  </p:childTnLst>
+                                </p:cTn>
+                              </p:par>
+                              <p:par>
+                                <p:cTn id="11" presetID="1" presetClass="entr" presetSubtype="0" fill="hold" grpId="0" nodeType="withEffect">
+                                  <p:stCondLst>
+                                    <p:cond delay="0"/>
+                                  </p:stCondLst>
+                                  <p:childTnLst>
+                                    <p:set>
+                                      <p:cBhvr>
+                                        <p:cTn id="12" dur="1" fill="hold">
+                                          <p:stCondLst>
+                                            <p:cond delay="0"/>
+                                          </p:stCondLst>
+                                        </p:cTn>
+                                        <p:tgtEl>
+                                          <p:spTgt spid="3">
+                                            <p:txEl>
+                                              <p:pRg st="3" end="3"/>
+                                            </p:txEl>
+                                          </p:spTgt>
+                                        </p:tgtEl>
+                                        <p:attrNameLst>
+                                          <p:attrName>style.visibility</p:attrName>
+                                        </p:attrNameLst>
+                                      </p:cBhvr>
+                                      <p:to>
+                                        <p:strVal val="visible"/>
+                                      </p:to>
+                                    </p:set>
+                                  </p:childTnLst>
+                                </p:cTn>
+                              </p:par>
+                            </p:childTnLst>
+                          </p:cTn>
+                        </p:par>
+                      </p:childTnLst>
+                    </p:cTn>
+                  </p:par>
+                  <p:par>
+                    <p:cTn id="13" fill="hold">
+                      <p:stCondLst>
+                        <p:cond delay="indefinite"/>
+                      </p:stCondLst>
+                      <p:childTnLst>
+                        <p:par>
+                          <p:cTn id="14" fill="hold">
+                            <p:stCondLst>
+                              <p:cond delay="0"/>
+                            </p:stCondLst>
+                            <p:childTnLst>
+                              <p:par>
+                                <p:cTn id="15" presetID="1" presetClass="entr" presetSubtype="0" fill="hold" grpId="0" nodeType="clickEffect">
+                                  <p:stCondLst>
+                                    <p:cond delay="0"/>
+                                  </p:stCondLst>
+                                  <p:childTnLst>
+                                    <p:set>
+                                      <p:cBhvr>
+                                        <p:cTn id="16" dur="1" fill="hold">
+                                          <p:stCondLst>
+                                            <p:cond delay="0"/>
+                                          </p:stCondLst>
+                                        </p:cTn>
+                                        <p:tgtEl>
+                                          <p:spTgt spid="3">
+                                            <p:txEl>
+                                              <p:pRg st="4" end="4"/>
+                                            </p:txEl>
+                                          </p:spTgt>
+                                        </p:tgtEl>
+                                        <p:attrNameLst>
+                                          <p:attrName>style.visibility</p:attrName>
+                                        </p:attrNameLst>
+                                      </p:cBhvr>
+                                      <p:to>
+                                        <p:strVal val="visible"/>
+                                      </p:to>
+                                    </p:set>
+                                  </p:childTnLst>
+                                </p:cTn>
+                              </p:par>
+                              <p:par>
+                                <p:cTn id="17" presetID="1" presetClass="entr" presetSubtype="0" fill="hold" grpId="0" nodeType="withEffect">
+                                  <p:stCondLst>
+                                    <p:cond delay="0"/>
+                                  </p:stCondLst>
+                                  <p:childTnLst>
+                                    <p:set>
+                                      <p:cBhvr>
+                                        <p:cTn id="18" dur="1" fill="hold">
+                                          <p:stCondLst>
+                                            <p:cond delay="0"/>
+                                          </p:stCondLst>
+                                        </p:cTn>
+                                        <p:tgtEl>
+                                          <p:spTgt spid="3">
+                                            <p:txEl>
+                                              <p:pRg st="5" end="5"/>
+                                            </p:txEl>
+                                          </p:spTgt>
+                                        </p:tgtEl>
+                                        <p:attrNameLst>
+                                          <p:attrName>style.visibility</p:attrName>
+                                        </p:attrNameLst>
+                                      </p:cBhvr>
+                                      <p:to>
+                                        <p:strVal val="visible"/>
+                                      </p:to>
+                                    </p:set>
+                                  </p:childTnLst>
+                                </p:cTn>
+                              </p:par>
+                              <p:par>
+                                <p:cTn id="19" presetID="1" presetClass="entr" presetSubtype="0" fill="hold" grpId="0" nodeType="withEffect">
+                                  <p:stCondLst>
+                                    <p:cond delay="0"/>
+                                  </p:stCondLst>
+                                  <p:childTnLst>
+                                    <p:set>
+                                      <p:cBhvr>
+                                        <p:cTn id="20" dur="1" fill="hold">
+                                          <p:stCondLst>
+                                            <p:cond delay="0"/>
+                                          </p:stCondLst>
+                                        </p:cTn>
+                                        <p:tgtEl>
+                                          <p:spTgt spid="3">
+                                            <p:txEl>
+                                              <p:pRg st="6" end="6"/>
+                                            </p:txEl>
+                                          </p:spTgt>
+                                        </p:tgtEl>
+                                        <p:attrNameLst>
+                                          <p:attrName>style.visibility</p:attrName>
+                                        </p:attrNameLst>
+                                      </p:cBhvr>
+                                      <p:to>
+                                        <p:strVal val="visible"/>
+                                      </p:to>
+                                    </p:set>
+                                  </p:childTnLst>
+                                </p:cTn>
+                              </p:par>
+                            </p:childTnLst>
+                          </p:cTn>
+                        </p:par>
+                      </p:childTnLst>
+                    </p:cTn>
+                  </p:par>
+                  <p:par>
+                    <p:cTn id="21" fill="hold">
+                      <p:stCondLst>
+                        <p:cond delay="indefinite"/>
+                      </p:stCondLst>
+                      <p:childTnLst>
+                        <p:par>
+                          <p:cTn id="22" fill="hold">
+                            <p:stCondLst>
+                              <p:cond delay="0"/>
+                            </p:stCondLst>
+                            <p:childTnLst>
+                              <p:par>
+                                <p:cTn id="23" presetID="1" presetClass="entr" presetSubtype="0" fill="hold" grpId="0" nodeType="clickEffect">
+                                  <p:stCondLst>
+                                    <p:cond delay="0"/>
+                                  </p:stCondLst>
+                                  <p:childTnLst>
+                                    <p:set>
+                                      <p:cBhvr>
+                                        <p:cTn id="24" dur="1" fill="hold">
+                                          <p:stCondLst>
+                                            <p:cond delay="0"/>
+                                          </p:stCondLst>
+                                        </p:cTn>
+                                        <p:tgtEl>
+                                          <p:spTgt spid="3">
+                                            <p:txEl>
+                                              <p:pRg st="7" end="7"/>
+                                            </p:txEl>
+                                          </p:spTgt>
+                                        </p:tgtEl>
+                                        <p:attrNameLst>
+                                          <p:attrName>style.visibility</p:attrName>
+                                        </p:attrNameLst>
+                                      </p:cBhvr>
+                                      <p:to>
+                                        <p:strVal val="visible"/>
+                                      </p:to>
+                                    </p:set>
+                                  </p:childTnLst>
+                                </p:cTn>
+                              </p:par>
+                              <p:par>
+                                <p:cTn id="25" presetID="1" presetClass="entr" presetSubtype="0" fill="hold" grpId="0" nodeType="withEffect">
+                                  <p:stCondLst>
+                                    <p:cond delay="0"/>
+                                  </p:stCondLst>
+                                  <p:childTnLst>
+                                    <p:set>
+                                      <p:cBhvr>
+                                        <p:cTn id="26" dur="1" fill="hold">
+                                          <p:stCondLst>
+                                            <p:cond delay="0"/>
+                                          </p:stCondLst>
+                                        </p:cTn>
+                                        <p:tgtEl>
+                                          <p:spTgt spid="3">
+                                            <p:txEl>
+                                              <p:pRg st="8" end="8"/>
+                                            </p:txEl>
+                                          </p:spTgt>
+                                        </p:tgtEl>
+                                        <p:attrNameLst>
+                                          <p:attrName>style.visibility</p:attrName>
+                                        </p:attrNameLst>
+                                      </p:cBhvr>
+                                      <p:to>
+                                        <p:strVal val="visible"/>
+                                      </p:to>
+                                    </p:set>
+                                  </p:childTnLst>
+                                </p:cTn>
+                              </p:par>
+                            </p:childTnLst>
+                          </p:cTn>
+                        </p:par>
+                      </p:childTnLst>
+                    </p:cTn>
+                  </p:par>
+                </p:childTnLst>
+              </p:cTn>
+              <p:prevCondLst>
+                <p:cond evt="onPrev" delay="0">
+                  <p:tgtEl>
+                    <p:sldTgt/>
+                  </p:tgtEl>
+                </p:cond>
+              </p:prevCondLst>
+              <p:nextCondLst>
+                <p:cond evt="onNext" delay="0">
+                  <p:tgtEl>
+                    <p:sldTgt/>
+                  </p:tgtEl>
+                </p:cond>
+              </p:nextCondLst>
+            </p:seq>
+          </p:childTnLst>
+        </p:cTn>
+      </p:par>
+    </p:tnLst>
+    <p:bldLst>
+      <p:bldP spid="3" grpId="0" build="p"/>
+    </p:bldLst>
+  </p:timing>
 </p:sld>
 </file>
 
@@ -7420,6 +10819,359 @@
   <p:clrMapOvr>
     <a:masterClrMapping/>
   </p:clrMapOvr>
+  <p:timing>
+    <p:tnLst>
+      <p:par>
+        <p:cTn id="1" dur="indefinite" restart="never" nodeType="tmRoot">
+          <p:childTnLst>
+            <p:seq concurrent="1" nextAc="seek">
+              <p:cTn id="2" dur="indefinite" nodeType="mainSeq">
+                <p:childTnLst>
+                  <p:par>
+                    <p:cTn id="3" fill="hold">
+                      <p:stCondLst>
+                        <p:cond delay="indefinite"/>
+                      </p:stCondLst>
+                      <p:childTnLst>
+                        <p:par>
+                          <p:cTn id="4" fill="hold">
+                            <p:stCondLst>
+                              <p:cond delay="0"/>
+                            </p:stCondLst>
+                            <p:childTnLst>
+                              <p:par>
+                                <p:cTn id="5" presetID="1" presetClass="entr" presetSubtype="0" fill="hold" grpId="0" nodeType="clickEffect">
+                                  <p:stCondLst>
+                                    <p:cond delay="0"/>
+                                  </p:stCondLst>
+                                  <p:childTnLst>
+                                    <p:set>
+                                      <p:cBhvr>
+                                        <p:cTn id="6" dur="1" fill="hold">
+                                          <p:stCondLst>
+                                            <p:cond delay="0"/>
+                                          </p:stCondLst>
+                                        </p:cTn>
+                                        <p:tgtEl>
+                                          <p:spTgt spid="3">
+                                            <p:txEl>
+                                              <p:pRg st="0" end="0"/>
+                                            </p:txEl>
+                                          </p:spTgt>
+                                        </p:tgtEl>
+                                        <p:attrNameLst>
+                                          <p:attrName>style.visibility</p:attrName>
+                                        </p:attrNameLst>
+                                      </p:cBhvr>
+                                      <p:to>
+                                        <p:strVal val="visible"/>
+                                      </p:to>
+                                    </p:set>
+                                  </p:childTnLst>
+                                </p:cTn>
+                              </p:par>
+                            </p:childTnLst>
+                          </p:cTn>
+                        </p:par>
+                      </p:childTnLst>
+                    </p:cTn>
+                  </p:par>
+                  <p:par>
+                    <p:cTn id="7" fill="hold">
+                      <p:stCondLst>
+                        <p:cond delay="indefinite"/>
+                      </p:stCondLst>
+                      <p:childTnLst>
+                        <p:par>
+                          <p:cTn id="8" fill="hold">
+                            <p:stCondLst>
+                              <p:cond delay="0"/>
+                            </p:stCondLst>
+                            <p:childTnLst>
+                              <p:par>
+                                <p:cTn id="9" presetID="1" presetClass="entr" presetSubtype="0" fill="hold" grpId="0" nodeType="clickEffect">
+                                  <p:stCondLst>
+                                    <p:cond delay="0"/>
+                                  </p:stCondLst>
+                                  <p:childTnLst>
+                                    <p:set>
+                                      <p:cBhvr>
+                                        <p:cTn id="10" dur="1" fill="hold">
+                                          <p:stCondLst>
+                                            <p:cond delay="0"/>
+                                          </p:stCondLst>
+                                        </p:cTn>
+                                        <p:tgtEl>
+                                          <p:spTgt spid="3">
+                                            <p:txEl>
+                                              <p:pRg st="1" end="1"/>
+                                            </p:txEl>
+                                          </p:spTgt>
+                                        </p:tgtEl>
+                                        <p:attrNameLst>
+                                          <p:attrName>style.visibility</p:attrName>
+                                        </p:attrNameLst>
+                                      </p:cBhvr>
+                                      <p:to>
+                                        <p:strVal val="visible"/>
+                                      </p:to>
+                                    </p:set>
+                                  </p:childTnLst>
+                                </p:cTn>
+                              </p:par>
+                              <p:par>
+                                <p:cTn id="11" presetID="1" presetClass="entr" presetSubtype="0" fill="hold" grpId="0" nodeType="withEffect">
+                                  <p:stCondLst>
+                                    <p:cond delay="0"/>
+                                  </p:stCondLst>
+                                  <p:childTnLst>
+                                    <p:set>
+                                      <p:cBhvr>
+                                        <p:cTn id="12" dur="1" fill="hold">
+                                          <p:stCondLst>
+                                            <p:cond delay="0"/>
+                                          </p:stCondLst>
+                                        </p:cTn>
+                                        <p:tgtEl>
+                                          <p:spTgt spid="3">
+                                            <p:txEl>
+                                              <p:pRg st="2" end="2"/>
+                                            </p:txEl>
+                                          </p:spTgt>
+                                        </p:tgtEl>
+                                        <p:attrNameLst>
+                                          <p:attrName>style.visibility</p:attrName>
+                                        </p:attrNameLst>
+                                      </p:cBhvr>
+                                      <p:to>
+                                        <p:strVal val="visible"/>
+                                      </p:to>
+                                    </p:set>
+                                  </p:childTnLst>
+                                </p:cTn>
+                              </p:par>
+                            </p:childTnLst>
+                          </p:cTn>
+                        </p:par>
+                      </p:childTnLst>
+                    </p:cTn>
+                  </p:par>
+                  <p:par>
+                    <p:cTn id="13" fill="hold">
+                      <p:stCondLst>
+                        <p:cond delay="indefinite"/>
+                      </p:stCondLst>
+                      <p:childTnLst>
+                        <p:par>
+                          <p:cTn id="14" fill="hold">
+                            <p:stCondLst>
+                              <p:cond delay="0"/>
+                            </p:stCondLst>
+                            <p:childTnLst>
+                              <p:par>
+                                <p:cTn id="15" presetID="1" presetClass="entr" presetSubtype="0" fill="hold" grpId="0" nodeType="clickEffect">
+                                  <p:stCondLst>
+                                    <p:cond delay="0"/>
+                                  </p:stCondLst>
+                                  <p:childTnLst>
+                                    <p:set>
+                                      <p:cBhvr>
+                                        <p:cTn id="16" dur="1" fill="hold">
+                                          <p:stCondLst>
+                                            <p:cond delay="0"/>
+                                          </p:stCondLst>
+                                        </p:cTn>
+                                        <p:tgtEl>
+                                          <p:spTgt spid="3">
+                                            <p:txEl>
+                                              <p:pRg st="3" end="3"/>
+                                            </p:txEl>
+                                          </p:spTgt>
+                                        </p:tgtEl>
+                                        <p:attrNameLst>
+                                          <p:attrName>style.visibility</p:attrName>
+                                        </p:attrNameLst>
+                                      </p:cBhvr>
+                                      <p:to>
+                                        <p:strVal val="visible"/>
+                                      </p:to>
+                                    </p:set>
+                                  </p:childTnLst>
+                                </p:cTn>
+                              </p:par>
+                              <p:par>
+                                <p:cTn id="17" presetID="1" presetClass="entr" presetSubtype="0" fill="hold" grpId="0" nodeType="withEffect">
+                                  <p:stCondLst>
+                                    <p:cond delay="0"/>
+                                  </p:stCondLst>
+                                  <p:childTnLst>
+                                    <p:set>
+                                      <p:cBhvr>
+                                        <p:cTn id="18" dur="1" fill="hold">
+                                          <p:stCondLst>
+                                            <p:cond delay="0"/>
+                                          </p:stCondLst>
+                                        </p:cTn>
+                                        <p:tgtEl>
+                                          <p:spTgt spid="3">
+                                            <p:txEl>
+                                              <p:pRg st="4" end="4"/>
+                                            </p:txEl>
+                                          </p:spTgt>
+                                        </p:tgtEl>
+                                        <p:attrNameLst>
+                                          <p:attrName>style.visibility</p:attrName>
+                                        </p:attrNameLst>
+                                      </p:cBhvr>
+                                      <p:to>
+                                        <p:strVal val="visible"/>
+                                      </p:to>
+                                    </p:set>
+                                  </p:childTnLst>
+                                </p:cTn>
+                              </p:par>
+                              <p:par>
+                                <p:cTn id="19" presetID="1" presetClass="entr" presetSubtype="0" fill="hold" grpId="0" nodeType="withEffect">
+                                  <p:stCondLst>
+                                    <p:cond delay="0"/>
+                                  </p:stCondLst>
+                                  <p:childTnLst>
+                                    <p:set>
+                                      <p:cBhvr>
+                                        <p:cTn id="20" dur="1" fill="hold">
+                                          <p:stCondLst>
+                                            <p:cond delay="0"/>
+                                          </p:stCondLst>
+                                        </p:cTn>
+                                        <p:tgtEl>
+                                          <p:spTgt spid="3">
+                                            <p:txEl>
+                                              <p:pRg st="5" end="5"/>
+                                            </p:txEl>
+                                          </p:spTgt>
+                                        </p:tgtEl>
+                                        <p:attrNameLst>
+                                          <p:attrName>style.visibility</p:attrName>
+                                        </p:attrNameLst>
+                                      </p:cBhvr>
+                                      <p:to>
+                                        <p:strVal val="visible"/>
+                                      </p:to>
+                                    </p:set>
+                                  </p:childTnLst>
+                                </p:cTn>
+                              </p:par>
+                            </p:childTnLst>
+                          </p:cTn>
+                        </p:par>
+                      </p:childTnLst>
+                    </p:cTn>
+                  </p:par>
+                  <p:par>
+                    <p:cTn id="21" fill="hold">
+                      <p:stCondLst>
+                        <p:cond delay="indefinite"/>
+                      </p:stCondLst>
+                      <p:childTnLst>
+                        <p:par>
+                          <p:cTn id="22" fill="hold">
+                            <p:stCondLst>
+                              <p:cond delay="0"/>
+                            </p:stCondLst>
+                            <p:childTnLst>
+                              <p:par>
+                                <p:cTn id="23" presetID="1" presetClass="entr" presetSubtype="0" fill="hold" grpId="0" nodeType="clickEffect">
+                                  <p:stCondLst>
+                                    <p:cond delay="0"/>
+                                  </p:stCondLst>
+                                  <p:childTnLst>
+                                    <p:set>
+                                      <p:cBhvr>
+                                        <p:cTn id="24" dur="1" fill="hold">
+                                          <p:stCondLst>
+                                            <p:cond delay="0"/>
+                                          </p:stCondLst>
+                                        </p:cTn>
+                                        <p:tgtEl>
+                                          <p:spTgt spid="3">
+                                            <p:txEl>
+                                              <p:pRg st="6" end="6"/>
+                                            </p:txEl>
+                                          </p:spTgt>
+                                        </p:tgtEl>
+                                        <p:attrNameLst>
+                                          <p:attrName>style.visibility</p:attrName>
+                                        </p:attrNameLst>
+                                      </p:cBhvr>
+                                      <p:to>
+                                        <p:strVal val="visible"/>
+                                      </p:to>
+                                    </p:set>
+                                  </p:childTnLst>
+                                </p:cTn>
+                              </p:par>
+                              <p:par>
+                                <p:cTn id="25" presetID="1" presetClass="entr" presetSubtype="0" fill="hold" grpId="0" nodeType="withEffect">
+                                  <p:stCondLst>
+                                    <p:cond delay="0"/>
+                                  </p:stCondLst>
+                                  <p:childTnLst>
+                                    <p:set>
+                                      <p:cBhvr>
+                                        <p:cTn id="26" dur="1" fill="hold">
+                                          <p:stCondLst>
+                                            <p:cond delay="0"/>
+                                          </p:stCondLst>
+                                        </p:cTn>
+                                        <p:tgtEl>
+                                          <p:spTgt spid="3">
+                                            <p:txEl>
+                                              <p:pRg st="7" end="7"/>
+                                            </p:txEl>
+                                          </p:spTgt>
+                                        </p:tgtEl>
+                                        <p:attrNameLst>
+                                          <p:attrName>style.visibility</p:attrName>
+                                        </p:attrNameLst>
+                                      </p:cBhvr>
+                                      <p:to>
+                                        <p:strVal val="visible"/>
+                                      </p:to>
+                                    </p:set>
+                                  </p:childTnLst>
+                                </p:cTn>
+                              </p:par>
+                            </p:childTnLst>
+                          </p:cTn>
+                        </p:par>
+                      </p:childTnLst>
+                    </p:cTn>
+                  </p:par>
+                </p:childTnLst>
+              </p:cTn>
+              <p:prevCondLst>
+                <p:cond evt="onPrev" delay="0">
+                  <p:tgtEl>
+                    <p:sldTgt/>
+                  </p:tgtEl>
+                </p:cond>
+              </p:prevCondLst>
+              <p:nextCondLst>
+                <p:cond evt="onNext" delay="0">
+                  <p:tgtEl>
+                    <p:sldTgt/>
+                  </p:tgtEl>
+                </p:cond>
+              </p:nextCondLst>
+            </p:seq>
+          </p:childTnLst>
+        </p:cTn>
+      </p:par>
+    </p:tnLst>
+    <p:bldLst>
+      <p:bldP spid="3" grpId="0" build="p"/>
+    </p:bldLst>
+  </p:timing>
 </p:sld>
 </file>
 
